--- a/sport_news.pptx
+++ b/sport_news.pptx
@@ -347,104 +347,239 @@
         <p:txBody>
           <a:bodyPr anchorCtr="0" anchor="t" bIns="91425" lIns="91425" spcFirstLastPara="1" rIns="91425" wrap="square" tIns="91425"/>
           <a:lstStyle>
-            <a:lvl1pPr indent="-298450" lvl="0" marL="457200">
-              <a:spcBef>
-                <a:spcPts val="0"/>
-              </a:spcBef>
-              <a:spcAft>
-                <a:spcPts val="0"/>
-              </a:spcAft>
+            <a:lvl1pPr indent="-298450" lvl="0" marL="457200" marR="0" rtl="0" algn="l">
+              <a:lnSpc>
+                <a:spcPct val="100000"/>
+              </a:lnSpc>
+              <a:spcBef>
+                <a:spcPts val="0"/>
+              </a:spcBef>
+              <a:spcAft>
+                <a:spcPts val="0"/>
+              </a:spcAft>
+              <a:buClr>
+                <a:srgbClr val="000000"/>
+              </a:buClr>
               <a:buSzPts val="1100"/>
+              <a:buFont typeface="Arial"/>
               <a:buChar char="●"/>
-              <a:defRPr sz="1100"/>
+              <a:defRPr b="0" i="0" sz="1100" u="none" cap="none" strike="noStrike">
+                <a:solidFill>
+                  <a:srgbClr val="000000"/>
+                </a:solidFill>
+                <a:latin typeface="Arial"/>
+                <a:ea typeface="Arial"/>
+                <a:cs typeface="Arial"/>
+                <a:sym typeface="Arial"/>
+              </a:defRPr>
             </a:lvl1pPr>
-            <a:lvl2pPr indent="-298450" lvl="1" marL="914400">
-              <a:spcBef>
-                <a:spcPts val="0"/>
-              </a:spcBef>
-              <a:spcAft>
-                <a:spcPts val="0"/>
-              </a:spcAft>
+            <a:lvl2pPr indent="-298450" lvl="1" marL="914400" marR="0" rtl="0" algn="l">
+              <a:lnSpc>
+                <a:spcPct val="100000"/>
+              </a:lnSpc>
+              <a:spcBef>
+                <a:spcPts val="0"/>
+              </a:spcBef>
+              <a:spcAft>
+                <a:spcPts val="0"/>
+              </a:spcAft>
+              <a:buClr>
+                <a:srgbClr val="000000"/>
+              </a:buClr>
               <a:buSzPts val="1100"/>
+              <a:buFont typeface="Arial"/>
               <a:buChar char="○"/>
-              <a:defRPr sz="1100"/>
+              <a:defRPr b="0" i="0" sz="1100" u="none" cap="none" strike="noStrike">
+                <a:solidFill>
+                  <a:srgbClr val="000000"/>
+                </a:solidFill>
+                <a:latin typeface="Arial"/>
+                <a:ea typeface="Arial"/>
+                <a:cs typeface="Arial"/>
+                <a:sym typeface="Arial"/>
+              </a:defRPr>
             </a:lvl2pPr>
-            <a:lvl3pPr indent="-298450" lvl="2" marL="1371600">
-              <a:spcBef>
-                <a:spcPts val="0"/>
-              </a:spcBef>
-              <a:spcAft>
-                <a:spcPts val="0"/>
-              </a:spcAft>
+            <a:lvl3pPr indent="-298450" lvl="2" marL="1371600" marR="0" rtl="0" algn="l">
+              <a:lnSpc>
+                <a:spcPct val="100000"/>
+              </a:lnSpc>
+              <a:spcBef>
+                <a:spcPts val="0"/>
+              </a:spcBef>
+              <a:spcAft>
+                <a:spcPts val="0"/>
+              </a:spcAft>
+              <a:buClr>
+                <a:srgbClr val="000000"/>
+              </a:buClr>
               <a:buSzPts val="1100"/>
+              <a:buFont typeface="Arial"/>
               <a:buChar char="■"/>
-              <a:defRPr sz="1100"/>
+              <a:defRPr b="0" i="0" sz="1100" u="none" cap="none" strike="noStrike">
+                <a:solidFill>
+                  <a:srgbClr val="000000"/>
+                </a:solidFill>
+                <a:latin typeface="Arial"/>
+                <a:ea typeface="Arial"/>
+                <a:cs typeface="Arial"/>
+                <a:sym typeface="Arial"/>
+              </a:defRPr>
             </a:lvl3pPr>
-            <a:lvl4pPr indent="-298450" lvl="3" marL="1828800">
-              <a:spcBef>
-                <a:spcPts val="0"/>
-              </a:spcBef>
-              <a:spcAft>
-                <a:spcPts val="0"/>
-              </a:spcAft>
+            <a:lvl4pPr indent="-298450" lvl="3" marL="1828800" marR="0" rtl="0" algn="l">
+              <a:lnSpc>
+                <a:spcPct val="100000"/>
+              </a:lnSpc>
+              <a:spcBef>
+                <a:spcPts val="0"/>
+              </a:spcBef>
+              <a:spcAft>
+                <a:spcPts val="0"/>
+              </a:spcAft>
+              <a:buClr>
+                <a:srgbClr val="000000"/>
+              </a:buClr>
               <a:buSzPts val="1100"/>
+              <a:buFont typeface="Arial"/>
               <a:buChar char="●"/>
-              <a:defRPr sz="1100"/>
+              <a:defRPr b="0" i="0" sz="1100" u="none" cap="none" strike="noStrike">
+                <a:solidFill>
+                  <a:srgbClr val="000000"/>
+                </a:solidFill>
+                <a:latin typeface="Arial"/>
+                <a:ea typeface="Arial"/>
+                <a:cs typeface="Arial"/>
+                <a:sym typeface="Arial"/>
+              </a:defRPr>
             </a:lvl4pPr>
-            <a:lvl5pPr indent="-298450" lvl="4" marL="2286000">
-              <a:spcBef>
-                <a:spcPts val="0"/>
-              </a:spcBef>
-              <a:spcAft>
-                <a:spcPts val="0"/>
-              </a:spcAft>
+            <a:lvl5pPr indent="-298450" lvl="4" marL="2286000" marR="0" rtl="0" algn="l">
+              <a:lnSpc>
+                <a:spcPct val="100000"/>
+              </a:lnSpc>
+              <a:spcBef>
+                <a:spcPts val="0"/>
+              </a:spcBef>
+              <a:spcAft>
+                <a:spcPts val="0"/>
+              </a:spcAft>
+              <a:buClr>
+                <a:srgbClr val="000000"/>
+              </a:buClr>
               <a:buSzPts val="1100"/>
+              <a:buFont typeface="Arial"/>
               <a:buChar char="○"/>
-              <a:defRPr sz="1100"/>
+              <a:defRPr b="0" i="0" sz="1100" u="none" cap="none" strike="noStrike">
+                <a:solidFill>
+                  <a:srgbClr val="000000"/>
+                </a:solidFill>
+                <a:latin typeface="Arial"/>
+                <a:ea typeface="Arial"/>
+                <a:cs typeface="Arial"/>
+                <a:sym typeface="Arial"/>
+              </a:defRPr>
             </a:lvl5pPr>
-            <a:lvl6pPr indent="-298450" lvl="5" marL="2743200">
-              <a:spcBef>
-                <a:spcPts val="0"/>
-              </a:spcBef>
-              <a:spcAft>
-                <a:spcPts val="0"/>
-              </a:spcAft>
+            <a:lvl6pPr indent="-298450" lvl="5" marL="2743200" marR="0" rtl="0" algn="l">
+              <a:lnSpc>
+                <a:spcPct val="100000"/>
+              </a:lnSpc>
+              <a:spcBef>
+                <a:spcPts val="0"/>
+              </a:spcBef>
+              <a:spcAft>
+                <a:spcPts val="0"/>
+              </a:spcAft>
+              <a:buClr>
+                <a:srgbClr val="000000"/>
+              </a:buClr>
               <a:buSzPts val="1100"/>
+              <a:buFont typeface="Arial"/>
               <a:buChar char="■"/>
-              <a:defRPr sz="1100"/>
+              <a:defRPr b="0" i="0" sz="1100" u="none" cap="none" strike="noStrike">
+                <a:solidFill>
+                  <a:srgbClr val="000000"/>
+                </a:solidFill>
+                <a:latin typeface="Arial"/>
+                <a:ea typeface="Arial"/>
+                <a:cs typeface="Arial"/>
+                <a:sym typeface="Arial"/>
+              </a:defRPr>
             </a:lvl6pPr>
-            <a:lvl7pPr indent="-298450" lvl="6" marL="3200400">
-              <a:spcBef>
-                <a:spcPts val="0"/>
-              </a:spcBef>
-              <a:spcAft>
-                <a:spcPts val="0"/>
-              </a:spcAft>
+            <a:lvl7pPr indent="-298450" lvl="6" marL="3200400" marR="0" rtl="0" algn="l">
+              <a:lnSpc>
+                <a:spcPct val="100000"/>
+              </a:lnSpc>
+              <a:spcBef>
+                <a:spcPts val="0"/>
+              </a:spcBef>
+              <a:spcAft>
+                <a:spcPts val="0"/>
+              </a:spcAft>
+              <a:buClr>
+                <a:srgbClr val="000000"/>
+              </a:buClr>
               <a:buSzPts val="1100"/>
+              <a:buFont typeface="Arial"/>
               <a:buChar char="●"/>
-              <a:defRPr sz="1100"/>
+              <a:defRPr b="0" i="0" sz="1100" u="none" cap="none" strike="noStrike">
+                <a:solidFill>
+                  <a:srgbClr val="000000"/>
+                </a:solidFill>
+                <a:latin typeface="Arial"/>
+                <a:ea typeface="Arial"/>
+                <a:cs typeface="Arial"/>
+                <a:sym typeface="Arial"/>
+              </a:defRPr>
             </a:lvl7pPr>
-            <a:lvl8pPr indent="-298450" lvl="7" marL="3657600">
-              <a:spcBef>
-                <a:spcPts val="0"/>
-              </a:spcBef>
-              <a:spcAft>
-                <a:spcPts val="0"/>
-              </a:spcAft>
+            <a:lvl8pPr indent="-298450" lvl="7" marL="3657600" marR="0" rtl="0" algn="l">
+              <a:lnSpc>
+                <a:spcPct val="100000"/>
+              </a:lnSpc>
+              <a:spcBef>
+                <a:spcPts val="0"/>
+              </a:spcBef>
+              <a:spcAft>
+                <a:spcPts val="0"/>
+              </a:spcAft>
+              <a:buClr>
+                <a:srgbClr val="000000"/>
+              </a:buClr>
               <a:buSzPts val="1100"/>
+              <a:buFont typeface="Arial"/>
               <a:buChar char="○"/>
-              <a:defRPr sz="1100"/>
+              <a:defRPr b="0" i="0" sz="1100" u="none" cap="none" strike="noStrike">
+                <a:solidFill>
+                  <a:srgbClr val="000000"/>
+                </a:solidFill>
+                <a:latin typeface="Arial"/>
+                <a:ea typeface="Arial"/>
+                <a:cs typeface="Arial"/>
+                <a:sym typeface="Arial"/>
+              </a:defRPr>
             </a:lvl8pPr>
-            <a:lvl9pPr indent="-298450" lvl="8" marL="4114800">
-              <a:spcBef>
-                <a:spcPts val="0"/>
-              </a:spcBef>
-              <a:spcAft>
-                <a:spcPts val="0"/>
-              </a:spcAft>
+            <a:lvl9pPr indent="-298450" lvl="8" marL="4114800" marR="0" rtl="0" algn="l">
+              <a:lnSpc>
+                <a:spcPct val="100000"/>
+              </a:lnSpc>
+              <a:spcBef>
+                <a:spcPts val="0"/>
+              </a:spcBef>
+              <a:spcAft>
+                <a:spcPts val="0"/>
+              </a:spcAft>
+              <a:buClr>
+                <a:srgbClr val="000000"/>
+              </a:buClr>
               <a:buSzPts val="1100"/>
+              <a:buFont typeface="Arial"/>
               <a:buChar char="■"/>
-              <a:defRPr sz="1100"/>
+              <a:defRPr b="0" i="0" sz="1100" u="none" cap="none" strike="noStrike">
+                <a:solidFill>
+                  <a:srgbClr val="000000"/>
+                </a:solidFill>
+                <a:latin typeface="Arial"/>
+                <a:ea typeface="Arial"/>
+                <a:cs typeface="Arial"/>
+                <a:sym typeface="Arial"/>
+              </a:defRPr>
             </a:lvl9pPr>
           </a:lstStyle>
           <a:p/>
@@ -704,7 +839,7 @@
       </p:grpSpPr>
       <p:sp>
         <p:nvSpPr>
-          <p:cNvPr id="63" name="Google Shape;63;p:notes"/>
+          <p:cNvPr id="63" name="Google Shape;63;p1:notes"/>
           <p:cNvSpPr/>
           <p:nvPr>
             <p:ph idx="2" type="sldImg"/>
@@ -735,11 +870,21 @@
               </a:path>
             </a:pathLst>
           </a:custGeom>
+          <a:noFill/>
+          <a:ln cap="flat" cmpd="sng" w="9525">
+            <a:solidFill>
+              <a:srgbClr val="000000"/>
+            </a:solidFill>
+            <a:prstDash val="solid"/>
+            <a:round/>
+            <a:headEnd len="sm" w="sm" type="none"/>
+            <a:tailEnd len="sm" w="sm" type="none"/>
+          </a:ln>
         </p:spPr>
       </p:sp>
       <p:sp>
         <p:nvSpPr>
-          <p:cNvPr id="64" name="Google Shape;64;p:notes"/>
+          <p:cNvPr id="64" name="Google Shape;64;p1:notes"/>
           <p:cNvSpPr txBox="1"/>
           <p:nvPr>
             <p:ph idx="1" type="body"/>
@@ -753,6 +898,10 @@
           <a:prstGeom prst="rect">
             <a:avLst/>
           </a:prstGeom>
+          <a:noFill/>
+          <a:ln>
+            <a:noFill/>
+          </a:ln>
         </p:spPr>
         <p:txBody>
           <a:bodyPr anchorCtr="0" anchor="t" bIns="91425" lIns="91425" spcFirstLastPara="1" rIns="91425" wrap="square" tIns="91425">
@@ -761,12 +910,16 @@
           <a:lstStyle/>
           <a:p>
             <a:pPr indent="0" lvl="0" marL="0" rtl="0" algn="l">
-              <a:spcBef>
-                <a:spcPts val="0"/>
-              </a:spcBef>
-              <a:spcAft>
-                <a:spcPts val="0"/>
-              </a:spcAft>
+              <a:lnSpc>
+                <a:spcPct val="100000"/>
+              </a:lnSpc>
+              <a:spcBef>
+                <a:spcPts val="0"/>
+              </a:spcBef>
+              <a:spcAft>
+                <a:spcPts val="0"/>
+              </a:spcAft>
+              <a:buSzPts val="1100"/>
               <a:buNone/>
             </a:pPr>
             <a:r>
@@ -803,7 +956,7 @@
       </p:grpSpPr>
       <p:sp>
         <p:nvSpPr>
-          <p:cNvPr id="69" name="Google Shape;69;g55099c1313_0_493:notes"/>
+          <p:cNvPr id="69" name="Google Shape;69;p2:notes"/>
           <p:cNvSpPr/>
           <p:nvPr>
             <p:ph idx="2" type="sldImg"/>
@@ -834,11 +987,21 @@
               </a:path>
             </a:pathLst>
           </a:custGeom>
+          <a:noFill/>
+          <a:ln cap="flat" cmpd="sng" w="9525">
+            <a:solidFill>
+              <a:srgbClr val="000000"/>
+            </a:solidFill>
+            <a:prstDash val="solid"/>
+            <a:round/>
+            <a:headEnd len="sm" w="sm" type="none"/>
+            <a:tailEnd len="sm" w="sm" type="none"/>
+          </a:ln>
         </p:spPr>
       </p:sp>
       <p:sp>
         <p:nvSpPr>
-          <p:cNvPr id="70" name="Google Shape;70;g55099c1313_0_493:notes"/>
+          <p:cNvPr id="70" name="Google Shape;70;p2:notes"/>
           <p:cNvSpPr txBox="1"/>
           <p:nvPr>
             <p:ph idx="1" type="body"/>
@@ -852,6 +1015,10 @@
           <a:prstGeom prst="rect">
             <a:avLst/>
           </a:prstGeom>
+          <a:noFill/>
+          <a:ln>
+            <a:noFill/>
+          </a:ln>
         </p:spPr>
         <p:txBody>
           <a:bodyPr anchorCtr="0" anchor="t" bIns="91425" lIns="91425" spcFirstLastPara="1" rIns="91425" wrap="square" tIns="91425">
@@ -860,12 +1027,16 @@
           <a:lstStyle/>
           <a:p>
             <a:pPr indent="0" lvl="0" marL="0" rtl="0" algn="l">
-              <a:spcBef>
-                <a:spcPts val="0"/>
-              </a:spcBef>
-              <a:spcAft>
-                <a:spcPts val="0"/>
-              </a:spcAft>
+              <a:lnSpc>
+                <a:spcPct val="100000"/>
+              </a:lnSpc>
+              <a:spcBef>
+                <a:spcPts val="0"/>
+              </a:spcBef>
+              <a:spcAft>
+                <a:spcPts val="0"/>
+              </a:spcAft>
+              <a:buSzPts val="1100"/>
               <a:buNone/>
             </a:pPr>
             <a:r>
@@ -902,7 +1073,7 @@
       </p:grpSpPr>
       <p:sp>
         <p:nvSpPr>
-          <p:cNvPr id="75" name="Google Shape;75;g55099c1313_0_498:notes"/>
+          <p:cNvPr id="75" name="Google Shape;75;p3:notes"/>
           <p:cNvSpPr/>
           <p:nvPr>
             <p:ph idx="2" type="sldImg"/>
@@ -933,11 +1104,21 @@
               </a:path>
             </a:pathLst>
           </a:custGeom>
+          <a:noFill/>
+          <a:ln cap="flat" cmpd="sng" w="9525">
+            <a:solidFill>
+              <a:srgbClr val="000000"/>
+            </a:solidFill>
+            <a:prstDash val="solid"/>
+            <a:round/>
+            <a:headEnd len="sm" w="sm" type="none"/>
+            <a:tailEnd len="sm" w="sm" type="none"/>
+          </a:ln>
         </p:spPr>
       </p:sp>
       <p:sp>
         <p:nvSpPr>
-          <p:cNvPr id="76" name="Google Shape;76;g55099c1313_0_498:notes"/>
+          <p:cNvPr id="76" name="Google Shape;76;p3:notes"/>
           <p:cNvSpPr txBox="1"/>
           <p:nvPr>
             <p:ph idx="1" type="body"/>
@@ -951,6 +1132,10 @@
           <a:prstGeom prst="rect">
             <a:avLst/>
           </a:prstGeom>
+          <a:noFill/>
+          <a:ln>
+            <a:noFill/>
+          </a:ln>
         </p:spPr>
         <p:txBody>
           <a:bodyPr anchorCtr="0" anchor="t" bIns="91425" lIns="91425" spcFirstLastPara="1" rIns="91425" wrap="square" tIns="91425">
@@ -959,12 +1144,16 @@
           <a:lstStyle/>
           <a:p>
             <a:pPr indent="0" lvl="0" marL="0" rtl="0" algn="l">
-              <a:spcBef>
-                <a:spcPts val="0"/>
-              </a:spcBef>
-              <a:spcAft>
-                <a:spcPts val="0"/>
-              </a:spcAft>
+              <a:lnSpc>
+                <a:spcPct val="100000"/>
+              </a:lnSpc>
+              <a:spcBef>
+                <a:spcPts val="0"/>
+              </a:spcBef>
+              <a:spcAft>
+                <a:spcPts val="0"/>
+              </a:spcAft>
+              <a:buSzPts val="1100"/>
               <a:buNone/>
             </a:pPr>
             <a:r>
@@ -1001,7 +1190,7 @@
       </p:grpSpPr>
       <p:sp>
         <p:nvSpPr>
-          <p:cNvPr id="81" name="Google Shape;81;g55099c1313_1_5:notes"/>
+          <p:cNvPr id="81" name="Google Shape;81;p4:notes"/>
           <p:cNvSpPr/>
           <p:nvPr>
             <p:ph idx="2" type="sldImg"/>
@@ -1032,11 +1221,21 @@
               </a:path>
             </a:pathLst>
           </a:custGeom>
+          <a:noFill/>
+          <a:ln cap="flat" cmpd="sng" w="9525">
+            <a:solidFill>
+              <a:srgbClr val="000000"/>
+            </a:solidFill>
+            <a:prstDash val="solid"/>
+            <a:round/>
+            <a:headEnd len="sm" w="sm" type="none"/>
+            <a:tailEnd len="sm" w="sm" type="none"/>
+          </a:ln>
         </p:spPr>
       </p:sp>
       <p:sp>
         <p:nvSpPr>
-          <p:cNvPr id="82" name="Google Shape;82;g55099c1313_1_5:notes"/>
+          <p:cNvPr id="82" name="Google Shape;82;p4:notes"/>
           <p:cNvSpPr txBox="1"/>
           <p:nvPr>
             <p:ph idx="1" type="body"/>
@@ -1050,6 +1249,10 @@
           <a:prstGeom prst="rect">
             <a:avLst/>
           </a:prstGeom>
+          <a:noFill/>
+          <a:ln>
+            <a:noFill/>
+          </a:ln>
         </p:spPr>
         <p:txBody>
           <a:bodyPr anchorCtr="0" anchor="t" bIns="91425" lIns="91425" spcFirstLastPara="1" rIns="91425" wrap="square" tIns="91425">
@@ -1058,12 +1261,16 @@
           <a:lstStyle/>
           <a:p>
             <a:pPr indent="0" lvl="0" marL="0" rtl="0" algn="l">
-              <a:spcBef>
-                <a:spcPts val="0"/>
-              </a:spcBef>
-              <a:spcAft>
-                <a:spcPts val="0"/>
-              </a:spcAft>
+              <a:lnSpc>
+                <a:spcPct val="100000"/>
+              </a:lnSpc>
+              <a:spcBef>
+                <a:spcPts val="0"/>
+              </a:spcBef>
+              <a:spcAft>
+                <a:spcPts val="0"/>
+              </a:spcAft>
+              <a:buSzPts val="1100"/>
               <a:buNone/>
             </a:pPr>
             <a:r>
@@ -1159,7 +1366,7 @@
         <p:grpSpPr>
           <a:xfrm>
             <a:off x="1004144" y="1022025"/>
-            <a:ext cx="7136668" cy="152400"/>
+            <a:ext cx="7136669" cy="152400"/>
             <a:chOff x="1346429" y="1011300"/>
             <a:chExt cx="6452100" cy="152400"/>
           </a:xfrm>
@@ -1226,7 +1433,7 @@
         <p:grpSpPr>
           <a:xfrm>
             <a:off x="1004151" y="3969100"/>
-            <a:ext cx="7136668" cy="152400"/>
+            <a:ext cx="7136669" cy="152400"/>
             <a:chOff x="1346435" y="3969088"/>
             <a:chExt cx="6452100" cy="152400"/>
           </a:xfrm>
@@ -1300,11 +1507,18 @@
           <a:prstGeom prst="rect">
             <a:avLst/>
           </a:prstGeom>
+          <a:noFill/>
+          <a:ln>
+            <a:noFill/>
+          </a:ln>
         </p:spPr>
         <p:txBody>
           <a:bodyPr anchorCtr="0" anchor="b" bIns="91425" lIns="91425" spcFirstLastPara="1" rIns="91425" wrap="square" tIns="91425"/>
           <a:lstStyle>
             <a:lvl1pPr lvl="0" algn="ctr">
+              <a:lnSpc>
+                <a:spcPct val="100000"/>
+              </a:lnSpc>
               <a:spcBef>
                 <a:spcPts val="0"/>
               </a:spcBef>
@@ -1316,6 +1530,9 @@
               <a:defRPr sz="5400"/>
             </a:lvl1pPr>
             <a:lvl2pPr lvl="1" algn="ctr">
+              <a:lnSpc>
+                <a:spcPct val="100000"/>
+              </a:lnSpc>
               <a:spcBef>
                 <a:spcPts val="0"/>
               </a:spcBef>
@@ -1327,6 +1544,9 @@
               <a:defRPr sz="5400"/>
             </a:lvl2pPr>
             <a:lvl3pPr lvl="2" algn="ctr">
+              <a:lnSpc>
+                <a:spcPct val="100000"/>
+              </a:lnSpc>
               <a:spcBef>
                 <a:spcPts val="0"/>
               </a:spcBef>
@@ -1338,6 +1558,9 @@
               <a:defRPr sz="5400"/>
             </a:lvl3pPr>
             <a:lvl4pPr lvl="3" algn="ctr">
+              <a:lnSpc>
+                <a:spcPct val="100000"/>
+              </a:lnSpc>
               <a:spcBef>
                 <a:spcPts val="0"/>
               </a:spcBef>
@@ -1349,6 +1572,9 @@
               <a:defRPr sz="5400"/>
             </a:lvl4pPr>
             <a:lvl5pPr lvl="4" algn="ctr">
+              <a:lnSpc>
+                <a:spcPct val="100000"/>
+              </a:lnSpc>
               <a:spcBef>
                 <a:spcPts val="0"/>
               </a:spcBef>
@@ -1360,6 +1586,9 @@
               <a:defRPr sz="5400"/>
             </a:lvl5pPr>
             <a:lvl6pPr lvl="5" algn="ctr">
+              <a:lnSpc>
+                <a:spcPct val="100000"/>
+              </a:lnSpc>
               <a:spcBef>
                 <a:spcPts val="0"/>
               </a:spcBef>
@@ -1371,6 +1600,9 @@
               <a:defRPr sz="5400"/>
             </a:lvl6pPr>
             <a:lvl7pPr lvl="6" algn="ctr">
+              <a:lnSpc>
+                <a:spcPct val="100000"/>
+              </a:lnSpc>
               <a:spcBef>
                 <a:spcPts val="0"/>
               </a:spcBef>
@@ -1382,6 +1614,9 @@
               <a:defRPr sz="5400"/>
             </a:lvl7pPr>
             <a:lvl8pPr lvl="7" algn="ctr">
+              <a:lnSpc>
+                <a:spcPct val="100000"/>
+              </a:lnSpc>
               <a:spcBef>
                 <a:spcPts val="0"/>
               </a:spcBef>
@@ -1393,6 +1628,9 @@
               <a:defRPr sz="5400"/>
             </a:lvl8pPr>
             <a:lvl9pPr lvl="8" algn="ctr">
+              <a:lnSpc>
+                <a:spcPct val="100000"/>
+              </a:lnSpc>
               <a:spcBef>
                 <a:spcPts val="0"/>
               </a:spcBef>
@@ -1423,6 +1661,10 @@
           <a:prstGeom prst="rect">
             <a:avLst/>
           </a:prstGeom>
+          <a:noFill/>
+          <a:ln>
+            <a:noFill/>
+          </a:ln>
         </p:spPr>
         <p:txBody>
           <a:bodyPr anchorCtr="0" anchor="t" bIns="91425" lIns="91425" spcFirstLastPara="1" rIns="91425" wrap="square" tIns="91425"/>
@@ -1573,47 +1815,249 @@
           <a:prstGeom prst="rect">
             <a:avLst/>
           </a:prstGeom>
+          <a:noFill/>
+          <a:ln>
+            <a:noFill/>
+          </a:ln>
         </p:spPr>
         <p:txBody>
           <a:bodyPr anchorCtr="0" anchor="ctr" bIns="91425" lIns="91425" spcFirstLastPara="1" rIns="91425" wrap="square" tIns="91425">
             <a:noAutofit/>
           </a:bodyPr>
           <a:lstStyle>
-            <a:lvl1pPr lvl="0">
-              <a:buNone/>
-              <a:defRPr/>
+            <a:lvl1pPr indent="0" lvl="0" marL="0" marR="0" algn="r">
+              <a:lnSpc>
+                <a:spcPct val="100000"/>
+              </a:lnSpc>
+              <a:spcBef>
+                <a:spcPts val="0"/>
+              </a:spcBef>
+              <a:spcAft>
+                <a:spcPts val="0"/>
+              </a:spcAft>
+              <a:buClr>
+                <a:srgbClr val="000000"/>
+              </a:buClr>
+              <a:buSzPts val="1000"/>
+              <a:buFont typeface="Arial"/>
+              <a:buNone/>
+              <a:defRPr b="0" i="0" sz="1000" u="none" cap="none" strike="noStrike">
+                <a:solidFill>
+                  <a:schemeClr val="dk2"/>
+                </a:solidFill>
+                <a:latin typeface="Open Sans"/>
+                <a:ea typeface="Open Sans"/>
+                <a:cs typeface="Open Sans"/>
+                <a:sym typeface="Open Sans"/>
+              </a:defRPr>
             </a:lvl1pPr>
-            <a:lvl2pPr lvl="1">
-              <a:buNone/>
-              <a:defRPr/>
+            <a:lvl2pPr indent="0" lvl="1" marL="0" marR="0" algn="r">
+              <a:lnSpc>
+                <a:spcPct val="100000"/>
+              </a:lnSpc>
+              <a:spcBef>
+                <a:spcPts val="0"/>
+              </a:spcBef>
+              <a:spcAft>
+                <a:spcPts val="0"/>
+              </a:spcAft>
+              <a:buClr>
+                <a:srgbClr val="000000"/>
+              </a:buClr>
+              <a:buSzPts val="1000"/>
+              <a:buFont typeface="Arial"/>
+              <a:buNone/>
+              <a:defRPr b="0" i="0" sz="1000" u="none" cap="none" strike="noStrike">
+                <a:solidFill>
+                  <a:schemeClr val="dk2"/>
+                </a:solidFill>
+                <a:latin typeface="Open Sans"/>
+                <a:ea typeface="Open Sans"/>
+                <a:cs typeface="Open Sans"/>
+                <a:sym typeface="Open Sans"/>
+              </a:defRPr>
             </a:lvl2pPr>
-            <a:lvl3pPr lvl="2">
-              <a:buNone/>
-              <a:defRPr/>
+            <a:lvl3pPr indent="0" lvl="2" marL="0" marR="0" algn="r">
+              <a:lnSpc>
+                <a:spcPct val="100000"/>
+              </a:lnSpc>
+              <a:spcBef>
+                <a:spcPts val="0"/>
+              </a:spcBef>
+              <a:spcAft>
+                <a:spcPts val="0"/>
+              </a:spcAft>
+              <a:buClr>
+                <a:srgbClr val="000000"/>
+              </a:buClr>
+              <a:buSzPts val="1000"/>
+              <a:buFont typeface="Arial"/>
+              <a:buNone/>
+              <a:defRPr b="0" i="0" sz="1000" u="none" cap="none" strike="noStrike">
+                <a:solidFill>
+                  <a:schemeClr val="dk2"/>
+                </a:solidFill>
+                <a:latin typeface="Open Sans"/>
+                <a:ea typeface="Open Sans"/>
+                <a:cs typeface="Open Sans"/>
+                <a:sym typeface="Open Sans"/>
+              </a:defRPr>
             </a:lvl3pPr>
-            <a:lvl4pPr lvl="3">
-              <a:buNone/>
-              <a:defRPr/>
+            <a:lvl4pPr indent="0" lvl="3" marL="0" marR="0" algn="r">
+              <a:lnSpc>
+                <a:spcPct val="100000"/>
+              </a:lnSpc>
+              <a:spcBef>
+                <a:spcPts val="0"/>
+              </a:spcBef>
+              <a:spcAft>
+                <a:spcPts val="0"/>
+              </a:spcAft>
+              <a:buClr>
+                <a:srgbClr val="000000"/>
+              </a:buClr>
+              <a:buSzPts val="1000"/>
+              <a:buFont typeface="Arial"/>
+              <a:buNone/>
+              <a:defRPr b="0" i="0" sz="1000" u="none" cap="none" strike="noStrike">
+                <a:solidFill>
+                  <a:schemeClr val="dk2"/>
+                </a:solidFill>
+                <a:latin typeface="Open Sans"/>
+                <a:ea typeface="Open Sans"/>
+                <a:cs typeface="Open Sans"/>
+                <a:sym typeface="Open Sans"/>
+              </a:defRPr>
             </a:lvl4pPr>
-            <a:lvl5pPr lvl="4">
-              <a:buNone/>
-              <a:defRPr/>
+            <a:lvl5pPr indent="0" lvl="4" marL="0" marR="0" algn="r">
+              <a:lnSpc>
+                <a:spcPct val="100000"/>
+              </a:lnSpc>
+              <a:spcBef>
+                <a:spcPts val="0"/>
+              </a:spcBef>
+              <a:spcAft>
+                <a:spcPts val="0"/>
+              </a:spcAft>
+              <a:buClr>
+                <a:srgbClr val="000000"/>
+              </a:buClr>
+              <a:buSzPts val="1000"/>
+              <a:buFont typeface="Arial"/>
+              <a:buNone/>
+              <a:defRPr b="0" i="0" sz="1000" u="none" cap="none" strike="noStrike">
+                <a:solidFill>
+                  <a:schemeClr val="dk2"/>
+                </a:solidFill>
+                <a:latin typeface="Open Sans"/>
+                <a:ea typeface="Open Sans"/>
+                <a:cs typeface="Open Sans"/>
+                <a:sym typeface="Open Sans"/>
+              </a:defRPr>
             </a:lvl5pPr>
-            <a:lvl6pPr lvl="5">
-              <a:buNone/>
-              <a:defRPr/>
+            <a:lvl6pPr indent="0" lvl="5" marL="0" marR="0" algn="r">
+              <a:lnSpc>
+                <a:spcPct val="100000"/>
+              </a:lnSpc>
+              <a:spcBef>
+                <a:spcPts val="0"/>
+              </a:spcBef>
+              <a:spcAft>
+                <a:spcPts val="0"/>
+              </a:spcAft>
+              <a:buClr>
+                <a:srgbClr val="000000"/>
+              </a:buClr>
+              <a:buSzPts val="1000"/>
+              <a:buFont typeface="Arial"/>
+              <a:buNone/>
+              <a:defRPr b="0" i="0" sz="1000" u="none" cap="none" strike="noStrike">
+                <a:solidFill>
+                  <a:schemeClr val="dk2"/>
+                </a:solidFill>
+                <a:latin typeface="Open Sans"/>
+                <a:ea typeface="Open Sans"/>
+                <a:cs typeface="Open Sans"/>
+                <a:sym typeface="Open Sans"/>
+              </a:defRPr>
             </a:lvl6pPr>
-            <a:lvl7pPr lvl="6">
-              <a:buNone/>
-              <a:defRPr/>
+            <a:lvl7pPr indent="0" lvl="6" marL="0" marR="0" algn="r">
+              <a:lnSpc>
+                <a:spcPct val="100000"/>
+              </a:lnSpc>
+              <a:spcBef>
+                <a:spcPts val="0"/>
+              </a:spcBef>
+              <a:spcAft>
+                <a:spcPts val="0"/>
+              </a:spcAft>
+              <a:buClr>
+                <a:srgbClr val="000000"/>
+              </a:buClr>
+              <a:buSzPts val="1000"/>
+              <a:buFont typeface="Arial"/>
+              <a:buNone/>
+              <a:defRPr b="0" i="0" sz="1000" u="none" cap="none" strike="noStrike">
+                <a:solidFill>
+                  <a:schemeClr val="dk2"/>
+                </a:solidFill>
+                <a:latin typeface="Open Sans"/>
+                <a:ea typeface="Open Sans"/>
+                <a:cs typeface="Open Sans"/>
+                <a:sym typeface="Open Sans"/>
+              </a:defRPr>
             </a:lvl7pPr>
-            <a:lvl8pPr lvl="7">
-              <a:buNone/>
-              <a:defRPr/>
+            <a:lvl8pPr indent="0" lvl="7" marL="0" marR="0" algn="r">
+              <a:lnSpc>
+                <a:spcPct val="100000"/>
+              </a:lnSpc>
+              <a:spcBef>
+                <a:spcPts val="0"/>
+              </a:spcBef>
+              <a:spcAft>
+                <a:spcPts val="0"/>
+              </a:spcAft>
+              <a:buClr>
+                <a:srgbClr val="000000"/>
+              </a:buClr>
+              <a:buSzPts val="1000"/>
+              <a:buFont typeface="Arial"/>
+              <a:buNone/>
+              <a:defRPr b="0" i="0" sz="1000" u="none" cap="none" strike="noStrike">
+                <a:solidFill>
+                  <a:schemeClr val="dk2"/>
+                </a:solidFill>
+                <a:latin typeface="Open Sans"/>
+                <a:ea typeface="Open Sans"/>
+                <a:cs typeface="Open Sans"/>
+                <a:sym typeface="Open Sans"/>
+              </a:defRPr>
             </a:lvl8pPr>
-            <a:lvl9pPr lvl="8">
-              <a:buNone/>
-              <a:defRPr/>
+            <a:lvl9pPr indent="0" lvl="8" marL="0" marR="0" algn="r">
+              <a:lnSpc>
+                <a:spcPct val="100000"/>
+              </a:lnSpc>
+              <a:spcBef>
+                <a:spcPts val="0"/>
+              </a:spcBef>
+              <a:spcAft>
+                <a:spcPts val="0"/>
+              </a:spcAft>
+              <a:buClr>
+                <a:srgbClr val="000000"/>
+              </a:buClr>
+              <a:buSzPts val="1000"/>
+              <a:buFont typeface="Arial"/>
+              <a:buNone/>
+              <a:defRPr b="0" i="0" sz="1000" u="none" cap="none" strike="noStrike">
+                <a:solidFill>
+                  <a:schemeClr val="dk2"/>
+                </a:solidFill>
+                <a:latin typeface="Open Sans"/>
+                <a:ea typeface="Open Sans"/>
+                <a:cs typeface="Open Sans"/>
+                <a:sym typeface="Open Sans"/>
+              </a:defRPr>
             </a:lvl9pPr>
           </a:lstStyle>
           <a:p>
@@ -1686,19 +2130,35 @@
           </a:bodyPr>
           <a:lstStyle/>
           <a:p>
-            <a:pPr indent="0" lvl="0" marL="0" rtl="0" algn="l">
-              <a:spcBef>
-                <a:spcPts val="0"/>
-              </a:spcBef>
-              <a:spcAft>
-                <a:spcPts val="0"/>
-              </a:spcAft>
+            <a:pPr indent="0" lvl="0" marL="0" marR="0" rtl="0" algn="l">
+              <a:lnSpc>
+                <a:spcPct val="100000"/>
+              </a:lnSpc>
+              <a:spcBef>
+                <a:spcPts val="0"/>
+              </a:spcBef>
+              <a:spcAft>
+                <a:spcPts val="0"/>
+              </a:spcAft>
+              <a:buClr>
+                <a:srgbClr val="000000"/>
+              </a:buClr>
+              <a:buSzPts val="1400"/>
+              <a:buFont typeface="Arial"/>
               <a:buNone/>
             </a:pPr>
             <a:r>
               <a:t/>
             </a:r>
-            <a:endParaRPr/>
+            <a:endParaRPr b="0" i="0" sz="1400" u="none" cap="none" strike="noStrike">
+              <a:solidFill>
+                <a:srgbClr val="000000"/>
+              </a:solidFill>
+              <a:latin typeface="Arial"/>
+              <a:ea typeface="Arial"/>
+              <a:cs typeface="Arial"/>
+              <a:sym typeface="Arial"/>
+            </a:endParaRPr>
           </a:p>
         </p:txBody>
       </p:sp>
@@ -1718,11 +2178,18 @@
           <a:prstGeom prst="rect">
             <a:avLst/>
           </a:prstGeom>
+          <a:noFill/>
+          <a:ln>
+            <a:noFill/>
+          </a:ln>
         </p:spPr>
         <p:txBody>
           <a:bodyPr anchorCtr="0" anchor="ctr" bIns="91425" lIns="91425" spcFirstLastPara="1" rIns="91425" wrap="square" tIns="91425"/>
           <a:lstStyle>
             <a:lvl1pPr lvl="0" algn="ctr">
+              <a:lnSpc>
+                <a:spcPct val="100000"/>
+              </a:lnSpc>
               <a:spcBef>
                 <a:spcPts val="0"/>
               </a:spcBef>
@@ -1741,6 +2208,9 @@
               </a:defRPr>
             </a:lvl1pPr>
             <a:lvl2pPr lvl="1" algn="ctr">
+              <a:lnSpc>
+                <a:spcPct val="100000"/>
+              </a:lnSpc>
               <a:spcBef>
                 <a:spcPts val="0"/>
               </a:spcBef>
@@ -1759,6 +2229,9 @@
               </a:defRPr>
             </a:lvl2pPr>
             <a:lvl3pPr lvl="2" algn="ctr">
+              <a:lnSpc>
+                <a:spcPct val="100000"/>
+              </a:lnSpc>
               <a:spcBef>
                 <a:spcPts val="0"/>
               </a:spcBef>
@@ -1777,6 +2250,9 @@
               </a:defRPr>
             </a:lvl3pPr>
             <a:lvl4pPr lvl="3" algn="ctr">
+              <a:lnSpc>
+                <a:spcPct val="100000"/>
+              </a:lnSpc>
               <a:spcBef>
                 <a:spcPts val="0"/>
               </a:spcBef>
@@ -1795,6 +2271,9 @@
               </a:defRPr>
             </a:lvl4pPr>
             <a:lvl5pPr lvl="4" algn="ctr">
+              <a:lnSpc>
+                <a:spcPct val="100000"/>
+              </a:lnSpc>
               <a:spcBef>
                 <a:spcPts val="0"/>
               </a:spcBef>
@@ -1813,6 +2292,9 @@
               </a:defRPr>
             </a:lvl5pPr>
             <a:lvl6pPr lvl="5" algn="ctr">
+              <a:lnSpc>
+                <a:spcPct val="100000"/>
+              </a:lnSpc>
               <a:spcBef>
                 <a:spcPts val="0"/>
               </a:spcBef>
@@ -1831,6 +2313,9 @@
               </a:defRPr>
             </a:lvl6pPr>
             <a:lvl7pPr lvl="6" algn="ctr">
+              <a:lnSpc>
+                <a:spcPct val="100000"/>
+              </a:lnSpc>
               <a:spcBef>
                 <a:spcPts val="0"/>
               </a:spcBef>
@@ -1849,6 +2334,9 @@
               </a:defRPr>
             </a:lvl7pPr>
             <a:lvl8pPr lvl="7" algn="ctr">
+              <a:lnSpc>
+                <a:spcPct val="100000"/>
+              </a:lnSpc>
               <a:spcBef>
                 <a:spcPts val="0"/>
               </a:spcBef>
@@ -1867,6 +2355,9 @@
               </a:defRPr>
             </a:lvl8pPr>
             <a:lvl9pPr lvl="8" algn="ctr">
+              <a:lnSpc>
+                <a:spcPct val="100000"/>
+              </a:lnSpc>
               <a:spcBef>
                 <a:spcPts val="0"/>
               </a:spcBef>
@@ -1908,11 +2399,18 @@
           <a:prstGeom prst="rect">
             <a:avLst/>
           </a:prstGeom>
+          <a:noFill/>
+          <a:ln>
+            <a:noFill/>
+          </a:ln>
         </p:spPr>
         <p:txBody>
           <a:bodyPr anchorCtr="0" anchor="t" bIns="91425" lIns="91425" spcFirstLastPara="1" rIns="91425" wrap="square" tIns="91425"/>
           <a:lstStyle>
             <a:lvl1pPr indent="-342900" lvl="0" marL="457200" algn="ctr">
+              <a:lnSpc>
+                <a:spcPct val="115000"/>
+              </a:lnSpc>
               <a:spcBef>
                 <a:spcPts val="0"/>
               </a:spcBef>
@@ -1924,6 +2422,9 @@
               <a:defRPr/>
             </a:lvl1pPr>
             <a:lvl2pPr indent="-317500" lvl="1" marL="914400" algn="ctr">
+              <a:lnSpc>
+                <a:spcPct val="115000"/>
+              </a:lnSpc>
               <a:spcBef>
                 <a:spcPts val="1600"/>
               </a:spcBef>
@@ -1935,6 +2436,9 @@
               <a:defRPr/>
             </a:lvl2pPr>
             <a:lvl3pPr indent="-317500" lvl="2" marL="1371600" algn="ctr">
+              <a:lnSpc>
+                <a:spcPct val="115000"/>
+              </a:lnSpc>
               <a:spcBef>
                 <a:spcPts val="1600"/>
               </a:spcBef>
@@ -1946,6 +2450,9 @@
               <a:defRPr/>
             </a:lvl3pPr>
             <a:lvl4pPr indent="-317500" lvl="3" marL="1828800" algn="ctr">
+              <a:lnSpc>
+                <a:spcPct val="115000"/>
+              </a:lnSpc>
               <a:spcBef>
                 <a:spcPts val="1600"/>
               </a:spcBef>
@@ -1957,6 +2464,9 @@
               <a:defRPr/>
             </a:lvl4pPr>
             <a:lvl5pPr indent="-317500" lvl="4" marL="2286000" algn="ctr">
+              <a:lnSpc>
+                <a:spcPct val="115000"/>
+              </a:lnSpc>
               <a:spcBef>
                 <a:spcPts val="1600"/>
               </a:spcBef>
@@ -1968,6 +2478,9 @@
               <a:defRPr/>
             </a:lvl5pPr>
             <a:lvl6pPr indent="-317500" lvl="5" marL="2743200" algn="ctr">
+              <a:lnSpc>
+                <a:spcPct val="115000"/>
+              </a:lnSpc>
               <a:spcBef>
                 <a:spcPts val="1600"/>
               </a:spcBef>
@@ -1979,6 +2492,9 @@
               <a:defRPr/>
             </a:lvl6pPr>
             <a:lvl7pPr indent="-317500" lvl="6" marL="3200400" algn="ctr">
+              <a:lnSpc>
+                <a:spcPct val="115000"/>
+              </a:lnSpc>
               <a:spcBef>
                 <a:spcPts val="1600"/>
               </a:spcBef>
@@ -1990,6 +2506,9 @@
               <a:defRPr/>
             </a:lvl7pPr>
             <a:lvl8pPr indent="-317500" lvl="7" marL="3657600" algn="ctr">
+              <a:lnSpc>
+                <a:spcPct val="115000"/>
+              </a:lnSpc>
               <a:spcBef>
                 <a:spcPts val="1600"/>
               </a:spcBef>
@@ -2001,6 +2520,9 @@
               <a:defRPr/>
             </a:lvl8pPr>
             <a:lvl9pPr indent="-317500" lvl="8" marL="4114800" algn="ctr">
+              <a:lnSpc>
+                <a:spcPct val="115000"/>
+              </a:lnSpc>
               <a:spcBef>
                 <a:spcPts val="1600"/>
               </a:spcBef>
@@ -2031,47 +2553,249 @@
           <a:prstGeom prst="rect">
             <a:avLst/>
           </a:prstGeom>
+          <a:noFill/>
+          <a:ln>
+            <a:noFill/>
+          </a:ln>
         </p:spPr>
         <p:txBody>
           <a:bodyPr anchorCtr="0" anchor="ctr" bIns="91425" lIns="91425" spcFirstLastPara="1" rIns="91425" wrap="square" tIns="91425">
             <a:noAutofit/>
           </a:bodyPr>
           <a:lstStyle>
-            <a:lvl1pPr lvl="0">
-              <a:buNone/>
-              <a:defRPr/>
+            <a:lvl1pPr indent="0" lvl="0" marL="0" marR="0" algn="r">
+              <a:lnSpc>
+                <a:spcPct val="100000"/>
+              </a:lnSpc>
+              <a:spcBef>
+                <a:spcPts val="0"/>
+              </a:spcBef>
+              <a:spcAft>
+                <a:spcPts val="0"/>
+              </a:spcAft>
+              <a:buClr>
+                <a:srgbClr val="000000"/>
+              </a:buClr>
+              <a:buSzPts val="1000"/>
+              <a:buFont typeface="Arial"/>
+              <a:buNone/>
+              <a:defRPr b="0" i="0" sz="1000" u="none" cap="none" strike="noStrike">
+                <a:solidFill>
+                  <a:schemeClr val="dk2"/>
+                </a:solidFill>
+                <a:latin typeface="Open Sans"/>
+                <a:ea typeface="Open Sans"/>
+                <a:cs typeface="Open Sans"/>
+                <a:sym typeface="Open Sans"/>
+              </a:defRPr>
             </a:lvl1pPr>
-            <a:lvl2pPr lvl="1">
-              <a:buNone/>
-              <a:defRPr/>
+            <a:lvl2pPr indent="0" lvl="1" marL="0" marR="0" algn="r">
+              <a:lnSpc>
+                <a:spcPct val="100000"/>
+              </a:lnSpc>
+              <a:spcBef>
+                <a:spcPts val="0"/>
+              </a:spcBef>
+              <a:spcAft>
+                <a:spcPts val="0"/>
+              </a:spcAft>
+              <a:buClr>
+                <a:srgbClr val="000000"/>
+              </a:buClr>
+              <a:buSzPts val="1000"/>
+              <a:buFont typeface="Arial"/>
+              <a:buNone/>
+              <a:defRPr b="0" i="0" sz="1000" u="none" cap="none" strike="noStrike">
+                <a:solidFill>
+                  <a:schemeClr val="dk2"/>
+                </a:solidFill>
+                <a:latin typeface="Open Sans"/>
+                <a:ea typeface="Open Sans"/>
+                <a:cs typeface="Open Sans"/>
+                <a:sym typeface="Open Sans"/>
+              </a:defRPr>
             </a:lvl2pPr>
-            <a:lvl3pPr lvl="2">
-              <a:buNone/>
-              <a:defRPr/>
+            <a:lvl3pPr indent="0" lvl="2" marL="0" marR="0" algn="r">
+              <a:lnSpc>
+                <a:spcPct val="100000"/>
+              </a:lnSpc>
+              <a:spcBef>
+                <a:spcPts val="0"/>
+              </a:spcBef>
+              <a:spcAft>
+                <a:spcPts val="0"/>
+              </a:spcAft>
+              <a:buClr>
+                <a:srgbClr val="000000"/>
+              </a:buClr>
+              <a:buSzPts val="1000"/>
+              <a:buFont typeface="Arial"/>
+              <a:buNone/>
+              <a:defRPr b="0" i="0" sz="1000" u="none" cap="none" strike="noStrike">
+                <a:solidFill>
+                  <a:schemeClr val="dk2"/>
+                </a:solidFill>
+                <a:latin typeface="Open Sans"/>
+                <a:ea typeface="Open Sans"/>
+                <a:cs typeface="Open Sans"/>
+                <a:sym typeface="Open Sans"/>
+              </a:defRPr>
             </a:lvl3pPr>
-            <a:lvl4pPr lvl="3">
-              <a:buNone/>
-              <a:defRPr/>
+            <a:lvl4pPr indent="0" lvl="3" marL="0" marR="0" algn="r">
+              <a:lnSpc>
+                <a:spcPct val="100000"/>
+              </a:lnSpc>
+              <a:spcBef>
+                <a:spcPts val="0"/>
+              </a:spcBef>
+              <a:spcAft>
+                <a:spcPts val="0"/>
+              </a:spcAft>
+              <a:buClr>
+                <a:srgbClr val="000000"/>
+              </a:buClr>
+              <a:buSzPts val="1000"/>
+              <a:buFont typeface="Arial"/>
+              <a:buNone/>
+              <a:defRPr b="0" i="0" sz="1000" u="none" cap="none" strike="noStrike">
+                <a:solidFill>
+                  <a:schemeClr val="dk2"/>
+                </a:solidFill>
+                <a:latin typeface="Open Sans"/>
+                <a:ea typeface="Open Sans"/>
+                <a:cs typeface="Open Sans"/>
+                <a:sym typeface="Open Sans"/>
+              </a:defRPr>
             </a:lvl4pPr>
-            <a:lvl5pPr lvl="4">
-              <a:buNone/>
-              <a:defRPr/>
+            <a:lvl5pPr indent="0" lvl="4" marL="0" marR="0" algn="r">
+              <a:lnSpc>
+                <a:spcPct val="100000"/>
+              </a:lnSpc>
+              <a:spcBef>
+                <a:spcPts val="0"/>
+              </a:spcBef>
+              <a:spcAft>
+                <a:spcPts val="0"/>
+              </a:spcAft>
+              <a:buClr>
+                <a:srgbClr val="000000"/>
+              </a:buClr>
+              <a:buSzPts val="1000"/>
+              <a:buFont typeface="Arial"/>
+              <a:buNone/>
+              <a:defRPr b="0" i="0" sz="1000" u="none" cap="none" strike="noStrike">
+                <a:solidFill>
+                  <a:schemeClr val="dk2"/>
+                </a:solidFill>
+                <a:latin typeface="Open Sans"/>
+                <a:ea typeface="Open Sans"/>
+                <a:cs typeface="Open Sans"/>
+                <a:sym typeface="Open Sans"/>
+              </a:defRPr>
             </a:lvl5pPr>
-            <a:lvl6pPr lvl="5">
-              <a:buNone/>
-              <a:defRPr/>
+            <a:lvl6pPr indent="0" lvl="5" marL="0" marR="0" algn="r">
+              <a:lnSpc>
+                <a:spcPct val="100000"/>
+              </a:lnSpc>
+              <a:spcBef>
+                <a:spcPts val="0"/>
+              </a:spcBef>
+              <a:spcAft>
+                <a:spcPts val="0"/>
+              </a:spcAft>
+              <a:buClr>
+                <a:srgbClr val="000000"/>
+              </a:buClr>
+              <a:buSzPts val="1000"/>
+              <a:buFont typeface="Arial"/>
+              <a:buNone/>
+              <a:defRPr b="0" i="0" sz="1000" u="none" cap="none" strike="noStrike">
+                <a:solidFill>
+                  <a:schemeClr val="dk2"/>
+                </a:solidFill>
+                <a:latin typeface="Open Sans"/>
+                <a:ea typeface="Open Sans"/>
+                <a:cs typeface="Open Sans"/>
+                <a:sym typeface="Open Sans"/>
+              </a:defRPr>
             </a:lvl6pPr>
-            <a:lvl7pPr lvl="6">
-              <a:buNone/>
-              <a:defRPr/>
+            <a:lvl7pPr indent="0" lvl="6" marL="0" marR="0" algn="r">
+              <a:lnSpc>
+                <a:spcPct val="100000"/>
+              </a:lnSpc>
+              <a:spcBef>
+                <a:spcPts val="0"/>
+              </a:spcBef>
+              <a:spcAft>
+                <a:spcPts val="0"/>
+              </a:spcAft>
+              <a:buClr>
+                <a:srgbClr val="000000"/>
+              </a:buClr>
+              <a:buSzPts val="1000"/>
+              <a:buFont typeface="Arial"/>
+              <a:buNone/>
+              <a:defRPr b="0" i="0" sz="1000" u="none" cap="none" strike="noStrike">
+                <a:solidFill>
+                  <a:schemeClr val="dk2"/>
+                </a:solidFill>
+                <a:latin typeface="Open Sans"/>
+                <a:ea typeface="Open Sans"/>
+                <a:cs typeface="Open Sans"/>
+                <a:sym typeface="Open Sans"/>
+              </a:defRPr>
             </a:lvl7pPr>
-            <a:lvl8pPr lvl="7">
-              <a:buNone/>
-              <a:defRPr/>
+            <a:lvl8pPr indent="0" lvl="7" marL="0" marR="0" algn="r">
+              <a:lnSpc>
+                <a:spcPct val="100000"/>
+              </a:lnSpc>
+              <a:spcBef>
+                <a:spcPts val="0"/>
+              </a:spcBef>
+              <a:spcAft>
+                <a:spcPts val="0"/>
+              </a:spcAft>
+              <a:buClr>
+                <a:srgbClr val="000000"/>
+              </a:buClr>
+              <a:buSzPts val="1000"/>
+              <a:buFont typeface="Arial"/>
+              <a:buNone/>
+              <a:defRPr b="0" i="0" sz="1000" u="none" cap="none" strike="noStrike">
+                <a:solidFill>
+                  <a:schemeClr val="dk2"/>
+                </a:solidFill>
+                <a:latin typeface="Open Sans"/>
+                <a:ea typeface="Open Sans"/>
+                <a:cs typeface="Open Sans"/>
+                <a:sym typeface="Open Sans"/>
+              </a:defRPr>
             </a:lvl8pPr>
-            <a:lvl9pPr lvl="8">
-              <a:buNone/>
-              <a:defRPr/>
+            <a:lvl9pPr indent="0" lvl="8" marL="0" marR="0" algn="r">
+              <a:lnSpc>
+                <a:spcPct val="100000"/>
+              </a:lnSpc>
+              <a:spcBef>
+                <a:spcPts val="0"/>
+              </a:spcBef>
+              <a:spcAft>
+                <a:spcPts val="0"/>
+              </a:spcAft>
+              <a:buClr>
+                <a:srgbClr val="000000"/>
+              </a:buClr>
+              <a:buSzPts val="1000"/>
+              <a:buFont typeface="Arial"/>
+              <a:buNone/>
+              <a:defRPr b="0" i="0" sz="1000" u="none" cap="none" strike="noStrike">
+                <a:solidFill>
+                  <a:schemeClr val="dk2"/>
+                </a:solidFill>
+                <a:latin typeface="Open Sans"/>
+                <a:ea typeface="Open Sans"/>
+                <a:cs typeface="Open Sans"/>
+                <a:sym typeface="Open Sans"/>
+              </a:defRPr>
             </a:lvl9pPr>
           </a:lstStyle>
           <a:p>
@@ -2133,47 +2857,249 @@
           <a:prstGeom prst="rect">
             <a:avLst/>
           </a:prstGeom>
+          <a:noFill/>
+          <a:ln>
+            <a:noFill/>
+          </a:ln>
         </p:spPr>
         <p:txBody>
           <a:bodyPr anchorCtr="0" anchor="ctr" bIns="91425" lIns="91425" spcFirstLastPara="1" rIns="91425" wrap="square" tIns="91425">
             <a:noAutofit/>
           </a:bodyPr>
           <a:lstStyle>
-            <a:lvl1pPr lvl="0">
-              <a:buNone/>
-              <a:defRPr/>
+            <a:lvl1pPr indent="0" lvl="0" marL="0" marR="0" algn="r">
+              <a:lnSpc>
+                <a:spcPct val="100000"/>
+              </a:lnSpc>
+              <a:spcBef>
+                <a:spcPts val="0"/>
+              </a:spcBef>
+              <a:spcAft>
+                <a:spcPts val="0"/>
+              </a:spcAft>
+              <a:buClr>
+                <a:srgbClr val="000000"/>
+              </a:buClr>
+              <a:buSzPts val="1000"/>
+              <a:buFont typeface="Arial"/>
+              <a:buNone/>
+              <a:defRPr b="0" i="0" sz="1000" u="none" cap="none" strike="noStrike">
+                <a:solidFill>
+                  <a:schemeClr val="dk2"/>
+                </a:solidFill>
+                <a:latin typeface="Open Sans"/>
+                <a:ea typeface="Open Sans"/>
+                <a:cs typeface="Open Sans"/>
+                <a:sym typeface="Open Sans"/>
+              </a:defRPr>
             </a:lvl1pPr>
-            <a:lvl2pPr lvl="1">
-              <a:buNone/>
-              <a:defRPr/>
+            <a:lvl2pPr indent="0" lvl="1" marL="0" marR="0" algn="r">
+              <a:lnSpc>
+                <a:spcPct val="100000"/>
+              </a:lnSpc>
+              <a:spcBef>
+                <a:spcPts val="0"/>
+              </a:spcBef>
+              <a:spcAft>
+                <a:spcPts val="0"/>
+              </a:spcAft>
+              <a:buClr>
+                <a:srgbClr val="000000"/>
+              </a:buClr>
+              <a:buSzPts val="1000"/>
+              <a:buFont typeface="Arial"/>
+              <a:buNone/>
+              <a:defRPr b="0" i="0" sz="1000" u="none" cap="none" strike="noStrike">
+                <a:solidFill>
+                  <a:schemeClr val="dk2"/>
+                </a:solidFill>
+                <a:latin typeface="Open Sans"/>
+                <a:ea typeface="Open Sans"/>
+                <a:cs typeface="Open Sans"/>
+                <a:sym typeface="Open Sans"/>
+              </a:defRPr>
             </a:lvl2pPr>
-            <a:lvl3pPr lvl="2">
-              <a:buNone/>
-              <a:defRPr/>
+            <a:lvl3pPr indent="0" lvl="2" marL="0" marR="0" algn="r">
+              <a:lnSpc>
+                <a:spcPct val="100000"/>
+              </a:lnSpc>
+              <a:spcBef>
+                <a:spcPts val="0"/>
+              </a:spcBef>
+              <a:spcAft>
+                <a:spcPts val="0"/>
+              </a:spcAft>
+              <a:buClr>
+                <a:srgbClr val="000000"/>
+              </a:buClr>
+              <a:buSzPts val="1000"/>
+              <a:buFont typeface="Arial"/>
+              <a:buNone/>
+              <a:defRPr b="0" i="0" sz="1000" u="none" cap="none" strike="noStrike">
+                <a:solidFill>
+                  <a:schemeClr val="dk2"/>
+                </a:solidFill>
+                <a:latin typeface="Open Sans"/>
+                <a:ea typeface="Open Sans"/>
+                <a:cs typeface="Open Sans"/>
+                <a:sym typeface="Open Sans"/>
+              </a:defRPr>
             </a:lvl3pPr>
-            <a:lvl4pPr lvl="3">
-              <a:buNone/>
-              <a:defRPr/>
+            <a:lvl4pPr indent="0" lvl="3" marL="0" marR="0" algn="r">
+              <a:lnSpc>
+                <a:spcPct val="100000"/>
+              </a:lnSpc>
+              <a:spcBef>
+                <a:spcPts val="0"/>
+              </a:spcBef>
+              <a:spcAft>
+                <a:spcPts val="0"/>
+              </a:spcAft>
+              <a:buClr>
+                <a:srgbClr val="000000"/>
+              </a:buClr>
+              <a:buSzPts val="1000"/>
+              <a:buFont typeface="Arial"/>
+              <a:buNone/>
+              <a:defRPr b="0" i="0" sz="1000" u="none" cap="none" strike="noStrike">
+                <a:solidFill>
+                  <a:schemeClr val="dk2"/>
+                </a:solidFill>
+                <a:latin typeface="Open Sans"/>
+                <a:ea typeface="Open Sans"/>
+                <a:cs typeface="Open Sans"/>
+                <a:sym typeface="Open Sans"/>
+              </a:defRPr>
             </a:lvl4pPr>
-            <a:lvl5pPr lvl="4">
-              <a:buNone/>
-              <a:defRPr/>
+            <a:lvl5pPr indent="0" lvl="4" marL="0" marR="0" algn="r">
+              <a:lnSpc>
+                <a:spcPct val="100000"/>
+              </a:lnSpc>
+              <a:spcBef>
+                <a:spcPts val="0"/>
+              </a:spcBef>
+              <a:spcAft>
+                <a:spcPts val="0"/>
+              </a:spcAft>
+              <a:buClr>
+                <a:srgbClr val="000000"/>
+              </a:buClr>
+              <a:buSzPts val="1000"/>
+              <a:buFont typeface="Arial"/>
+              <a:buNone/>
+              <a:defRPr b="0" i="0" sz="1000" u="none" cap="none" strike="noStrike">
+                <a:solidFill>
+                  <a:schemeClr val="dk2"/>
+                </a:solidFill>
+                <a:latin typeface="Open Sans"/>
+                <a:ea typeface="Open Sans"/>
+                <a:cs typeface="Open Sans"/>
+                <a:sym typeface="Open Sans"/>
+              </a:defRPr>
             </a:lvl5pPr>
-            <a:lvl6pPr lvl="5">
-              <a:buNone/>
-              <a:defRPr/>
+            <a:lvl6pPr indent="0" lvl="5" marL="0" marR="0" algn="r">
+              <a:lnSpc>
+                <a:spcPct val="100000"/>
+              </a:lnSpc>
+              <a:spcBef>
+                <a:spcPts val="0"/>
+              </a:spcBef>
+              <a:spcAft>
+                <a:spcPts val="0"/>
+              </a:spcAft>
+              <a:buClr>
+                <a:srgbClr val="000000"/>
+              </a:buClr>
+              <a:buSzPts val="1000"/>
+              <a:buFont typeface="Arial"/>
+              <a:buNone/>
+              <a:defRPr b="0" i="0" sz="1000" u="none" cap="none" strike="noStrike">
+                <a:solidFill>
+                  <a:schemeClr val="dk2"/>
+                </a:solidFill>
+                <a:latin typeface="Open Sans"/>
+                <a:ea typeface="Open Sans"/>
+                <a:cs typeface="Open Sans"/>
+                <a:sym typeface="Open Sans"/>
+              </a:defRPr>
             </a:lvl6pPr>
-            <a:lvl7pPr lvl="6">
-              <a:buNone/>
-              <a:defRPr/>
+            <a:lvl7pPr indent="0" lvl="6" marL="0" marR="0" algn="r">
+              <a:lnSpc>
+                <a:spcPct val="100000"/>
+              </a:lnSpc>
+              <a:spcBef>
+                <a:spcPts val="0"/>
+              </a:spcBef>
+              <a:spcAft>
+                <a:spcPts val="0"/>
+              </a:spcAft>
+              <a:buClr>
+                <a:srgbClr val="000000"/>
+              </a:buClr>
+              <a:buSzPts val="1000"/>
+              <a:buFont typeface="Arial"/>
+              <a:buNone/>
+              <a:defRPr b="0" i="0" sz="1000" u="none" cap="none" strike="noStrike">
+                <a:solidFill>
+                  <a:schemeClr val="dk2"/>
+                </a:solidFill>
+                <a:latin typeface="Open Sans"/>
+                <a:ea typeface="Open Sans"/>
+                <a:cs typeface="Open Sans"/>
+                <a:sym typeface="Open Sans"/>
+              </a:defRPr>
             </a:lvl7pPr>
-            <a:lvl8pPr lvl="7">
-              <a:buNone/>
-              <a:defRPr/>
+            <a:lvl8pPr indent="0" lvl="7" marL="0" marR="0" algn="r">
+              <a:lnSpc>
+                <a:spcPct val="100000"/>
+              </a:lnSpc>
+              <a:spcBef>
+                <a:spcPts val="0"/>
+              </a:spcBef>
+              <a:spcAft>
+                <a:spcPts val="0"/>
+              </a:spcAft>
+              <a:buClr>
+                <a:srgbClr val="000000"/>
+              </a:buClr>
+              <a:buSzPts val="1000"/>
+              <a:buFont typeface="Arial"/>
+              <a:buNone/>
+              <a:defRPr b="0" i="0" sz="1000" u="none" cap="none" strike="noStrike">
+                <a:solidFill>
+                  <a:schemeClr val="dk2"/>
+                </a:solidFill>
+                <a:latin typeface="Open Sans"/>
+                <a:ea typeface="Open Sans"/>
+                <a:cs typeface="Open Sans"/>
+                <a:sym typeface="Open Sans"/>
+              </a:defRPr>
             </a:lvl8pPr>
-            <a:lvl9pPr lvl="8">
-              <a:buNone/>
-              <a:defRPr/>
+            <a:lvl9pPr indent="0" lvl="8" marL="0" marR="0" algn="r">
+              <a:lnSpc>
+                <a:spcPct val="100000"/>
+              </a:lnSpc>
+              <a:spcBef>
+                <a:spcPts val="0"/>
+              </a:spcBef>
+              <a:spcAft>
+                <a:spcPts val="0"/>
+              </a:spcAft>
+              <a:buClr>
+                <a:srgbClr val="000000"/>
+              </a:buClr>
+              <a:buSzPts val="1000"/>
+              <a:buFont typeface="Arial"/>
+              <a:buNone/>
+              <a:defRPr b="0" i="0" sz="1000" u="none" cap="none" strike="noStrike">
+                <a:solidFill>
+                  <a:schemeClr val="dk2"/>
+                </a:solidFill>
+                <a:latin typeface="Open Sans"/>
+                <a:ea typeface="Open Sans"/>
+                <a:cs typeface="Open Sans"/>
+                <a:sym typeface="Open Sans"/>
+              </a:defRPr>
             </a:lvl9pPr>
           </a:lstStyle>
           <a:p>
@@ -2203,8 +3129,8 @@
 </file>
 
 <file path=ppt/slideLayouts/slideLayout2.xml><?xml version="1.0" encoding="utf-8"?>
-<p:sldLayout xmlns:a="http://schemas.openxmlformats.org/drawingml/2006/main" xmlns:r="http://schemas.openxmlformats.org/officeDocument/2006/relationships" xmlns:mc="http://schemas.openxmlformats.org/markup-compatibility/2006" xmlns:mv="urn:schemas-microsoft-com:mac:vml" xmlns:p="http://schemas.openxmlformats.org/presentationml/2006/main" xmlns:c="http://schemas.openxmlformats.org/drawingml/2006/chart" xmlns:dgm="http://schemas.openxmlformats.org/drawingml/2006/diagram" xmlns:o="urn:schemas-microsoft-com:office:office" xmlns:v="urn:schemas-microsoft-com:vml" xmlns:pvml="urn:schemas-microsoft-com:office:powerpoint" xmlns:com="http://schemas.openxmlformats.org/drawingml/2006/compatibility" xmlns:p14="http://schemas.microsoft.com/office/powerpoint/2010/main" xmlns:p15="http://schemas.microsoft.com/office/powerpoint/2012/main" matchingName="Section header" type="secHead">
-  <p:cSld name="SECTION_HEADER">
+<p:sldLayout xmlns:a="http://schemas.openxmlformats.org/drawingml/2006/main" xmlns:r="http://schemas.openxmlformats.org/officeDocument/2006/relationships" xmlns:mc="http://schemas.openxmlformats.org/markup-compatibility/2006" xmlns:mv="urn:schemas-microsoft-com:mac:vml" xmlns:p="http://schemas.openxmlformats.org/presentationml/2006/main" xmlns:c="http://schemas.openxmlformats.org/drawingml/2006/chart" xmlns:dgm="http://schemas.openxmlformats.org/drawingml/2006/diagram" xmlns:o="urn:schemas-microsoft-com:office:office" xmlns:v="urn:schemas-microsoft-com:vml" xmlns:pvml="urn:schemas-microsoft-com:office:powerpoint" xmlns:com="http://schemas.openxmlformats.org/drawingml/2006/compatibility" xmlns:p14="http://schemas.microsoft.com/office/powerpoint/2010/main" xmlns:p15="http://schemas.microsoft.com/office/powerpoint/2012/main" matchingName="Title and body" type="tx">
+  <p:cSld name="TITLE_AND_BODY">
     <p:spTree>
       <p:nvGrpSpPr>
         <p:cNvPr id="21" name="Shape 21"/>
@@ -2222,6 +3148,677 @@
       <p:sp>
         <p:nvSpPr>
           <p:cNvPr id="22" name="Google Shape;22;p3"/>
+          <p:cNvSpPr/>
+          <p:nvPr/>
+        </p:nvSpPr>
+        <p:spPr>
+          <a:xfrm>
+            <a:off x="-75" y="5045700"/>
+            <a:ext cx="9144000" cy="97800"/>
+          </a:xfrm>
+          <a:prstGeom prst="rect">
+            <a:avLst/>
+          </a:prstGeom>
+          <a:solidFill>
+            <a:schemeClr val="accent3"/>
+          </a:solidFill>
+          <a:ln>
+            <a:noFill/>
+          </a:ln>
+        </p:spPr>
+        <p:txBody>
+          <a:bodyPr anchorCtr="0" anchor="ctr" bIns="91425" lIns="91425" spcFirstLastPara="1" rIns="91425" wrap="square" tIns="91425">
+            <a:noAutofit/>
+          </a:bodyPr>
+          <a:lstStyle/>
+          <a:p>
+            <a:pPr indent="0" lvl="0" marL="0" marR="0" rtl="0" algn="l">
+              <a:lnSpc>
+                <a:spcPct val="100000"/>
+              </a:lnSpc>
+              <a:spcBef>
+                <a:spcPts val="0"/>
+              </a:spcBef>
+              <a:spcAft>
+                <a:spcPts val="0"/>
+              </a:spcAft>
+              <a:buClr>
+                <a:srgbClr val="000000"/>
+              </a:buClr>
+              <a:buSzPts val="1400"/>
+              <a:buFont typeface="Arial"/>
+              <a:buNone/>
+            </a:pPr>
+            <a:r>
+              <a:t/>
+            </a:r>
+            <a:endParaRPr b="0" i="0" sz="1400" u="none" cap="none" strike="noStrike">
+              <a:solidFill>
+                <a:srgbClr val="000000"/>
+              </a:solidFill>
+              <a:latin typeface="Arial"/>
+              <a:ea typeface="Arial"/>
+              <a:cs typeface="Arial"/>
+              <a:sym typeface="Arial"/>
+            </a:endParaRPr>
+          </a:p>
+        </p:txBody>
+      </p:sp>
+      <p:sp>
+        <p:nvSpPr>
+          <p:cNvPr id="23" name="Google Shape;23;p3"/>
+          <p:cNvSpPr txBox="1"/>
+          <p:nvPr>
+            <p:ph type="title"/>
+          </p:nvPr>
+        </p:nvSpPr>
+        <p:spPr>
+          <a:xfrm>
+            <a:off x="311700" y="445025"/>
+            <a:ext cx="8520600" cy="707400"/>
+          </a:xfrm>
+          <a:prstGeom prst="rect">
+            <a:avLst/>
+          </a:prstGeom>
+          <a:noFill/>
+          <a:ln>
+            <a:noFill/>
+          </a:ln>
+        </p:spPr>
+        <p:txBody>
+          <a:bodyPr anchorCtr="0" anchor="t" bIns="91425" lIns="91425" spcFirstLastPara="1" rIns="91425" wrap="square" tIns="91425"/>
+          <a:lstStyle>
+            <a:lvl1pPr lvl="0" algn="l">
+              <a:lnSpc>
+                <a:spcPct val="100000"/>
+              </a:lnSpc>
+              <a:spcBef>
+                <a:spcPts val="0"/>
+              </a:spcBef>
+              <a:spcAft>
+                <a:spcPts val="0"/>
+              </a:spcAft>
+              <a:buSzPts val="3600"/>
+              <a:buNone/>
+              <a:defRPr/>
+            </a:lvl1pPr>
+            <a:lvl2pPr lvl="1" algn="l">
+              <a:lnSpc>
+                <a:spcPct val="100000"/>
+              </a:lnSpc>
+              <a:spcBef>
+                <a:spcPts val="0"/>
+              </a:spcBef>
+              <a:spcAft>
+                <a:spcPts val="0"/>
+              </a:spcAft>
+              <a:buSzPts val="3600"/>
+              <a:buNone/>
+              <a:defRPr/>
+            </a:lvl2pPr>
+            <a:lvl3pPr lvl="2" algn="l">
+              <a:lnSpc>
+                <a:spcPct val="100000"/>
+              </a:lnSpc>
+              <a:spcBef>
+                <a:spcPts val="0"/>
+              </a:spcBef>
+              <a:spcAft>
+                <a:spcPts val="0"/>
+              </a:spcAft>
+              <a:buSzPts val="3600"/>
+              <a:buNone/>
+              <a:defRPr/>
+            </a:lvl3pPr>
+            <a:lvl4pPr lvl="3" algn="l">
+              <a:lnSpc>
+                <a:spcPct val="100000"/>
+              </a:lnSpc>
+              <a:spcBef>
+                <a:spcPts val="0"/>
+              </a:spcBef>
+              <a:spcAft>
+                <a:spcPts val="0"/>
+              </a:spcAft>
+              <a:buSzPts val="3600"/>
+              <a:buNone/>
+              <a:defRPr/>
+            </a:lvl4pPr>
+            <a:lvl5pPr lvl="4" algn="l">
+              <a:lnSpc>
+                <a:spcPct val="100000"/>
+              </a:lnSpc>
+              <a:spcBef>
+                <a:spcPts val="0"/>
+              </a:spcBef>
+              <a:spcAft>
+                <a:spcPts val="0"/>
+              </a:spcAft>
+              <a:buSzPts val="3600"/>
+              <a:buNone/>
+              <a:defRPr/>
+            </a:lvl5pPr>
+            <a:lvl6pPr lvl="5" algn="l">
+              <a:lnSpc>
+                <a:spcPct val="100000"/>
+              </a:lnSpc>
+              <a:spcBef>
+                <a:spcPts val="0"/>
+              </a:spcBef>
+              <a:spcAft>
+                <a:spcPts val="0"/>
+              </a:spcAft>
+              <a:buSzPts val="3600"/>
+              <a:buNone/>
+              <a:defRPr/>
+            </a:lvl6pPr>
+            <a:lvl7pPr lvl="6" algn="l">
+              <a:lnSpc>
+                <a:spcPct val="100000"/>
+              </a:lnSpc>
+              <a:spcBef>
+                <a:spcPts val="0"/>
+              </a:spcBef>
+              <a:spcAft>
+                <a:spcPts val="0"/>
+              </a:spcAft>
+              <a:buSzPts val="3600"/>
+              <a:buNone/>
+              <a:defRPr/>
+            </a:lvl7pPr>
+            <a:lvl8pPr lvl="7" algn="l">
+              <a:lnSpc>
+                <a:spcPct val="100000"/>
+              </a:lnSpc>
+              <a:spcBef>
+                <a:spcPts val="0"/>
+              </a:spcBef>
+              <a:spcAft>
+                <a:spcPts val="0"/>
+              </a:spcAft>
+              <a:buSzPts val="3600"/>
+              <a:buNone/>
+              <a:defRPr/>
+            </a:lvl8pPr>
+            <a:lvl9pPr lvl="8" algn="l">
+              <a:lnSpc>
+                <a:spcPct val="100000"/>
+              </a:lnSpc>
+              <a:spcBef>
+                <a:spcPts val="0"/>
+              </a:spcBef>
+              <a:spcAft>
+                <a:spcPts val="0"/>
+              </a:spcAft>
+              <a:buSzPts val="3600"/>
+              <a:buNone/>
+              <a:defRPr/>
+            </a:lvl9pPr>
+          </a:lstStyle>
+          <a:p/>
+        </p:txBody>
+      </p:sp>
+      <p:sp>
+        <p:nvSpPr>
+          <p:cNvPr id="24" name="Google Shape;24;p3"/>
+          <p:cNvSpPr txBox="1"/>
+          <p:nvPr>
+            <p:ph idx="1" type="body"/>
+          </p:nvPr>
+        </p:nvSpPr>
+        <p:spPr>
+          <a:xfrm>
+            <a:off x="311700" y="1266325"/>
+            <a:ext cx="8520600" cy="3302700"/>
+          </a:xfrm>
+          <a:prstGeom prst="rect">
+            <a:avLst/>
+          </a:prstGeom>
+          <a:noFill/>
+          <a:ln>
+            <a:noFill/>
+          </a:ln>
+        </p:spPr>
+        <p:txBody>
+          <a:bodyPr anchorCtr="0" anchor="t" bIns="91425" lIns="91425" spcFirstLastPara="1" rIns="91425" wrap="square" tIns="91425"/>
+          <a:lstStyle>
+            <a:lvl1pPr indent="-342900" lvl="0" marL="457200" algn="l">
+              <a:lnSpc>
+                <a:spcPct val="115000"/>
+              </a:lnSpc>
+              <a:spcBef>
+                <a:spcPts val="0"/>
+              </a:spcBef>
+              <a:spcAft>
+                <a:spcPts val="0"/>
+              </a:spcAft>
+              <a:buSzPts val="1800"/>
+              <a:buChar char="●"/>
+              <a:defRPr/>
+            </a:lvl1pPr>
+            <a:lvl2pPr indent="-317500" lvl="1" marL="914400" algn="l">
+              <a:lnSpc>
+                <a:spcPct val="115000"/>
+              </a:lnSpc>
+              <a:spcBef>
+                <a:spcPts val="1600"/>
+              </a:spcBef>
+              <a:spcAft>
+                <a:spcPts val="0"/>
+              </a:spcAft>
+              <a:buSzPts val="1400"/>
+              <a:buChar char="○"/>
+              <a:defRPr/>
+            </a:lvl2pPr>
+            <a:lvl3pPr indent="-317500" lvl="2" marL="1371600" algn="l">
+              <a:lnSpc>
+                <a:spcPct val="115000"/>
+              </a:lnSpc>
+              <a:spcBef>
+                <a:spcPts val="1600"/>
+              </a:spcBef>
+              <a:spcAft>
+                <a:spcPts val="0"/>
+              </a:spcAft>
+              <a:buSzPts val="1400"/>
+              <a:buChar char="■"/>
+              <a:defRPr/>
+            </a:lvl3pPr>
+            <a:lvl4pPr indent="-317500" lvl="3" marL="1828800" algn="l">
+              <a:lnSpc>
+                <a:spcPct val="115000"/>
+              </a:lnSpc>
+              <a:spcBef>
+                <a:spcPts val="1600"/>
+              </a:spcBef>
+              <a:spcAft>
+                <a:spcPts val="0"/>
+              </a:spcAft>
+              <a:buSzPts val="1400"/>
+              <a:buChar char="●"/>
+              <a:defRPr/>
+            </a:lvl4pPr>
+            <a:lvl5pPr indent="-317500" lvl="4" marL="2286000" algn="l">
+              <a:lnSpc>
+                <a:spcPct val="115000"/>
+              </a:lnSpc>
+              <a:spcBef>
+                <a:spcPts val="1600"/>
+              </a:spcBef>
+              <a:spcAft>
+                <a:spcPts val="0"/>
+              </a:spcAft>
+              <a:buSzPts val="1400"/>
+              <a:buChar char="○"/>
+              <a:defRPr/>
+            </a:lvl5pPr>
+            <a:lvl6pPr indent="-317500" lvl="5" marL="2743200" algn="l">
+              <a:lnSpc>
+                <a:spcPct val="115000"/>
+              </a:lnSpc>
+              <a:spcBef>
+                <a:spcPts val="1600"/>
+              </a:spcBef>
+              <a:spcAft>
+                <a:spcPts val="0"/>
+              </a:spcAft>
+              <a:buSzPts val="1400"/>
+              <a:buChar char="■"/>
+              <a:defRPr/>
+            </a:lvl6pPr>
+            <a:lvl7pPr indent="-317500" lvl="6" marL="3200400" algn="l">
+              <a:lnSpc>
+                <a:spcPct val="115000"/>
+              </a:lnSpc>
+              <a:spcBef>
+                <a:spcPts val="1600"/>
+              </a:spcBef>
+              <a:spcAft>
+                <a:spcPts val="0"/>
+              </a:spcAft>
+              <a:buSzPts val="1400"/>
+              <a:buChar char="●"/>
+              <a:defRPr/>
+            </a:lvl7pPr>
+            <a:lvl8pPr indent="-317500" lvl="7" marL="3657600" algn="l">
+              <a:lnSpc>
+                <a:spcPct val="115000"/>
+              </a:lnSpc>
+              <a:spcBef>
+                <a:spcPts val="1600"/>
+              </a:spcBef>
+              <a:spcAft>
+                <a:spcPts val="0"/>
+              </a:spcAft>
+              <a:buSzPts val="1400"/>
+              <a:buChar char="○"/>
+              <a:defRPr/>
+            </a:lvl8pPr>
+            <a:lvl9pPr indent="-317500" lvl="8" marL="4114800" algn="l">
+              <a:lnSpc>
+                <a:spcPct val="115000"/>
+              </a:lnSpc>
+              <a:spcBef>
+                <a:spcPts val="1600"/>
+              </a:spcBef>
+              <a:spcAft>
+                <a:spcPts val="1600"/>
+              </a:spcAft>
+              <a:buSzPts val="1400"/>
+              <a:buChar char="■"/>
+              <a:defRPr/>
+            </a:lvl9pPr>
+          </a:lstStyle>
+          <a:p/>
+        </p:txBody>
+      </p:sp>
+      <p:sp>
+        <p:nvSpPr>
+          <p:cNvPr id="25" name="Google Shape;25;p3"/>
+          <p:cNvSpPr txBox="1"/>
+          <p:nvPr>
+            <p:ph idx="12" type="sldNum"/>
+          </p:nvPr>
+        </p:nvSpPr>
+        <p:spPr>
+          <a:xfrm>
+            <a:off x="8472458" y="4663217"/>
+            <a:ext cx="548700" cy="393600"/>
+          </a:xfrm>
+          <a:prstGeom prst="rect">
+            <a:avLst/>
+          </a:prstGeom>
+          <a:noFill/>
+          <a:ln>
+            <a:noFill/>
+          </a:ln>
+        </p:spPr>
+        <p:txBody>
+          <a:bodyPr anchorCtr="0" anchor="ctr" bIns="91425" lIns="91425" spcFirstLastPara="1" rIns="91425" wrap="square" tIns="91425">
+            <a:noAutofit/>
+          </a:bodyPr>
+          <a:lstStyle>
+            <a:lvl1pPr indent="0" lvl="0" marL="0" marR="0" algn="r">
+              <a:lnSpc>
+                <a:spcPct val="100000"/>
+              </a:lnSpc>
+              <a:spcBef>
+                <a:spcPts val="0"/>
+              </a:spcBef>
+              <a:spcAft>
+                <a:spcPts val="0"/>
+              </a:spcAft>
+              <a:buClr>
+                <a:srgbClr val="000000"/>
+              </a:buClr>
+              <a:buSzPts val="1000"/>
+              <a:buFont typeface="Arial"/>
+              <a:buNone/>
+              <a:defRPr b="0" i="0" sz="1000" u="none" cap="none" strike="noStrike">
+                <a:solidFill>
+                  <a:schemeClr val="dk2"/>
+                </a:solidFill>
+                <a:latin typeface="Open Sans"/>
+                <a:ea typeface="Open Sans"/>
+                <a:cs typeface="Open Sans"/>
+                <a:sym typeface="Open Sans"/>
+              </a:defRPr>
+            </a:lvl1pPr>
+            <a:lvl2pPr indent="0" lvl="1" marL="0" marR="0" algn="r">
+              <a:lnSpc>
+                <a:spcPct val="100000"/>
+              </a:lnSpc>
+              <a:spcBef>
+                <a:spcPts val="0"/>
+              </a:spcBef>
+              <a:spcAft>
+                <a:spcPts val="0"/>
+              </a:spcAft>
+              <a:buClr>
+                <a:srgbClr val="000000"/>
+              </a:buClr>
+              <a:buSzPts val="1000"/>
+              <a:buFont typeface="Arial"/>
+              <a:buNone/>
+              <a:defRPr b="0" i="0" sz="1000" u="none" cap="none" strike="noStrike">
+                <a:solidFill>
+                  <a:schemeClr val="dk2"/>
+                </a:solidFill>
+                <a:latin typeface="Open Sans"/>
+                <a:ea typeface="Open Sans"/>
+                <a:cs typeface="Open Sans"/>
+                <a:sym typeface="Open Sans"/>
+              </a:defRPr>
+            </a:lvl2pPr>
+            <a:lvl3pPr indent="0" lvl="2" marL="0" marR="0" algn="r">
+              <a:lnSpc>
+                <a:spcPct val="100000"/>
+              </a:lnSpc>
+              <a:spcBef>
+                <a:spcPts val="0"/>
+              </a:spcBef>
+              <a:spcAft>
+                <a:spcPts val="0"/>
+              </a:spcAft>
+              <a:buClr>
+                <a:srgbClr val="000000"/>
+              </a:buClr>
+              <a:buSzPts val="1000"/>
+              <a:buFont typeface="Arial"/>
+              <a:buNone/>
+              <a:defRPr b="0" i="0" sz="1000" u="none" cap="none" strike="noStrike">
+                <a:solidFill>
+                  <a:schemeClr val="dk2"/>
+                </a:solidFill>
+                <a:latin typeface="Open Sans"/>
+                <a:ea typeface="Open Sans"/>
+                <a:cs typeface="Open Sans"/>
+                <a:sym typeface="Open Sans"/>
+              </a:defRPr>
+            </a:lvl3pPr>
+            <a:lvl4pPr indent="0" lvl="3" marL="0" marR="0" algn="r">
+              <a:lnSpc>
+                <a:spcPct val="100000"/>
+              </a:lnSpc>
+              <a:spcBef>
+                <a:spcPts val="0"/>
+              </a:spcBef>
+              <a:spcAft>
+                <a:spcPts val="0"/>
+              </a:spcAft>
+              <a:buClr>
+                <a:srgbClr val="000000"/>
+              </a:buClr>
+              <a:buSzPts val="1000"/>
+              <a:buFont typeface="Arial"/>
+              <a:buNone/>
+              <a:defRPr b="0" i="0" sz="1000" u="none" cap="none" strike="noStrike">
+                <a:solidFill>
+                  <a:schemeClr val="dk2"/>
+                </a:solidFill>
+                <a:latin typeface="Open Sans"/>
+                <a:ea typeface="Open Sans"/>
+                <a:cs typeface="Open Sans"/>
+                <a:sym typeface="Open Sans"/>
+              </a:defRPr>
+            </a:lvl4pPr>
+            <a:lvl5pPr indent="0" lvl="4" marL="0" marR="0" algn="r">
+              <a:lnSpc>
+                <a:spcPct val="100000"/>
+              </a:lnSpc>
+              <a:spcBef>
+                <a:spcPts val="0"/>
+              </a:spcBef>
+              <a:spcAft>
+                <a:spcPts val="0"/>
+              </a:spcAft>
+              <a:buClr>
+                <a:srgbClr val="000000"/>
+              </a:buClr>
+              <a:buSzPts val="1000"/>
+              <a:buFont typeface="Arial"/>
+              <a:buNone/>
+              <a:defRPr b="0" i="0" sz="1000" u="none" cap="none" strike="noStrike">
+                <a:solidFill>
+                  <a:schemeClr val="dk2"/>
+                </a:solidFill>
+                <a:latin typeface="Open Sans"/>
+                <a:ea typeface="Open Sans"/>
+                <a:cs typeface="Open Sans"/>
+                <a:sym typeface="Open Sans"/>
+              </a:defRPr>
+            </a:lvl5pPr>
+            <a:lvl6pPr indent="0" lvl="5" marL="0" marR="0" algn="r">
+              <a:lnSpc>
+                <a:spcPct val="100000"/>
+              </a:lnSpc>
+              <a:spcBef>
+                <a:spcPts val="0"/>
+              </a:spcBef>
+              <a:spcAft>
+                <a:spcPts val="0"/>
+              </a:spcAft>
+              <a:buClr>
+                <a:srgbClr val="000000"/>
+              </a:buClr>
+              <a:buSzPts val="1000"/>
+              <a:buFont typeface="Arial"/>
+              <a:buNone/>
+              <a:defRPr b="0" i="0" sz="1000" u="none" cap="none" strike="noStrike">
+                <a:solidFill>
+                  <a:schemeClr val="dk2"/>
+                </a:solidFill>
+                <a:latin typeface="Open Sans"/>
+                <a:ea typeface="Open Sans"/>
+                <a:cs typeface="Open Sans"/>
+                <a:sym typeface="Open Sans"/>
+              </a:defRPr>
+            </a:lvl6pPr>
+            <a:lvl7pPr indent="0" lvl="6" marL="0" marR="0" algn="r">
+              <a:lnSpc>
+                <a:spcPct val="100000"/>
+              </a:lnSpc>
+              <a:spcBef>
+                <a:spcPts val="0"/>
+              </a:spcBef>
+              <a:spcAft>
+                <a:spcPts val="0"/>
+              </a:spcAft>
+              <a:buClr>
+                <a:srgbClr val="000000"/>
+              </a:buClr>
+              <a:buSzPts val="1000"/>
+              <a:buFont typeface="Arial"/>
+              <a:buNone/>
+              <a:defRPr b="0" i="0" sz="1000" u="none" cap="none" strike="noStrike">
+                <a:solidFill>
+                  <a:schemeClr val="dk2"/>
+                </a:solidFill>
+                <a:latin typeface="Open Sans"/>
+                <a:ea typeface="Open Sans"/>
+                <a:cs typeface="Open Sans"/>
+                <a:sym typeface="Open Sans"/>
+              </a:defRPr>
+            </a:lvl7pPr>
+            <a:lvl8pPr indent="0" lvl="7" marL="0" marR="0" algn="r">
+              <a:lnSpc>
+                <a:spcPct val="100000"/>
+              </a:lnSpc>
+              <a:spcBef>
+                <a:spcPts val="0"/>
+              </a:spcBef>
+              <a:spcAft>
+                <a:spcPts val="0"/>
+              </a:spcAft>
+              <a:buClr>
+                <a:srgbClr val="000000"/>
+              </a:buClr>
+              <a:buSzPts val="1000"/>
+              <a:buFont typeface="Arial"/>
+              <a:buNone/>
+              <a:defRPr b="0" i="0" sz="1000" u="none" cap="none" strike="noStrike">
+                <a:solidFill>
+                  <a:schemeClr val="dk2"/>
+                </a:solidFill>
+                <a:latin typeface="Open Sans"/>
+                <a:ea typeface="Open Sans"/>
+                <a:cs typeface="Open Sans"/>
+                <a:sym typeface="Open Sans"/>
+              </a:defRPr>
+            </a:lvl8pPr>
+            <a:lvl9pPr indent="0" lvl="8" marL="0" marR="0" algn="r">
+              <a:lnSpc>
+                <a:spcPct val="100000"/>
+              </a:lnSpc>
+              <a:spcBef>
+                <a:spcPts val="0"/>
+              </a:spcBef>
+              <a:spcAft>
+                <a:spcPts val="0"/>
+              </a:spcAft>
+              <a:buClr>
+                <a:srgbClr val="000000"/>
+              </a:buClr>
+              <a:buSzPts val="1000"/>
+              <a:buFont typeface="Arial"/>
+              <a:buNone/>
+              <a:defRPr b="0" i="0" sz="1000" u="none" cap="none" strike="noStrike">
+                <a:solidFill>
+                  <a:schemeClr val="dk2"/>
+                </a:solidFill>
+                <a:latin typeface="Open Sans"/>
+                <a:ea typeface="Open Sans"/>
+                <a:cs typeface="Open Sans"/>
+                <a:sym typeface="Open Sans"/>
+              </a:defRPr>
+            </a:lvl9pPr>
+          </a:lstStyle>
+          <a:p>
+            <a:pPr indent="0" lvl="0" marL="0" rtl="0" algn="r">
+              <a:spcBef>
+                <a:spcPts val="0"/>
+              </a:spcBef>
+              <a:spcAft>
+                <a:spcPts val="0"/>
+              </a:spcAft>
+              <a:buNone/>
+            </a:pPr>
+            <a:fld id="{00000000-1234-1234-1234-123412341234}" type="slidenum">
+              <a:rPr lang="ru"/>
+              <a:t>‹#›</a:t>
+            </a:fld>
+            <a:endParaRPr/>
+          </a:p>
+        </p:txBody>
+      </p:sp>
+    </p:spTree>
+  </p:cSld>
+  <p:clrMapOvr>
+    <a:masterClrMapping/>
+  </p:clrMapOvr>
+</p:sldLayout>
+</file>
+
+<file path=ppt/slideLayouts/slideLayout3.xml><?xml version="1.0" encoding="utf-8"?>
+<p:sldLayout xmlns:a="http://schemas.openxmlformats.org/drawingml/2006/main" xmlns:r="http://schemas.openxmlformats.org/officeDocument/2006/relationships" xmlns:mc="http://schemas.openxmlformats.org/markup-compatibility/2006" xmlns:mv="urn:schemas-microsoft-com:mac:vml" xmlns:p="http://schemas.openxmlformats.org/presentationml/2006/main" xmlns:c="http://schemas.openxmlformats.org/drawingml/2006/chart" xmlns:dgm="http://schemas.openxmlformats.org/drawingml/2006/diagram" xmlns:o="urn:schemas-microsoft-com:office:office" xmlns:v="urn:schemas-microsoft-com:vml" xmlns:pvml="urn:schemas-microsoft-com:office:powerpoint" xmlns:com="http://schemas.openxmlformats.org/drawingml/2006/compatibility" xmlns:p14="http://schemas.microsoft.com/office/powerpoint/2010/main" xmlns:p15="http://schemas.microsoft.com/office/powerpoint/2012/main" matchingName="Section header" type="secHead">
+  <p:cSld name="SECTION_HEADER">
+    <p:spTree>
+      <p:nvGrpSpPr>
+        <p:cNvPr id="26" name="Shape 26"/>
+        <p:cNvGrpSpPr/>
+        <p:nvPr/>
+      </p:nvGrpSpPr>
+      <p:grpSpPr>
+        <a:xfrm>
+          <a:off x="0" y="0"/>
+          <a:ext cx="0" cy="0"/>
+          <a:chOff x="0" y="0"/>
+          <a:chExt cx="0" cy="0"/>
+        </a:xfrm>
+      </p:grpSpPr>
+      <p:sp>
+        <p:nvSpPr>
+          <p:cNvPr id="27" name="Google Shape;27;p4"/>
           <p:cNvSpPr/>
           <p:nvPr/>
         </p:nvSpPr>
@@ -2246,25 +3843,41 @@
           </a:bodyPr>
           <a:lstStyle/>
           <a:p>
-            <a:pPr indent="0" lvl="0" marL="0" rtl="0" algn="l">
-              <a:spcBef>
-                <a:spcPts val="0"/>
-              </a:spcBef>
-              <a:spcAft>
-                <a:spcPts val="0"/>
-              </a:spcAft>
+            <a:pPr indent="0" lvl="0" marL="0" marR="0" rtl="0" algn="l">
+              <a:lnSpc>
+                <a:spcPct val="100000"/>
+              </a:lnSpc>
+              <a:spcBef>
+                <a:spcPts val="0"/>
+              </a:spcBef>
+              <a:spcAft>
+                <a:spcPts val="0"/>
+              </a:spcAft>
+              <a:buClr>
+                <a:srgbClr val="000000"/>
+              </a:buClr>
+              <a:buSzPts val="1400"/>
+              <a:buFont typeface="Arial"/>
               <a:buNone/>
             </a:pPr>
             <a:r>
               <a:t/>
             </a:r>
-            <a:endParaRPr/>
+            <a:endParaRPr b="0" i="0" sz="1400" u="none" cap="none" strike="noStrike">
+              <a:solidFill>
+                <a:srgbClr val="000000"/>
+              </a:solidFill>
+              <a:latin typeface="Arial"/>
+              <a:ea typeface="Arial"/>
+              <a:cs typeface="Arial"/>
+              <a:sym typeface="Arial"/>
+            </a:endParaRPr>
           </a:p>
         </p:txBody>
       </p:sp>
       <p:sp>
         <p:nvSpPr>
-          <p:cNvPr id="23" name="Google Shape;23;p3"/>
+          <p:cNvPr id="28" name="Google Shape;28;p4"/>
           <p:cNvSpPr txBox="1"/>
           <p:nvPr>
             <p:ph type="title"/>
@@ -2278,11 +3891,18 @@
           <a:prstGeom prst="rect">
             <a:avLst/>
           </a:prstGeom>
+          <a:noFill/>
+          <a:ln>
+            <a:noFill/>
+          </a:ln>
         </p:spPr>
         <p:txBody>
           <a:bodyPr anchorCtr="0" anchor="ctr" bIns="91425" lIns="91425" spcFirstLastPara="1" rIns="91425" wrap="square" tIns="91425"/>
           <a:lstStyle>
             <a:lvl1pPr lvl="0" algn="ctr">
+              <a:lnSpc>
+                <a:spcPct val="100000"/>
+              </a:lnSpc>
               <a:spcBef>
                 <a:spcPts val="0"/>
               </a:spcBef>
@@ -2294,6 +3914,9 @@
               <a:defRPr/>
             </a:lvl1pPr>
             <a:lvl2pPr lvl="1" algn="ctr">
+              <a:lnSpc>
+                <a:spcPct val="100000"/>
+              </a:lnSpc>
               <a:spcBef>
                 <a:spcPts val="0"/>
               </a:spcBef>
@@ -2305,6 +3928,9 @@
               <a:defRPr/>
             </a:lvl2pPr>
             <a:lvl3pPr lvl="2" algn="ctr">
+              <a:lnSpc>
+                <a:spcPct val="100000"/>
+              </a:lnSpc>
               <a:spcBef>
                 <a:spcPts val="0"/>
               </a:spcBef>
@@ -2316,6 +3942,9 @@
               <a:defRPr/>
             </a:lvl3pPr>
             <a:lvl4pPr lvl="3" algn="ctr">
+              <a:lnSpc>
+                <a:spcPct val="100000"/>
+              </a:lnSpc>
               <a:spcBef>
                 <a:spcPts val="0"/>
               </a:spcBef>
@@ -2327,6 +3956,9 @@
               <a:defRPr/>
             </a:lvl4pPr>
             <a:lvl5pPr lvl="4" algn="ctr">
+              <a:lnSpc>
+                <a:spcPct val="100000"/>
+              </a:lnSpc>
               <a:spcBef>
                 <a:spcPts val="0"/>
               </a:spcBef>
@@ -2338,6 +3970,9 @@
               <a:defRPr/>
             </a:lvl5pPr>
             <a:lvl6pPr lvl="5" algn="ctr">
+              <a:lnSpc>
+                <a:spcPct val="100000"/>
+              </a:lnSpc>
               <a:spcBef>
                 <a:spcPts val="0"/>
               </a:spcBef>
@@ -2349,6 +3984,9 @@
               <a:defRPr/>
             </a:lvl6pPr>
             <a:lvl7pPr lvl="6" algn="ctr">
+              <a:lnSpc>
+                <a:spcPct val="100000"/>
+              </a:lnSpc>
               <a:spcBef>
                 <a:spcPts val="0"/>
               </a:spcBef>
@@ -2360,6 +3998,9 @@
               <a:defRPr/>
             </a:lvl7pPr>
             <a:lvl8pPr lvl="7" algn="ctr">
+              <a:lnSpc>
+                <a:spcPct val="100000"/>
+              </a:lnSpc>
               <a:spcBef>
                 <a:spcPts val="0"/>
               </a:spcBef>
@@ -2371,6 +4012,9 @@
               <a:defRPr/>
             </a:lvl8pPr>
             <a:lvl9pPr lvl="8" algn="ctr">
+              <a:lnSpc>
+                <a:spcPct val="100000"/>
+              </a:lnSpc>
               <a:spcBef>
                 <a:spcPts val="0"/>
               </a:spcBef>
@@ -2379,433 +4023,6 @@
               </a:spcAft>
               <a:buSzPts val="3600"/>
               <a:buNone/>
-              <a:defRPr/>
-            </a:lvl9pPr>
-          </a:lstStyle>
-          <a:p/>
-        </p:txBody>
-      </p:sp>
-      <p:sp>
-        <p:nvSpPr>
-          <p:cNvPr id="24" name="Google Shape;24;p3"/>
-          <p:cNvSpPr txBox="1"/>
-          <p:nvPr>
-            <p:ph idx="12" type="sldNum"/>
-          </p:nvPr>
-        </p:nvSpPr>
-        <p:spPr>
-          <a:xfrm>
-            <a:off x="8472458" y="4663217"/>
-            <a:ext cx="548700" cy="393600"/>
-          </a:xfrm>
-          <a:prstGeom prst="rect">
-            <a:avLst/>
-          </a:prstGeom>
-        </p:spPr>
-        <p:txBody>
-          <a:bodyPr anchorCtr="0" anchor="ctr" bIns="91425" lIns="91425" spcFirstLastPara="1" rIns="91425" wrap="square" tIns="91425">
-            <a:noAutofit/>
-          </a:bodyPr>
-          <a:lstStyle>
-            <a:lvl1pPr lvl="0">
-              <a:buNone/>
-              <a:defRPr>
-                <a:solidFill>
-                  <a:schemeClr val="lt1"/>
-                </a:solidFill>
-              </a:defRPr>
-            </a:lvl1pPr>
-            <a:lvl2pPr lvl="1">
-              <a:buNone/>
-              <a:defRPr>
-                <a:solidFill>
-                  <a:schemeClr val="lt1"/>
-                </a:solidFill>
-              </a:defRPr>
-            </a:lvl2pPr>
-            <a:lvl3pPr lvl="2">
-              <a:buNone/>
-              <a:defRPr>
-                <a:solidFill>
-                  <a:schemeClr val="lt1"/>
-                </a:solidFill>
-              </a:defRPr>
-            </a:lvl3pPr>
-            <a:lvl4pPr lvl="3">
-              <a:buNone/>
-              <a:defRPr>
-                <a:solidFill>
-                  <a:schemeClr val="lt1"/>
-                </a:solidFill>
-              </a:defRPr>
-            </a:lvl4pPr>
-            <a:lvl5pPr lvl="4">
-              <a:buNone/>
-              <a:defRPr>
-                <a:solidFill>
-                  <a:schemeClr val="lt1"/>
-                </a:solidFill>
-              </a:defRPr>
-            </a:lvl5pPr>
-            <a:lvl6pPr lvl="5">
-              <a:buNone/>
-              <a:defRPr>
-                <a:solidFill>
-                  <a:schemeClr val="lt1"/>
-                </a:solidFill>
-              </a:defRPr>
-            </a:lvl6pPr>
-            <a:lvl7pPr lvl="6">
-              <a:buNone/>
-              <a:defRPr>
-                <a:solidFill>
-                  <a:schemeClr val="lt1"/>
-                </a:solidFill>
-              </a:defRPr>
-            </a:lvl7pPr>
-            <a:lvl8pPr lvl="7">
-              <a:buNone/>
-              <a:defRPr>
-                <a:solidFill>
-                  <a:schemeClr val="lt1"/>
-                </a:solidFill>
-              </a:defRPr>
-            </a:lvl8pPr>
-            <a:lvl9pPr lvl="8">
-              <a:buNone/>
-              <a:defRPr>
-                <a:solidFill>
-                  <a:schemeClr val="lt1"/>
-                </a:solidFill>
-              </a:defRPr>
-            </a:lvl9pPr>
-          </a:lstStyle>
-          <a:p>
-            <a:pPr indent="0" lvl="0" marL="0" rtl="0" algn="r">
-              <a:spcBef>
-                <a:spcPts val="0"/>
-              </a:spcBef>
-              <a:spcAft>
-                <a:spcPts val="0"/>
-              </a:spcAft>
-              <a:buNone/>
-            </a:pPr>
-            <a:fld id="{00000000-1234-1234-1234-123412341234}" type="slidenum">
-              <a:rPr lang="ru"/>
-              <a:t>‹#›</a:t>
-            </a:fld>
-            <a:endParaRPr/>
-          </a:p>
-        </p:txBody>
-      </p:sp>
-    </p:spTree>
-  </p:cSld>
-  <p:clrMapOvr>
-    <a:masterClrMapping/>
-  </p:clrMapOvr>
-</p:sldLayout>
-</file>
-
-<file path=ppt/slideLayouts/slideLayout3.xml><?xml version="1.0" encoding="utf-8"?>
-<p:sldLayout xmlns:a="http://schemas.openxmlformats.org/drawingml/2006/main" xmlns:r="http://schemas.openxmlformats.org/officeDocument/2006/relationships" xmlns:mc="http://schemas.openxmlformats.org/markup-compatibility/2006" xmlns:mv="urn:schemas-microsoft-com:mac:vml" xmlns:p="http://schemas.openxmlformats.org/presentationml/2006/main" xmlns:c="http://schemas.openxmlformats.org/drawingml/2006/chart" xmlns:dgm="http://schemas.openxmlformats.org/drawingml/2006/diagram" xmlns:o="urn:schemas-microsoft-com:office:office" xmlns:v="urn:schemas-microsoft-com:vml" xmlns:pvml="urn:schemas-microsoft-com:office:powerpoint" xmlns:com="http://schemas.openxmlformats.org/drawingml/2006/compatibility" xmlns:p14="http://schemas.microsoft.com/office/powerpoint/2010/main" xmlns:p15="http://schemas.microsoft.com/office/powerpoint/2012/main" matchingName="Title and body" type="tx">
-  <p:cSld name="TITLE_AND_BODY">
-    <p:spTree>
-      <p:nvGrpSpPr>
-        <p:cNvPr id="25" name="Shape 25"/>
-        <p:cNvGrpSpPr/>
-        <p:nvPr/>
-      </p:nvGrpSpPr>
-      <p:grpSpPr>
-        <a:xfrm>
-          <a:off x="0" y="0"/>
-          <a:ext cx="0" cy="0"/>
-          <a:chOff x="0" y="0"/>
-          <a:chExt cx="0" cy="0"/>
-        </a:xfrm>
-      </p:grpSpPr>
-      <p:sp>
-        <p:nvSpPr>
-          <p:cNvPr id="26" name="Google Shape;26;p4"/>
-          <p:cNvSpPr/>
-          <p:nvPr/>
-        </p:nvSpPr>
-        <p:spPr>
-          <a:xfrm>
-            <a:off x="-75" y="5045700"/>
-            <a:ext cx="9144000" cy="97800"/>
-          </a:xfrm>
-          <a:prstGeom prst="rect">
-            <a:avLst/>
-          </a:prstGeom>
-          <a:solidFill>
-            <a:schemeClr val="accent3"/>
-          </a:solidFill>
-          <a:ln>
-            <a:noFill/>
-          </a:ln>
-        </p:spPr>
-        <p:txBody>
-          <a:bodyPr anchorCtr="0" anchor="ctr" bIns="91425" lIns="91425" spcFirstLastPara="1" rIns="91425" wrap="square" tIns="91425">
-            <a:noAutofit/>
-          </a:bodyPr>
-          <a:lstStyle/>
-          <a:p>
-            <a:pPr indent="0" lvl="0" marL="0" rtl="0" algn="l">
-              <a:spcBef>
-                <a:spcPts val="0"/>
-              </a:spcBef>
-              <a:spcAft>
-                <a:spcPts val="0"/>
-              </a:spcAft>
-              <a:buNone/>
-            </a:pPr>
-            <a:r>
-              <a:t/>
-            </a:r>
-            <a:endParaRPr/>
-          </a:p>
-        </p:txBody>
-      </p:sp>
-      <p:sp>
-        <p:nvSpPr>
-          <p:cNvPr id="27" name="Google Shape;27;p4"/>
-          <p:cNvSpPr txBox="1"/>
-          <p:nvPr>
-            <p:ph type="title"/>
-          </p:nvPr>
-        </p:nvSpPr>
-        <p:spPr>
-          <a:xfrm>
-            <a:off x="311700" y="445025"/>
-            <a:ext cx="8520600" cy="707400"/>
-          </a:xfrm>
-          <a:prstGeom prst="rect">
-            <a:avLst/>
-          </a:prstGeom>
-        </p:spPr>
-        <p:txBody>
-          <a:bodyPr anchorCtr="0" anchor="t" bIns="91425" lIns="91425" spcFirstLastPara="1" rIns="91425" wrap="square" tIns="91425"/>
-          <a:lstStyle>
-            <a:lvl1pPr lvl="0">
-              <a:spcBef>
-                <a:spcPts val="0"/>
-              </a:spcBef>
-              <a:spcAft>
-                <a:spcPts val="0"/>
-              </a:spcAft>
-              <a:buSzPts val="3600"/>
-              <a:buNone/>
-              <a:defRPr/>
-            </a:lvl1pPr>
-            <a:lvl2pPr lvl="1">
-              <a:spcBef>
-                <a:spcPts val="0"/>
-              </a:spcBef>
-              <a:spcAft>
-                <a:spcPts val="0"/>
-              </a:spcAft>
-              <a:buSzPts val="3600"/>
-              <a:buNone/>
-              <a:defRPr/>
-            </a:lvl2pPr>
-            <a:lvl3pPr lvl="2">
-              <a:spcBef>
-                <a:spcPts val="0"/>
-              </a:spcBef>
-              <a:spcAft>
-                <a:spcPts val="0"/>
-              </a:spcAft>
-              <a:buSzPts val="3600"/>
-              <a:buNone/>
-              <a:defRPr/>
-            </a:lvl3pPr>
-            <a:lvl4pPr lvl="3">
-              <a:spcBef>
-                <a:spcPts val="0"/>
-              </a:spcBef>
-              <a:spcAft>
-                <a:spcPts val="0"/>
-              </a:spcAft>
-              <a:buSzPts val="3600"/>
-              <a:buNone/>
-              <a:defRPr/>
-            </a:lvl4pPr>
-            <a:lvl5pPr lvl="4">
-              <a:spcBef>
-                <a:spcPts val="0"/>
-              </a:spcBef>
-              <a:spcAft>
-                <a:spcPts val="0"/>
-              </a:spcAft>
-              <a:buSzPts val="3600"/>
-              <a:buNone/>
-              <a:defRPr/>
-            </a:lvl5pPr>
-            <a:lvl6pPr lvl="5">
-              <a:spcBef>
-                <a:spcPts val="0"/>
-              </a:spcBef>
-              <a:spcAft>
-                <a:spcPts val="0"/>
-              </a:spcAft>
-              <a:buSzPts val="3600"/>
-              <a:buNone/>
-              <a:defRPr/>
-            </a:lvl6pPr>
-            <a:lvl7pPr lvl="6">
-              <a:spcBef>
-                <a:spcPts val="0"/>
-              </a:spcBef>
-              <a:spcAft>
-                <a:spcPts val="0"/>
-              </a:spcAft>
-              <a:buSzPts val="3600"/>
-              <a:buNone/>
-              <a:defRPr/>
-            </a:lvl7pPr>
-            <a:lvl8pPr lvl="7">
-              <a:spcBef>
-                <a:spcPts val="0"/>
-              </a:spcBef>
-              <a:spcAft>
-                <a:spcPts val="0"/>
-              </a:spcAft>
-              <a:buSzPts val="3600"/>
-              <a:buNone/>
-              <a:defRPr/>
-            </a:lvl8pPr>
-            <a:lvl9pPr lvl="8">
-              <a:spcBef>
-                <a:spcPts val="0"/>
-              </a:spcBef>
-              <a:spcAft>
-                <a:spcPts val="0"/>
-              </a:spcAft>
-              <a:buSzPts val="3600"/>
-              <a:buNone/>
-              <a:defRPr/>
-            </a:lvl9pPr>
-          </a:lstStyle>
-          <a:p/>
-        </p:txBody>
-      </p:sp>
-      <p:sp>
-        <p:nvSpPr>
-          <p:cNvPr id="28" name="Google Shape;28;p4"/>
-          <p:cNvSpPr txBox="1"/>
-          <p:nvPr>
-            <p:ph idx="1" type="body"/>
-          </p:nvPr>
-        </p:nvSpPr>
-        <p:spPr>
-          <a:xfrm>
-            <a:off x="311700" y="1266325"/>
-            <a:ext cx="8520600" cy="3302700"/>
-          </a:xfrm>
-          <a:prstGeom prst="rect">
-            <a:avLst/>
-          </a:prstGeom>
-        </p:spPr>
-        <p:txBody>
-          <a:bodyPr anchorCtr="0" anchor="t" bIns="91425" lIns="91425" spcFirstLastPara="1" rIns="91425" wrap="square" tIns="91425"/>
-          <a:lstStyle>
-            <a:lvl1pPr indent="-342900" lvl="0" marL="457200">
-              <a:spcBef>
-                <a:spcPts val="0"/>
-              </a:spcBef>
-              <a:spcAft>
-                <a:spcPts val="0"/>
-              </a:spcAft>
-              <a:buSzPts val="1800"/>
-              <a:buChar char="●"/>
-              <a:defRPr/>
-            </a:lvl1pPr>
-            <a:lvl2pPr indent="-317500" lvl="1" marL="914400">
-              <a:spcBef>
-                <a:spcPts val="1600"/>
-              </a:spcBef>
-              <a:spcAft>
-                <a:spcPts val="0"/>
-              </a:spcAft>
-              <a:buSzPts val="1400"/>
-              <a:buChar char="○"/>
-              <a:defRPr/>
-            </a:lvl2pPr>
-            <a:lvl3pPr indent="-317500" lvl="2" marL="1371600">
-              <a:spcBef>
-                <a:spcPts val="1600"/>
-              </a:spcBef>
-              <a:spcAft>
-                <a:spcPts val="0"/>
-              </a:spcAft>
-              <a:buSzPts val="1400"/>
-              <a:buChar char="■"/>
-              <a:defRPr/>
-            </a:lvl3pPr>
-            <a:lvl4pPr indent="-317500" lvl="3" marL="1828800">
-              <a:spcBef>
-                <a:spcPts val="1600"/>
-              </a:spcBef>
-              <a:spcAft>
-                <a:spcPts val="0"/>
-              </a:spcAft>
-              <a:buSzPts val="1400"/>
-              <a:buChar char="●"/>
-              <a:defRPr/>
-            </a:lvl4pPr>
-            <a:lvl5pPr indent="-317500" lvl="4" marL="2286000">
-              <a:spcBef>
-                <a:spcPts val="1600"/>
-              </a:spcBef>
-              <a:spcAft>
-                <a:spcPts val="0"/>
-              </a:spcAft>
-              <a:buSzPts val="1400"/>
-              <a:buChar char="○"/>
-              <a:defRPr/>
-            </a:lvl5pPr>
-            <a:lvl6pPr indent="-317500" lvl="5" marL="2743200">
-              <a:spcBef>
-                <a:spcPts val="1600"/>
-              </a:spcBef>
-              <a:spcAft>
-                <a:spcPts val="0"/>
-              </a:spcAft>
-              <a:buSzPts val="1400"/>
-              <a:buChar char="■"/>
-              <a:defRPr/>
-            </a:lvl6pPr>
-            <a:lvl7pPr indent="-317500" lvl="6" marL="3200400">
-              <a:spcBef>
-                <a:spcPts val="1600"/>
-              </a:spcBef>
-              <a:spcAft>
-                <a:spcPts val="0"/>
-              </a:spcAft>
-              <a:buSzPts val="1400"/>
-              <a:buChar char="●"/>
-              <a:defRPr/>
-            </a:lvl7pPr>
-            <a:lvl8pPr indent="-317500" lvl="7" marL="3657600">
-              <a:spcBef>
-                <a:spcPts val="1600"/>
-              </a:spcBef>
-              <a:spcAft>
-                <a:spcPts val="0"/>
-              </a:spcAft>
-              <a:buSzPts val="1400"/>
-              <a:buChar char="○"/>
-              <a:defRPr/>
-            </a:lvl8pPr>
-            <a:lvl9pPr indent="-317500" lvl="8" marL="4114800">
-              <a:spcBef>
-                <a:spcPts val="1600"/>
-              </a:spcBef>
-              <a:spcAft>
-                <a:spcPts val="1600"/>
-              </a:spcAft>
-              <a:buSzPts val="1400"/>
-              <a:buChar char="■"/>
               <a:defRPr/>
             </a:lvl9pPr>
           </a:lstStyle>
@@ -2828,47 +4045,249 @@
           <a:prstGeom prst="rect">
             <a:avLst/>
           </a:prstGeom>
+          <a:noFill/>
+          <a:ln>
+            <a:noFill/>
+          </a:ln>
         </p:spPr>
         <p:txBody>
           <a:bodyPr anchorCtr="0" anchor="ctr" bIns="91425" lIns="91425" spcFirstLastPara="1" rIns="91425" wrap="square" tIns="91425">
             <a:noAutofit/>
           </a:bodyPr>
           <a:lstStyle>
-            <a:lvl1pPr lvl="0">
-              <a:buNone/>
-              <a:defRPr/>
+            <a:lvl1pPr indent="0" lvl="0" marL="0" marR="0" algn="r">
+              <a:lnSpc>
+                <a:spcPct val="100000"/>
+              </a:lnSpc>
+              <a:spcBef>
+                <a:spcPts val="0"/>
+              </a:spcBef>
+              <a:spcAft>
+                <a:spcPts val="0"/>
+              </a:spcAft>
+              <a:buClr>
+                <a:srgbClr val="000000"/>
+              </a:buClr>
+              <a:buSzPts val="1000"/>
+              <a:buFont typeface="Arial"/>
+              <a:buNone/>
+              <a:defRPr b="0" i="0" sz="1000" u="none" cap="none" strike="noStrike">
+                <a:solidFill>
+                  <a:schemeClr val="lt1"/>
+                </a:solidFill>
+                <a:latin typeface="Open Sans"/>
+                <a:ea typeface="Open Sans"/>
+                <a:cs typeface="Open Sans"/>
+                <a:sym typeface="Open Sans"/>
+              </a:defRPr>
             </a:lvl1pPr>
-            <a:lvl2pPr lvl="1">
-              <a:buNone/>
-              <a:defRPr/>
+            <a:lvl2pPr indent="0" lvl="1" marL="0" marR="0" algn="r">
+              <a:lnSpc>
+                <a:spcPct val="100000"/>
+              </a:lnSpc>
+              <a:spcBef>
+                <a:spcPts val="0"/>
+              </a:spcBef>
+              <a:spcAft>
+                <a:spcPts val="0"/>
+              </a:spcAft>
+              <a:buClr>
+                <a:srgbClr val="000000"/>
+              </a:buClr>
+              <a:buSzPts val="1000"/>
+              <a:buFont typeface="Arial"/>
+              <a:buNone/>
+              <a:defRPr b="0" i="0" sz="1000" u="none" cap="none" strike="noStrike">
+                <a:solidFill>
+                  <a:schemeClr val="lt1"/>
+                </a:solidFill>
+                <a:latin typeface="Open Sans"/>
+                <a:ea typeface="Open Sans"/>
+                <a:cs typeface="Open Sans"/>
+                <a:sym typeface="Open Sans"/>
+              </a:defRPr>
             </a:lvl2pPr>
-            <a:lvl3pPr lvl="2">
-              <a:buNone/>
-              <a:defRPr/>
+            <a:lvl3pPr indent="0" lvl="2" marL="0" marR="0" algn="r">
+              <a:lnSpc>
+                <a:spcPct val="100000"/>
+              </a:lnSpc>
+              <a:spcBef>
+                <a:spcPts val="0"/>
+              </a:spcBef>
+              <a:spcAft>
+                <a:spcPts val="0"/>
+              </a:spcAft>
+              <a:buClr>
+                <a:srgbClr val="000000"/>
+              </a:buClr>
+              <a:buSzPts val="1000"/>
+              <a:buFont typeface="Arial"/>
+              <a:buNone/>
+              <a:defRPr b="0" i="0" sz="1000" u="none" cap="none" strike="noStrike">
+                <a:solidFill>
+                  <a:schemeClr val="lt1"/>
+                </a:solidFill>
+                <a:latin typeface="Open Sans"/>
+                <a:ea typeface="Open Sans"/>
+                <a:cs typeface="Open Sans"/>
+                <a:sym typeface="Open Sans"/>
+              </a:defRPr>
             </a:lvl3pPr>
-            <a:lvl4pPr lvl="3">
-              <a:buNone/>
-              <a:defRPr/>
+            <a:lvl4pPr indent="0" lvl="3" marL="0" marR="0" algn="r">
+              <a:lnSpc>
+                <a:spcPct val="100000"/>
+              </a:lnSpc>
+              <a:spcBef>
+                <a:spcPts val="0"/>
+              </a:spcBef>
+              <a:spcAft>
+                <a:spcPts val="0"/>
+              </a:spcAft>
+              <a:buClr>
+                <a:srgbClr val="000000"/>
+              </a:buClr>
+              <a:buSzPts val="1000"/>
+              <a:buFont typeface="Arial"/>
+              <a:buNone/>
+              <a:defRPr b="0" i="0" sz="1000" u="none" cap="none" strike="noStrike">
+                <a:solidFill>
+                  <a:schemeClr val="lt1"/>
+                </a:solidFill>
+                <a:latin typeface="Open Sans"/>
+                <a:ea typeface="Open Sans"/>
+                <a:cs typeface="Open Sans"/>
+                <a:sym typeface="Open Sans"/>
+              </a:defRPr>
             </a:lvl4pPr>
-            <a:lvl5pPr lvl="4">
-              <a:buNone/>
-              <a:defRPr/>
+            <a:lvl5pPr indent="0" lvl="4" marL="0" marR="0" algn="r">
+              <a:lnSpc>
+                <a:spcPct val="100000"/>
+              </a:lnSpc>
+              <a:spcBef>
+                <a:spcPts val="0"/>
+              </a:spcBef>
+              <a:spcAft>
+                <a:spcPts val="0"/>
+              </a:spcAft>
+              <a:buClr>
+                <a:srgbClr val="000000"/>
+              </a:buClr>
+              <a:buSzPts val="1000"/>
+              <a:buFont typeface="Arial"/>
+              <a:buNone/>
+              <a:defRPr b="0" i="0" sz="1000" u="none" cap="none" strike="noStrike">
+                <a:solidFill>
+                  <a:schemeClr val="lt1"/>
+                </a:solidFill>
+                <a:latin typeface="Open Sans"/>
+                <a:ea typeface="Open Sans"/>
+                <a:cs typeface="Open Sans"/>
+                <a:sym typeface="Open Sans"/>
+              </a:defRPr>
             </a:lvl5pPr>
-            <a:lvl6pPr lvl="5">
-              <a:buNone/>
-              <a:defRPr/>
+            <a:lvl6pPr indent="0" lvl="5" marL="0" marR="0" algn="r">
+              <a:lnSpc>
+                <a:spcPct val="100000"/>
+              </a:lnSpc>
+              <a:spcBef>
+                <a:spcPts val="0"/>
+              </a:spcBef>
+              <a:spcAft>
+                <a:spcPts val="0"/>
+              </a:spcAft>
+              <a:buClr>
+                <a:srgbClr val="000000"/>
+              </a:buClr>
+              <a:buSzPts val="1000"/>
+              <a:buFont typeface="Arial"/>
+              <a:buNone/>
+              <a:defRPr b="0" i="0" sz="1000" u="none" cap="none" strike="noStrike">
+                <a:solidFill>
+                  <a:schemeClr val="lt1"/>
+                </a:solidFill>
+                <a:latin typeface="Open Sans"/>
+                <a:ea typeface="Open Sans"/>
+                <a:cs typeface="Open Sans"/>
+                <a:sym typeface="Open Sans"/>
+              </a:defRPr>
             </a:lvl6pPr>
-            <a:lvl7pPr lvl="6">
-              <a:buNone/>
-              <a:defRPr/>
+            <a:lvl7pPr indent="0" lvl="6" marL="0" marR="0" algn="r">
+              <a:lnSpc>
+                <a:spcPct val="100000"/>
+              </a:lnSpc>
+              <a:spcBef>
+                <a:spcPts val="0"/>
+              </a:spcBef>
+              <a:spcAft>
+                <a:spcPts val="0"/>
+              </a:spcAft>
+              <a:buClr>
+                <a:srgbClr val="000000"/>
+              </a:buClr>
+              <a:buSzPts val="1000"/>
+              <a:buFont typeface="Arial"/>
+              <a:buNone/>
+              <a:defRPr b="0" i="0" sz="1000" u="none" cap="none" strike="noStrike">
+                <a:solidFill>
+                  <a:schemeClr val="lt1"/>
+                </a:solidFill>
+                <a:latin typeface="Open Sans"/>
+                <a:ea typeface="Open Sans"/>
+                <a:cs typeface="Open Sans"/>
+                <a:sym typeface="Open Sans"/>
+              </a:defRPr>
             </a:lvl7pPr>
-            <a:lvl8pPr lvl="7">
-              <a:buNone/>
-              <a:defRPr/>
+            <a:lvl8pPr indent="0" lvl="7" marL="0" marR="0" algn="r">
+              <a:lnSpc>
+                <a:spcPct val="100000"/>
+              </a:lnSpc>
+              <a:spcBef>
+                <a:spcPts val="0"/>
+              </a:spcBef>
+              <a:spcAft>
+                <a:spcPts val="0"/>
+              </a:spcAft>
+              <a:buClr>
+                <a:srgbClr val="000000"/>
+              </a:buClr>
+              <a:buSzPts val="1000"/>
+              <a:buFont typeface="Arial"/>
+              <a:buNone/>
+              <a:defRPr b="0" i="0" sz="1000" u="none" cap="none" strike="noStrike">
+                <a:solidFill>
+                  <a:schemeClr val="lt1"/>
+                </a:solidFill>
+                <a:latin typeface="Open Sans"/>
+                <a:ea typeface="Open Sans"/>
+                <a:cs typeface="Open Sans"/>
+                <a:sym typeface="Open Sans"/>
+              </a:defRPr>
             </a:lvl8pPr>
-            <a:lvl9pPr lvl="8">
-              <a:buNone/>
-              <a:defRPr/>
+            <a:lvl9pPr indent="0" lvl="8" marL="0" marR="0" algn="r">
+              <a:lnSpc>
+                <a:spcPct val="100000"/>
+              </a:lnSpc>
+              <a:spcBef>
+                <a:spcPts val="0"/>
+              </a:spcBef>
+              <a:spcAft>
+                <a:spcPts val="0"/>
+              </a:spcAft>
+              <a:buClr>
+                <a:srgbClr val="000000"/>
+              </a:buClr>
+              <a:buSzPts val="1000"/>
+              <a:buFont typeface="Arial"/>
+              <a:buNone/>
+              <a:defRPr b="0" i="0" sz="1000" u="none" cap="none" strike="noStrike">
+                <a:solidFill>
+                  <a:schemeClr val="lt1"/>
+                </a:solidFill>
+                <a:latin typeface="Open Sans"/>
+                <a:ea typeface="Open Sans"/>
+                <a:cs typeface="Open Sans"/>
+                <a:sym typeface="Open Sans"/>
+              </a:defRPr>
             </a:lvl9pPr>
           </a:lstStyle>
           <a:p>
@@ -2930,11 +4349,18 @@
           <a:prstGeom prst="rect">
             <a:avLst/>
           </a:prstGeom>
+          <a:noFill/>
+          <a:ln>
+            <a:noFill/>
+          </a:ln>
         </p:spPr>
         <p:txBody>
           <a:bodyPr anchorCtr="0" anchor="t" bIns="91425" lIns="91425" spcFirstLastPara="1" rIns="91425" wrap="square" tIns="91425"/>
           <a:lstStyle>
-            <a:lvl1pPr lvl="0">
+            <a:lvl1pPr lvl="0" algn="l">
+              <a:lnSpc>
+                <a:spcPct val="100000"/>
+              </a:lnSpc>
               <a:spcBef>
                 <a:spcPts val="0"/>
               </a:spcBef>
@@ -2945,7 +4371,10 @@
               <a:buNone/>
               <a:defRPr/>
             </a:lvl1pPr>
-            <a:lvl2pPr lvl="1">
+            <a:lvl2pPr lvl="1" algn="l">
+              <a:lnSpc>
+                <a:spcPct val="100000"/>
+              </a:lnSpc>
               <a:spcBef>
                 <a:spcPts val="0"/>
               </a:spcBef>
@@ -2956,7 +4385,10 @@
               <a:buNone/>
               <a:defRPr/>
             </a:lvl2pPr>
-            <a:lvl3pPr lvl="2">
+            <a:lvl3pPr lvl="2" algn="l">
+              <a:lnSpc>
+                <a:spcPct val="100000"/>
+              </a:lnSpc>
               <a:spcBef>
                 <a:spcPts val="0"/>
               </a:spcBef>
@@ -2967,7 +4399,10 @@
               <a:buNone/>
               <a:defRPr/>
             </a:lvl3pPr>
-            <a:lvl4pPr lvl="3">
+            <a:lvl4pPr lvl="3" algn="l">
+              <a:lnSpc>
+                <a:spcPct val="100000"/>
+              </a:lnSpc>
               <a:spcBef>
                 <a:spcPts val="0"/>
               </a:spcBef>
@@ -2978,7 +4413,10 @@
               <a:buNone/>
               <a:defRPr/>
             </a:lvl4pPr>
-            <a:lvl5pPr lvl="4">
+            <a:lvl5pPr lvl="4" algn="l">
+              <a:lnSpc>
+                <a:spcPct val="100000"/>
+              </a:lnSpc>
               <a:spcBef>
                 <a:spcPts val="0"/>
               </a:spcBef>
@@ -2989,7 +4427,10 @@
               <a:buNone/>
               <a:defRPr/>
             </a:lvl5pPr>
-            <a:lvl6pPr lvl="5">
+            <a:lvl6pPr lvl="5" algn="l">
+              <a:lnSpc>
+                <a:spcPct val="100000"/>
+              </a:lnSpc>
               <a:spcBef>
                 <a:spcPts val="0"/>
               </a:spcBef>
@@ -3000,7 +4441,10 @@
               <a:buNone/>
               <a:defRPr/>
             </a:lvl6pPr>
-            <a:lvl7pPr lvl="6">
+            <a:lvl7pPr lvl="6" algn="l">
+              <a:lnSpc>
+                <a:spcPct val="100000"/>
+              </a:lnSpc>
               <a:spcBef>
                 <a:spcPts val="0"/>
               </a:spcBef>
@@ -3011,7 +4455,10 @@
               <a:buNone/>
               <a:defRPr/>
             </a:lvl7pPr>
-            <a:lvl8pPr lvl="7">
+            <a:lvl8pPr lvl="7" algn="l">
+              <a:lnSpc>
+                <a:spcPct val="100000"/>
+              </a:lnSpc>
               <a:spcBef>
                 <a:spcPts val="0"/>
               </a:spcBef>
@@ -3022,7 +4469,10 @@
               <a:buNone/>
               <a:defRPr/>
             </a:lvl8pPr>
-            <a:lvl9pPr lvl="8">
+            <a:lvl9pPr lvl="8" algn="l">
+              <a:lnSpc>
+                <a:spcPct val="100000"/>
+              </a:lnSpc>
               <a:spcBef>
                 <a:spcPts val="0"/>
               </a:spcBef>
@@ -3053,11 +4503,18 @@
           <a:prstGeom prst="rect">
             <a:avLst/>
           </a:prstGeom>
+          <a:noFill/>
+          <a:ln>
+            <a:noFill/>
+          </a:ln>
         </p:spPr>
         <p:txBody>
           <a:bodyPr anchorCtr="0" anchor="t" bIns="91425" lIns="91425" spcFirstLastPara="1" rIns="91425" wrap="square" tIns="91425"/>
           <a:lstStyle>
-            <a:lvl1pPr indent="-317500" lvl="0" marL="457200">
+            <a:lvl1pPr indent="-317500" lvl="0" marL="457200" algn="l">
+              <a:lnSpc>
+                <a:spcPct val="115000"/>
+              </a:lnSpc>
               <a:spcBef>
                 <a:spcPts val="0"/>
               </a:spcBef>
@@ -3068,7 +4525,10 @@
               <a:buChar char="●"/>
               <a:defRPr sz="1400"/>
             </a:lvl1pPr>
-            <a:lvl2pPr indent="-304800" lvl="1" marL="914400">
+            <a:lvl2pPr indent="-304800" lvl="1" marL="914400" algn="l">
+              <a:lnSpc>
+                <a:spcPct val="115000"/>
+              </a:lnSpc>
               <a:spcBef>
                 <a:spcPts val="1600"/>
               </a:spcBef>
@@ -3079,7 +4539,10 @@
               <a:buChar char="○"/>
               <a:defRPr sz="1200"/>
             </a:lvl2pPr>
-            <a:lvl3pPr indent="-304800" lvl="2" marL="1371600">
+            <a:lvl3pPr indent="-304800" lvl="2" marL="1371600" algn="l">
+              <a:lnSpc>
+                <a:spcPct val="115000"/>
+              </a:lnSpc>
               <a:spcBef>
                 <a:spcPts val="1600"/>
               </a:spcBef>
@@ -3090,7 +4553,10 @@
               <a:buChar char="■"/>
               <a:defRPr sz="1200"/>
             </a:lvl3pPr>
-            <a:lvl4pPr indent="-304800" lvl="3" marL="1828800">
+            <a:lvl4pPr indent="-304800" lvl="3" marL="1828800" algn="l">
+              <a:lnSpc>
+                <a:spcPct val="115000"/>
+              </a:lnSpc>
               <a:spcBef>
                 <a:spcPts val="1600"/>
               </a:spcBef>
@@ -3101,7 +4567,10 @@
               <a:buChar char="●"/>
               <a:defRPr sz="1200"/>
             </a:lvl4pPr>
-            <a:lvl5pPr indent="-304800" lvl="4" marL="2286000">
+            <a:lvl5pPr indent="-304800" lvl="4" marL="2286000" algn="l">
+              <a:lnSpc>
+                <a:spcPct val="115000"/>
+              </a:lnSpc>
               <a:spcBef>
                 <a:spcPts val="1600"/>
               </a:spcBef>
@@ -3112,7 +4581,10 @@
               <a:buChar char="○"/>
               <a:defRPr sz="1200"/>
             </a:lvl5pPr>
-            <a:lvl6pPr indent="-304800" lvl="5" marL="2743200">
+            <a:lvl6pPr indent="-304800" lvl="5" marL="2743200" algn="l">
+              <a:lnSpc>
+                <a:spcPct val="115000"/>
+              </a:lnSpc>
               <a:spcBef>
                 <a:spcPts val="1600"/>
               </a:spcBef>
@@ -3123,7 +4595,10 @@
               <a:buChar char="■"/>
               <a:defRPr sz="1200"/>
             </a:lvl6pPr>
-            <a:lvl7pPr indent="-304800" lvl="6" marL="3200400">
+            <a:lvl7pPr indent="-304800" lvl="6" marL="3200400" algn="l">
+              <a:lnSpc>
+                <a:spcPct val="115000"/>
+              </a:lnSpc>
               <a:spcBef>
                 <a:spcPts val="1600"/>
               </a:spcBef>
@@ -3134,7 +4609,10 @@
               <a:buChar char="●"/>
               <a:defRPr sz="1200"/>
             </a:lvl7pPr>
-            <a:lvl8pPr indent="-304800" lvl="7" marL="3657600">
+            <a:lvl8pPr indent="-304800" lvl="7" marL="3657600" algn="l">
+              <a:lnSpc>
+                <a:spcPct val="115000"/>
+              </a:lnSpc>
               <a:spcBef>
                 <a:spcPts val="1600"/>
               </a:spcBef>
@@ -3145,7 +4623,10 @@
               <a:buChar char="○"/>
               <a:defRPr sz="1200"/>
             </a:lvl8pPr>
-            <a:lvl9pPr indent="-304800" lvl="8" marL="4114800">
+            <a:lvl9pPr indent="-304800" lvl="8" marL="4114800" algn="l">
+              <a:lnSpc>
+                <a:spcPct val="115000"/>
+              </a:lnSpc>
               <a:spcBef>
                 <a:spcPts val="1600"/>
               </a:spcBef>
@@ -3176,11 +4657,18 @@
           <a:prstGeom prst="rect">
             <a:avLst/>
           </a:prstGeom>
+          <a:noFill/>
+          <a:ln>
+            <a:noFill/>
+          </a:ln>
         </p:spPr>
         <p:txBody>
           <a:bodyPr anchorCtr="0" anchor="t" bIns="91425" lIns="91425" spcFirstLastPara="1" rIns="91425" wrap="square" tIns="91425"/>
           <a:lstStyle>
-            <a:lvl1pPr indent="-317500" lvl="0" marL="457200">
+            <a:lvl1pPr indent="-317500" lvl="0" marL="457200" algn="l">
+              <a:lnSpc>
+                <a:spcPct val="115000"/>
+              </a:lnSpc>
               <a:spcBef>
                 <a:spcPts val="0"/>
               </a:spcBef>
@@ -3191,7 +4679,10 @@
               <a:buChar char="●"/>
               <a:defRPr sz="1400"/>
             </a:lvl1pPr>
-            <a:lvl2pPr indent="-304800" lvl="1" marL="914400">
+            <a:lvl2pPr indent="-304800" lvl="1" marL="914400" algn="l">
+              <a:lnSpc>
+                <a:spcPct val="115000"/>
+              </a:lnSpc>
               <a:spcBef>
                 <a:spcPts val="1600"/>
               </a:spcBef>
@@ -3202,7 +4693,10 @@
               <a:buChar char="○"/>
               <a:defRPr sz="1200"/>
             </a:lvl2pPr>
-            <a:lvl3pPr indent="-304800" lvl="2" marL="1371600">
+            <a:lvl3pPr indent="-304800" lvl="2" marL="1371600" algn="l">
+              <a:lnSpc>
+                <a:spcPct val="115000"/>
+              </a:lnSpc>
               <a:spcBef>
                 <a:spcPts val="1600"/>
               </a:spcBef>
@@ -3213,7 +4707,10 @@
               <a:buChar char="■"/>
               <a:defRPr sz="1200"/>
             </a:lvl3pPr>
-            <a:lvl4pPr indent="-304800" lvl="3" marL="1828800">
+            <a:lvl4pPr indent="-304800" lvl="3" marL="1828800" algn="l">
+              <a:lnSpc>
+                <a:spcPct val="115000"/>
+              </a:lnSpc>
               <a:spcBef>
                 <a:spcPts val="1600"/>
               </a:spcBef>
@@ -3224,7 +4721,10 @@
               <a:buChar char="●"/>
               <a:defRPr sz="1200"/>
             </a:lvl4pPr>
-            <a:lvl5pPr indent="-304800" lvl="4" marL="2286000">
+            <a:lvl5pPr indent="-304800" lvl="4" marL="2286000" algn="l">
+              <a:lnSpc>
+                <a:spcPct val="115000"/>
+              </a:lnSpc>
               <a:spcBef>
                 <a:spcPts val="1600"/>
               </a:spcBef>
@@ -3235,7 +4735,10 @@
               <a:buChar char="○"/>
               <a:defRPr sz="1200"/>
             </a:lvl5pPr>
-            <a:lvl6pPr indent="-304800" lvl="5" marL="2743200">
+            <a:lvl6pPr indent="-304800" lvl="5" marL="2743200" algn="l">
+              <a:lnSpc>
+                <a:spcPct val="115000"/>
+              </a:lnSpc>
               <a:spcBef>
                 <a:spcPts val="1600"/>
               </a:spcBef>
@@ -3246,7 +4749,10 @@
               <a:buChar char="■"/>
               <a:defRPr sz="1200"/>
             </a:lvl6pPr>
-            <a:lvl7pPr indent="-304800" lvl="6" marL="3200400">
+            <a:lvl7pPr indent="-304800" lvl="6" marL="3200400" algn="l">
+              <a:lnSpc>
+                <a:spcPct val="115000"/>
+              </a:lnSpc>
               <a:spcBef>
                 <a:spcPts val="1600"/>
               </a:spcBef>
@@ -3257,7 +4763,10 @@
               <a:buChar char="●"/>
               <a:defRPr sz="1200"/>
             </a:lvl7pPr>
-            <a:lvl8pPr indent="-304800" lvl="7" marL="3657600">
+            <a:lvl8pPr indent="-304800" lvl="7" marL="3657600" algn="l">
+              <a:lnSpc>
+                <a:spcPct val="115000"/>
+              </a:lnSpc>
               <a:spcBef>
                 <a:spcPts val="1600"/>
               </a:spcBef>
@@ -3268,7 +4777,10 @@
               <a:buChar char="○"/>
               <a:defRPr sz="1200"/>
             </a:lvl8pPr>
-            <a:lvl9pPr indent="-304800" lvl="8" marL="4114800">
+            <a:lvl9pPr indent="-304800" lvl="8" marL="4114800" algn="l">
+              <a:lnSpc>
+                <a:spcPct val="115000"/>
+              </a:lnSpc>
               <a:spcBef>
                 <a:spcPts val="1600"/>
               </a:spcBef>
@@ -3299,47 +4811,249 @@
           <a:prstGeom prst="rect">
             <a:avLst/>
           </a:prstGeom>
+          <a:noFill/>
+          <a:ln>
+            <a:noFill/>
+          </a:ln>
         </p:spPr>
         <p:txBody>
           <a:bodyPr anchorCtr="0" anchor="ctr" bIns="91425" lIns="91425" spcFirstLastPara="1" rIns="91425" wrap="square" tIns="91425">
             <a:noAutofit/>
           </a:bodyPr>
           <a:lstStyle>
-            <a:lvl1pPr lvl="0">
-              <a:buNone/>
-              <a:defRPr/>
+            <a:lvl1pPr indent="0" lvl="0" marL="0" marR="0" algn="r">
+              <a:lnSpc>
+                <a:spcPct val="100000"/>
+              </a:lnSpc>
+              <a:spcBef>
+                <a:spcPts val="0"/>
+              </a:spcBef>
+              <a:spcAft>
+                <a:spcPts val="0"/>
+              </a:spcAft>
+              <a:buClr>
+                <a:srgbClr val="000000"/>
+              </a:buClr>
+              <a:buSzPts val="1000"/>
+              <a:buFont typeface="Arial"/>
+              <a:buNone/>
+              <a:defRPr b="0" i="0" sz="1000" u="none" cap="none" strike="noStrike">
+                <a:solidFill>
+                  <a:schemeClr val="dk2"/>
+                </a:solidFill>
+                <a:latin typeface="Open Sans"/>
+                <a:ea typeface="Open Sans"/>
+                <a:cs typeface="Open Sans"/>
+                <a:sym typeface="Open Sans"/>
+              </a:defRPr>
             </a:lvl1pPr>
-            <a:lvl2pPr lvl="1">
-              <a:buNone/>
-              <a:defRPr/>
+            <a:lvl2pPr indent="0" lvl="1" marL="0" marR="0" algn="r">
+              <a:lnSpc>
+                <a:spcPct val="100000"/>
+              </a:lnSpc>
+              <a:spcBef>
+                <a:spcPts val="0"/>
+              </a:spcBef>
+              <a:spcAft>
+                <a:spcPts val="0"/>
+              </a:spcAft>
+              <a:buClr>
+                <a:srgbClr val="000000"/>
+              </a:buClr>
+              <a:buSzPts val="1000"/>
+              <a:buFont typeface="Arial"/>
+              <a:buNone/>
+              <a:defRPr b="0" i="0" sz="1000" u="none" cap="none" strike="noStrike">
+                <a:solidFill>
+                  <a:schemeClr val="dk2"/>
+                </a:solidFill>
+                <a:latin typeface="Open Sans"/>
+                <a:ea typeface="Open Sans"/>
+                <a:cs typeface="Open Sans"/>
+                <a:sym typeface="Open Sans"/>
+              </a:defRPr>
             </a:lvl2pPr>
-            <a:lvl3pPr lvl="2">
-              <a:buNone/>
-              <a:defRPr/>
+            <a:lvl3pPr indent="0" lvl="2" marL="0" marR="0" algn="r">
+              <a:lnSpc>
+                <a:spcPct val="100000"/>
+              </a:lnSpc>
+              <a:spcBef>
+                <a:spcPts val="0"/>
+              </a:spcBef>
+              <a:spcAft>
+                <a:spcPts val="0"/>
+              </a:spcAft>
+              <a:buClr>
+                <a:srgbClr val="000000"/>
+              </a:buClr>
+              <a:buSzPts val="1000"/>
+              <a:buFont typeface="Arial"/>
+              <a:buNone/>
+              <a:defRPr b="0" i="0" sz="1000" u="none" cap="none" strike="noStrike">
+                <a:solidFill>
+                  <a:schemeClr val="dk2"/>
+                </a:solidFill>
+                <a:latin typeface="Open Sans"/>
+                <a:ea typeface="Open Sans"/>
+                <a:cs typeface="Open Sans"/>
+                <a:sym typeface="Open Sans"/>
+              </a:defRPr>
             </a:lvl3pPr>
-            <a:lvl4pPr lvl="3">
-              <a:buNone/>
-              <a:defRPr/>
+            <a:lvl4pPr indent="0" lvl="3" marL="0" marR="0" algn="r">
+              <a:lnSpc>
+                <a:spcPct val="100000"/>
+              </a:lnSpc>
+              <a:spcBef>
+                <a:spcPts val="0"/>
+              </a:spcBef>
+              <a:spcAft>
+                <a:spcPts val="0"/>
+              </a:spcAft>
+              <a:buClr>
+                <a:srgbClr val="000000"/>
+              </a:buClr>
+              <a:buSzPts val="1000"/>
+              <a:buFont typeface="Arial"/>
+              <a:buNone/>
+              <a:defRPr b="0" i="0" sz="1000" u="none" cap="none" strike="noStrike">
+                <a:solidFill>
+                  <a:schemeClr val="dk2"/>
+                </a:solidFill>
+                <a:latin typeface="Open Sans"/>
+                <a:ea typeface="Open Sans"/>
+                <a:cs typeface="Open Sans"/>
+                <a:sym typeface="Open Sans"/>
+              </a:defRPr>
             </a:lvl4pPr>
-            <a:lvl5pPr lvl="4">
-              <a:buNone/>
-              <a:defRPr/>
+            <a:lvl5pPr indent="0" lvl="4" marL="0" marR="0" algn="r">
+              <a:lnSpc>
+                <a:spcPct val="100000"/>
+              </a:lnSpc>
+              <a:spcBef>
+                <a:spcPts val="0"/>
+              </a:spcBef>
+              <a:spcAft>
+                <a:spcPts val="0"/>
+              </a:spcAft>
+              <a:buClr>
+                <a:srgbClr val="000000"/>
+              </a:buClr>
+              <a:buSzPts val="1000"/>
+              <a:buFont typeface="Arial"/>
+              <a:buNone/>
+              <a:defRPr b="0" i="0" sz="1000" u="none" cap="none" strike="noStrike">
+                <a:solidFill>
+                  <a:schemeClr val="dk2"/>
+                </a:solidFill>
+                <a:latin typeface="Open Sans"/>
+                <a:ea typeface="Open Sans"/>
+                <a:cs typeface="Open Sans"/>
+                <a:sym typeface="Open Sans"/>
+              </a:defRPr>
             </a:lvl5pPr>
-            <a:lvl6pPr lvl="5">
-              <a:buNone/>
-              <a:defRPr/>
+            <a:lvl6pPr indent="0" lvl="5" marL="0" marR="0" algn="r">
+              <a:lnSpc>
+                <a:spcPct val="100000"/>
+              </a:lnSpc>
+              <a:spcBef>
+                <a:spcPts val="0"/>
+              </a:spcBef>
+              <a:spcAft>
+                <a:spcPts val="0"/>
+              </a:spcAft>
+              <a:buClr>
+                <a:srgbClr val="000000"/>
+              </a:buClr>
+              <a:buSzPts val="1000"/>
+              <a:buFont typeface="Arial"/>
+              <a:buNone/>
+              <a:defRPr b="0" i="0" sz="1000" u="none" cap="none" strike="noStrike">
+                <a:solidFill>
+                  <a:schemeClr val="dk2"/>
+                </a:solidFill>
+                <a:latin typeface="Open Sans"/>
+                <a:ea typeface="Open Sans"/>
+                <a:cs typeface="Open Sans"/>
+                <a:sym typeface="Open Sans"/>
+              </a:defRPr>
             </a:lvl6pPr>
-            <a:lvl7pPr lvl="6">
-              <a:buNone/>
-              <a:defRPr/>
+            <a:lvl7pPr indent="0" lvl="6" marL="0" marR="0" algn="r">
+              <a:lnSpc>
+                <a:spcPct val="100000"/>
+              </a:lnSpc>
+              <a:spcBef>
+                <a:spcPts val="0"/>
+              </a:spcBef>
+              <a:spcAft>
+                <a:spcPts val="0"/>
+              </a:spcAft>
+              <a:buClr>
+                <a:srgbClr val="000000"/>
+              </a:buClr>
+              <a:buSzPts val="1000"/>
+              <a:buFont typeface="Arial"/>
+              <a:buNone/>
+              <a:defRPr b="0" i="0" sz="1000" u="none" cap="none" strike="noStrike">
+                <a:solidFill>
+                  <a:schemeClr val="dk2"/>
+                </a:solidFill>
+                <a:latin typeface="Open Sans"/>
+                <a:ea typeface="Open Sans"/>
+                <a:cs typeface="Open Sans"/>
+                <a:sym typeface="Open Sans"/>
+              </a:defRPr>
             </a:lvl7pPr>
-            <a:lvl8pPr lvl="7">
-              <a:buNone/>
-              <a:defRPr/>
+            <a:lvl8pPr indent="0" lvl="7" marL="0" marR="0" algn="r">
+              <a:lnSpc>
+                <a:spcPct val="100000"/>
+              </a:lnSpc>
+              <a:spcBef>
+                <a:spcPts val="0"/>
+              </a:spcBef>
+              <a:spcAft>
+                <a:spcPts val="0"/>
+              </a:spcAft>
+              <a:buClr>
+                <a:srgbClr val="000000"/>
+              </a:buClr>
+              <a:buSzPts val="1000"/>
+              <a:buFont typeface="Arial"/>
+              <a:buNone/>
+              <a:defRPr b="0" i="0" sz="1000" u="none" cap="none" strike="noStrike">
+                <a:solidFill>
+                  <a:schemeClr val="dk2"/>
+                </a:solidFill>
+                <a:latin typeface="Open Sans"/>
+                <a:ea typeface="Open Sans"/>
+                <a:cs typeface="Open Sans"/>
+                <a:sym typeface="Open Sans"/>
+              </a:defRPr>
             </a:lvl8pPr>
-            <a:lvl9pPr lvl="8">
-              <a:buNone/>
-              <a:defRPr/>
+            <a:lvl9pPr indent="0" lvl="8" marL="0" marR="0" algn="r">
+              <a:lnSpc>
+                <a:spcPct val="100000"/>
+              </a:lnSpc>
+              <a:spcBef>
+                <a:spcPts val="0"/>
+              </a:spcBef>
+              <a:spcAft>
+                <a:spcPts val="0"/>
+              </a:spcAft>
+              <a:buClr>
+                <a:srgbClr val="000000"/>
+              </a:buClr>
+              <a:buSzPts val="1000"/>
+              <a:buFont typeface="Arial"/>
+              <a:buNone/>
+              <a:defRPr b="0" i="0" sz="1000" u="none" cap="none" strike="noStrike">
+                <a:solidFill>
+                  <a:schemeClr val="dk2"/>
+                </a:solidFill>
+                <a:latin typeface="Open Sans"/>
+                <a:ea typeface="Open Sans"/>
+                <a:cs typeface="Open Sans"/>
+                <a:sym typeface="Open Sans"/>
+              </a:defRPr>
             </a:lvl9pPr>
           </a:lstStyle>
           <a:p>
@@ -3401,11 +5115,18 @@
           <a:prstGeom prst="rect">
             <a:avLst/>
           </a:prstGeom>
+          <a:noFill/>
+          <a:ln>
+            <a:noFill/>
+          </a:ln>
         </p:spPr>
         <p:txBody>
           <a:bodyPr anchorCtr="0" anchor="t" bIns="91425" lIns="91425" spcFirstLastPara="1" rIns="91425" wrap="square" tIns="91425"/>
           <a:lstStyle>
-            <a:lvl1pPr lvl="0">
+            <a:lvl1pPr lvl="0" algn="l">
+              <a:lnSpc>
+                <a:spcPct val="100000"/>
+              </a:lnSpc>
               <a:spcBef>
                 <a:spcPts val="0"/>
               </a:spcBef>
@@ -3416,7 +5137,10 @@
               <a:buNone/>
               <a:defRPr/>
             </a:lvl1pPr>
-            <a:lvl2pPr lvl="1">
+            <a:lvl2pPr lvl="1" algn="l">
+              <a:lnSpc>
+                <a:spcPct val="100000"/>
+              </a:lnSpc>
               <a:spcBef>
                 <a:spcPts val="0"/>
               </a:spcBef>
@@ -3427,7 +5151,10 @@
               <a:buNone/>
               <a:defRPr/>
             </a:lvl2pPr>
-            <a:lvl3pPr lvl="2">
+            <a:lvl3pPr lvl="2" algn="l">
+              <a:lnSpc>
+                <a:spcPct val="100000"/>
+              </a:lnSpc>
               <a:spcBef>
                 <a:spcPts val="0"/>
               </a:spcBef>
@@ -3438,7 +5165,10 @@
               <a:buNone/>
               <a:defRPr/>
             </a:lvl3pPr>
-            <a:lvl4pPr lvl="3">
+            <a:lvl4pPr lvl="3" algn="l">
+              <a:lnSpc>
+                <a:spcPct val="100000"/>
+              </a:lnSpc>
               <a:spcBef>
                 <a:spcPts val="0"/>
               </a:spcBef>
@@ -3449,7 +5179,10 @@
               <a:buNone/>
               <a:defRPr/>
             </a:lvl4pPr>
-            <a:lvl5pPr lvl="4">
+            <a:lvl5pPr lvl="4" algn="l">
+              <a:lnSpc>
+                <a:spcPct val="100000"/>
+              </a:lnSpc>
               <a:spcBef>
                 <a:spcPts val="0"/>
               </a:spcBef>
@@ -3460,7 +5193,10 @@
               <a:buNone/>
               <a:defRPr/>
             </a:lvl5pPr>
-            <a:lvl6pPr lvl="5">
+            <a:lvl6pPr lvl="5" algn="l">
+              <a:lnSpc>
+                <a:spcPct val="100000"/>
+              </a:lnSpc>
               <a:spcBef>
                 <a:spcPts val="0"/>
               </a:spcBef>
@@ -3471,7 +5207,10 @@
               <a:buNone/>
               <a:defRPr/>
             </a:lvl6pPr>
-            <a:lvl7pPr lvl="6">
+            <a:lvl7pPr lvl="6" algn="l">
+              <a:lnSpc>
+                <a:spcPct val="100000"/>
+              </a:lnSpc>
               <a:spcBef>
                 <a:spcPts val="0"/>
               </a:spcBef>
@@ -3482,7 +5221,10 @@
               <a:buNone/>
               <a:defRPr/>
             </a:lvl7pPr>
-            <a:lvl8pPr lvl="7">
+            <a:lvl8pPr lvl="7" algn="l">
+              <a:lnSpc>
+                <a:spcPct val="100000"/>
+              </a:lnSpc>
               <a:spcBef>
                 <a:spcPts val="0"/>
               </a:spcBef>
@@ -3493,7 +5235,10 @@
               <a:buNone/>
               <a:defRPr/>
             </a:lvl8pPr>
-            <a:lvl9pPr lvl="8">
+            <a:lvl9pPr lvl="8" algn="l">
+              <a:lnSpc>
+                <a:spcPct val="100000"/>
+              </a:lnSpc>
               <a:spcBef>
                 <a:spcPts val="0"/>
               </a:spcBef>
@@ -3524,47 +5269,249 @@
           <a:prstGeom prst="rect">
             <a:avLst/>
           </a:prstGeom>
+          <a:noFill/>
+          <a:ln>
+            <a:noFill/>
+          </a:ln>
         </p:spPr>
         <p:txBody>
           <a:bodyPr anchorCtr="0" anchor="ctr" bIns="91425" lIns="91425" spcFirstLastPara="1" rIns="91425" wrap="square" tIns="91425">
             <a:noAutofit/>
           </a:bodyPr>
           <a:lstStyle>
-            <a:lvl1pPr lvl="0">
-              <a:buNone/>
-              <a:defRPr/>
+            <a:lvl1pPr indent="0" lvl="0" marL="0" marR="0" algn="r">
+              <a:lnSpc>
+                <a:spcPct val="100000"/>
+              </a:lnSpc>
+              <a:spcBef>
+                <a:spcPts val="0"/>
+              </a:spcBef>
+              <a:spcAft>
+                <a:spcPts val="0"/>
+              </a:spcAft>
+              <a:buClr>
+                <a:srgbClr val="000000"/>
+              </a:buClr>
+              <a:buSzPts val="1000"/>
+              <a:buFont typeface="Arial"/>
+              <a:buNone/>
+              <a:defRPr b="0" i="0" sz="1000" u="none" cap="none" strike="noStrike">
+                <a:solidFill>
+                  <a:schemeClr val="dk2"/>
+                </a:solidFill>
+                <a:latin typeface="Open Sans"/>
+                <a:ea typeface="Open Sans"/>
+                <a:cs typeface="Open Sans"/>
+                <a:sym typeface="Open Sans"/>
+              </a:defRPr>
             </a:lvl1pPr>
-            <a:lvl2pPr lvl="1">
-              <a:buNone/>
-              <a:defRPr/>
+            <a:lvl2pPr indent="0" lvl="1" marL="0" marR="0" algn="r">
+              <a:lnSpc>
+                <a:spcPct val="100000"/>
+              </a:lnSpc>
+              <a:spcBef>
+                <a:spcPts val="0"/>
+              </a:spcBef>
+              <a:spcAft>
+                <a:spcPts val="0"/>
+              </a:spcAft>
+              <a:buClr>
+                <a:srgbClr val="000000"/>
+              </a:buClr>
+              <a:buSzPts val="1000"/>
+              <a:buFont typeface="Arial"/>
+              <a:buNone/>
+              <a:defRPr b="0" i="0" sz="1000" u="none" cap="none" strike="noStrike">
+                <a:solidFill>
+                  <a:schemeClr val="dk2"/>
+                </a:solidFill>
+                <a:latin typeface="Open Sans"/>
+                <a:ea typeface="Open Sans"/>
+                <a:cs typeface="Open Sans"/>
+                <a:sym typeface="Open Sans"/>
+              </a:defRPr>
             </a:lvl2pPr>
-            <a:lvl3pPr lvl="2">
-              <a:buNone/>
-              <a:defRPr/>
+            <a:lvl3pPr indent="0" lvl="2" marL="0" marR="0" algn="r">
+              <a:lnSpc>
+                <a:spcPct val="100000"/>
+              </a:lnSpc>
+              <a:spcBef>
+                <a:spcPts val="0"/>
+              </a:spcBef>
+              <a:spcAft>
+                <a:spcPts val="0"/>
+              </a:spcAft>
+              <a:buClr>
+                <a:srgbClr val="000000"/>
+              </a:buClr>
+              <a:buSzPts val="1000"/>
+              <a:buFont typeface="Arial"/>
+              <a:buNone/>
+              <a:defRPr b="0" i="0" sz="1000" u="none" cap="none" strike="noStrike">
+                <a:solidFill>
+                  <a:schemeClr val="dk2"/>
+                </a:solidFill>
+                <a:latin typeface="Open Sans"/>
+                <a:ea typeface="Open Sans"/>
+                <a:cs typeface="Open Sans"/>
+                <a:sym typeface="Open Sans"/>
+              </a:defRPr>
             </a:lvl3pPr>
-            <a:lvl4pPr lvl="3">
-              <a:buNone/>
-              <a:defRPr/>
+            <a:lvl4pPr indent="0" lvl="3" marL="0" marR="0" algn="r">
+              <a:lnSpc>
+                <a:spcPct val="100000"/>
+              </a:lnSpc>
+              <a:spcBef>
+                <a:spcPts val="0"/>
+              </a:spcBef>
+              <a:spcAft>
+                <a:spcPts val="0"/>
+              </a:spcAft>
+              <a:buClr>
+                <a:srgbClr val="000000"/>
+              </a:buClr>
+              <a:buSzPts val="1000"/>
+              <a:buFont typeface="Arial"/>
+              <a:buNone/>
+              <a:defRPr b="0" i="0" sz="1000" u="none" cap="none" strike="noStrike">
+                <a:solidFill>
+                  <a:schemeClr val="dk2"/>
+                </a:solidFill>
+                <a:latin typeface="Open Sans"/>
+                <a:ea typeface="Open Sans"/>
+                <a:cs typeface="Open Sans"/>
+                <a:sym typeface="Open Sans"/>
+              </a:defRPr>
             </a:lvl4pPr>
-            <a:lvl5pPr lvl="4">
-              <a:buNone/>
-              <a:defRPr/>
+            <a:lvl5pPr indent="0" lvl="4" marL="0" marR="0" algn="r">
+              <a:lnSpc>
+                <a:spcPct val="100000"/>
+              </a:lnSpc>
+              <a:spcBef>
+                <a:spcPts val="0"/>
+              </a:spcBef>
+              <a:spcAft>
+                <a:spcPts val="0"/>
+              </a:spcAft>
+              <a:buClr>
+                <a:srgbClr val="000000"/>
+              </a:buClr>
+              <a:buSzPts val="1000"/>
+              <a:buFont typeface="Arial"/>
+              <a:buNone/>
+              <a:defRPr b="0" i="0" sz="1000" u="none" cap="none" strike="noStrike">
+                <a:solidFill>
+                  <a:schemeClr val="dk2"/>
+                </a:solidFill>
+                <a:latin typeface="Open Sans"/>
+                <a:ea typeface="Open Sans"/>
+                <a:cs typeface="Open Sans"/>
+                <a:sym typeface="Open Sans"/>
+              </a:defRPr>
             </a:lvl5pPr>
-            <a:lvl6pPr lvl="5">
-              <a:buNone/>
-              <a:defRPr/>
+            <a:lvl6pPr indent="0" lvl="5" marL="0" marR="0" algn="r">
+              <a:lnSpc>
+                <a:spcPct val="100000"/>
+              </a:lnSpc>
+              <a:spcBef>
+                <a:spcPts val="0"/>
+              </a:spcBef>
+              <a:spcAft>
+                <a:spcPts val="0"/>
+              </a:spcAft>
+              <a:buClr>
+                <a:srgbClr val="000000"/>
+              </a:buClr>
+              <a:buSzPts val="1000"/>
+              <a:buFont typeface="Arial"/>
+              <a:buNone/>
+              <a:defRPr b="0" i="0" sz="1000" u="none" cap="none" strike="noStrike">
+                <a:solidFill>
+                  <a:schemeClr val="dk2"/>
+                </a:solidFill>
+                <a:latin typeface="Open Sans"/>
+                <a:ea typeface="Open Sans"/>
+                <a:cs typeface="Open Sans"/>
+                <a:sym typeface="Open Sans"/>
+              </a:defRPr>
             </a:lvl6pPr>
-            <a:lvl7pPr lvl="6">
-              <a:buNone/>
-              <a:defRPr/>
+            <a:lvl7pPr indent="0" lvl="6" marL="0" marR="0" algn="r">
+              <a:lnSpc>
+                <a:spcPct val="100000"/>
+              </a:lnSpc>
+              <a:spcBef>
+                <a:spcPts val="0"/>
+              </a:spcBef>
+              <a:spcAft>
+                <a:spcPts val="0"/>
+              </a:spcAft>
+              <a:buClr>
+                <a:srgbClr val="000000"/>
+              </a:buClr>
+              <a:buSzPts val="1000"/>
+              <a:buFont typeface="Arial"/>
+              <a:buNone/>
+              <a:defRPr b="0" i="0" sz="1000" u="none" cap="none" strike="noStrike">
+                <a:solidFill>
+                  <a:schemeClr val="dk2"/>
+                </a:solidFill>
+                <a:latin typeface="Open Sans"/>
+                <a:ea typeface="Open Sans"/>
+                <a:cs typeface="Open Sans"/>
+                <a:sym typeface="Open Sans"/>
+              </a:defRPr>
             </a:lvl7pPr>
-            <a:lvl8pPr lvl="7">
-              <a:buNone/>
-              <a:defRPr/>
+            <a:lvl8pPr indent="0" lvl="7" marL="0" marR="0" algn="r">
+              <a:lnSpc>
+                <a:spcPct val="100000"/>
+              </a:lnSpc>
+              <a:spcBef>
+                <a:spcPts val="0"/>
+              </a:spcBef>
+              <a:spcAft>
+                <a:spcPts val="0"/>
+              </a:spcAft>
+              <a:buClr>
+                <a:srgbClr val="000000"/>
+              </a:buClr>
+              <a:buSzPts val="1000"/>
+              <a:buFont typeface="Arial"/>
+              <a:buNone/>
+              <a:defRPr b="0" i="0" sz="1000" u="none" cap="none" strike="noStrike">
+                <a:solidFill>
+                  <a:schemeClr val="dk2"/>
+                </a:solidFill>
+                <a:latin typeface="Open Sans"/>
+                <a:ea typeface="Open Sans"/>
+                <a:cs typeface="Open Sans"/>
+                <a:sym typeface="Open Sans"/>
+              </a:defRPr>
             </a:lvl8pPr>
-            <a:lvl9pPr lvl="8">
-              <a:buNone/>
-              <a:defRPr/>
+            <a:lvl9pPr indent="0" lvl="8" marL="0" marR="0" algn="r">
+              <a:lnSpc>
+                <a:spcPct val="100000"/>
+              </a:lnSpc>
+              <a:spcBef>
+                <a:spcPts val="0"/>
+              </a:spcBef>
+              <a:spcAft>
+                <a:spcPts val="0"/>
+              </a:spcAft>
+              <a:buClr>
+                <a:srgbClr val="000000"/>
+              </a:buClr>
+              <a:buSzPts val="1000"/>
+              <a:buFont typeface="Arial"/>
+              <a:buNone/>
+              <a:defRPr b="0" i="0" sz="1000" u="none" cap="none" strike="noStrike">
+                <a:solidFill>
+                  <a:schemeClr val="dk2"/>
+                </a:solidFill>
+                <a:latin typeface="Open Sans"/>
+                <a:ea typeface="Open Sans"/>
+                <a:cs typeface="Open Sans"/>
+                <a:sym typeface="Open Sans"/>
+              </a:defRPr>
             </a:lvl9pPr>
           </a:lstStyle>
           <a:p>
@@ -3626,11 +5573,18 @@
           <a:prstGeom prst="rect">
             <a:avLst/>
           </a:prstGeom>
+          <a:noFill/>
+          <a:ln>
+            <a:noFill/>
+          </a:ln>
         </p:spPr>
         <p:txBody>
           <a:bodyPr anchorCtr="0" anchor="b" bIns="91425" lIns="91425" spcFirstLastPara="1" rIns="91425" wrap="square" tIns="91425"/>
           <a:lstStyle>
-            <a:lvl1pPr lvl="0">
+            <a:lvl1pPr lvl="0" algn="l">
+              <a:lnSpc>
+                <a:spcPct val="100000"/>
+              </a:lnSpc>
               <a:spcBef>
                 <a:spcPts val="0"/>
               </a:spcBef>
@@ -3641,7 +5595,10 @@
               <a:buNone/>
               <a:defRPr sz="2400"/>
             </a:lvl1pPr>
-            <a:lvl2pPr lvl="1">
+            <a:lvl2pPr lvl="1" algn="l">
+              <a:lnSpc>
+                <a:spcPct val="100000"/>
+              </a:lnSpc>
               <a:spcBef>
                 <a:spcPts val="0"/>
               </a:spcBef>
@@ -3652,7 +5609,10 @@
               <a:buNone/>
               <a:defRPr sz="2400"/>
             </a:lvl2pPr>
-            <a:lvl3pPr lvl="2">
+            <a:lvl3pPr lvl="2" algn="l">
+              <a:lnSpc>
+                <a:spcPct val="100000"/>
+              </a:lnSpc>
               <a:spcBef>
                 <a:spcPts val="0"/>
               </a:spcBef>
@@ -3663,7 +5623,10 @@
               <a:buNone/>
               <a:defRPr sz="2400"/>
             </a:lvl3pPr>
-            <a:lvl4pPr lvl="3">
+            <a:lvl4pPr lvl="3" algn="l">
+              <a:lnSpc>
+                <a:spcPct val="100000"/>
+              </a:lnSpc>
               <a:spcBef>
                 <a:spcPts val="0"/>
               </a:spcBef>
@@ -3674,7 +5637,10 @@
               <a:buNone/>
               <a:defRPr sz="2400"/>
             </a:lvl4pPr>
-            <a:lvl5pPr lvl="4">
+            <a:lvl5pPr lvl="4" algn="l">
+              <a:lnSpc>
+                <a:spcPct val="100000"/>
+              </a:lnSpc>
               <a:spcBef>
                 <a:spcPts val="0"/>
               </a:spcBef>
@@ -3685,7 +5651,10 @@
               <a:buNone/>
               <a:defRPr sz="2400"/>
             </a:lvl5pPr>
-            <a:lvl6pPr lvl="5">
+            <a:lvl6pPr lvl="5" algn="l">
+              <a:lnSpc>
+                <a:spcPct val="100000"/>
+              </a:lnSpc>
               <a:spcBef>
                 <a:spcPts val="0"/>
               </a:spcBef>
@@ -3696,7 +5665,10 @@
               <a:buNone/>
               <a:defRPr sz="2400"/>
             </a:lvl6pPr>
-            <a:lvl7pPr lvl="6">
+            <a:lvl7pPr lvl="6" algn="l">
+              <a:lnSpc>
+                <a:spcPct val="100000"/>
+              </a:lnSpc>
               <a:spcBef>
                 <a:spcPts val="0"/>
               </a:spcBef>
@@ -3707,7 +5679,10 @@
               <a:buNone/>
               <a:defRPr sz="2400"/>
             </a:lvl7pPr>
-            <a:lvl8pPr lvl="7">
+            <a:lvl8pPr lvl="7" algn="l">
+              <a:lnSpc>
+                <a:spcPct val="100000"/>
+              </a:lnSpc>
               <a:spcBef>
                 <a:spcPts val="0"/>
               </a:spcBef>
@@ -3718,7 +5693,10 @@
               <a:buNone/>
               <a:defRPr sz="2400"/>
             </a:lvl8pPr>
-            <a:lvl9pPr lvl="8">
+            <a:lvl9pPr lvl="8" algn="l">
+              <a:lnSpc>
+                <a:spcPct val="100000"/>
+              </a:lnSpc>
               <a:spcBef>
                 <a:spcPts val="0"/>
               </a:spcBef>
@@ -3749,11 +5727,18 @@
           <a:prstGeom prst="rect">
             <a:avLst/>
           </a:prstGeom>
+          <a:noFill/>
+          <a:ln>
+            <a:noFill/>
+          </a:ln>
         </p:spPr>
         <p:txBody>
           <a:bodyPr anchorCtr="0" anchor="t" bIns="91425" lIns="91425" spcFirstLastPara="1" rIns="91425" wrap="square" tIns="91425"/>
           <a:lstStyle>
-            <a:lvl1pPr indent="-304800" lvl="0" marL="457200">
+            <a:lvl1pPr indent="-304800" lvl="0" marL="457200" algn="l">
+              <a:lnSpc>
+                <a:spcPct val="115000"/>
+              </a:lnSpc>
               <a:spcBef>
                 <a:spcPts val="0"/>
               </a:spcBef>
@@ -3764,7 +5749,10 @@
               <a:buChar char="●"/>
               <a:defRPr sz="1200"/>
             </a:lvl1pPr>
-            <a:lvl2pPr indent="-304800" lvl="1" marL="914400">
+            <a:lvl2pPr indent="-304800" lvl="1" marL="914400" algn="l">
+              <a:lnSpc>
+                <a:spcPct val="115000"/>
+              </a:lnSpc>
               <a:spcBef>
                 <a:spcPts val="1600"/>
               </a:spcBef>
@@ -3775,7 +5763,10 @@
               <a:buChar char="○"/>
               <a:defRPr sz="1200"/>
             </a:lvl2pPr>
-            <a:lvl3pPr indent="-304800" lvl="2" marL="1371600">
+            <a:lvl3pPr indent="-304800" lvl="2" marL="1371600" algn="l">
+              <a:lnSpc>
+                <a:spcPct val="115000"/>
+              </a:lnSpc>
               <a:spcBef>
                 <a:spcPts val="1600"/>
               </a:spcBef>
@@ -3786,7 +5777,10 @@
               <a:buChar char="■"/>
               <a:defRPr sz="1200"/>
             </a:lvl3pPr>
-            <a:lvl4pPr indent="-304800" lvl="3" marL="1828800">
+            <a:lvl4pPr indent="-304800" lvl="3" marL="1828800" algn="l">
+              <a:lnSpc>
+                <a:spcPct val="115000"/>
+              </a:lnSpc>
               <a:spcBef>
                 <a:spcPts val="1600"/>
               </a:spcBef>
@@ -3797,7 +5791,10 @@
               <a:buChar char="●"/>
               <a:defRPr sz="1200"/>
             </a:lvl4pPr>
-            <a:lvl5pPr indent="-304800" lvl="4" marL="2286000">
+            <a:lvl5pPr indent="-304800" lvl="4" marL="2286000" algn="l">
+              <a:lnSpc>
+                <a:spcPct val="115000"/>
+              </a:lnSpc>
               <a:spcBef>
                 <a:spcPts val="1600"/>
               </a:spcBef>
@@ -3808,7 +5805,10 @@
               <a:buChar char="○"/>
               <a:defRPr sz="1200"/>
             </a:lvl5pPr>
-            <a:lvl6pPr indent="-304800" lvl="5" marL="2743200">
+            <a:lvl6pPr indent="-304800" lvl="5" marL="2743200" algn="l">
+              <a:lnSpc>
+                <a:spcPct val="115000"/>
+              </a:lnSpc>
               <a:spcBef>
                 <a:spcPts val="1600"/>
               </a:spcBef>
@@ -3819,7 +5819,10 @@
               <a:buChar char="■"/>
               <a:defRPr sz="1200"/>
             </a:lvl6pPr>
-            <a:lvl7pPr indent="-304800" lvl="6" marL="3200400">
+            <a:lvl7pPr indent="-304800" lvl="6" marL="3200400" algn="l">
+              <a:lnSpc>
+                <a:spcPct val="115000"/>
+              </a:lnSpc>
               <a:spcBef>
                 <a:spcPts val="1600"/>
               </a:spcBef>
@@ -3830,7 +5833,10 @@
               <a:buChar char="●"/>
               <a:defRPr sz="1200"/>
             </a:lvl7pPr>
-            <a:lvl8pPr indent="-304800" lvl="7" marL="3657600">
+            <a:lvl8pPr indent="-304800" lvl="7" marL="3657600" algn="l">
+              <a:lnSpc>
+                <a:spcPct val="115000"/>
+              </a:lnSpc>
               <a:spcBef>
                 <a:spcPts val="1600"/>
               </a:spcBef>
@@ -3841,7 +5847,10 @@
               <a:buChar char="○"/>
               <a:defRPr sz="1200"/>
             </a:lvl8pPr>
-            <a:lvl9pPr indent="-304800" lvl="8" marL="4114800">
+            <a:lvl9pPr indent="-304800" lvl="8" marL="4114800" algn="l">
+              <a:lnSpc>
+                <a:spcPct val="115000"/>
+              </a:lnSpc>
               <a:spcBef>
                 <a:spcPts val="1600"/>
               </a:spcBef>
@@ -3872,47 +5881,249 @@
           <a:prstGeom prst="rect">
             <a:avLst/>
           </a:prstGeom>
+          <a:noFill/>
+          <a:ln>
+            <a:noFill/>
+          </a:ln>
         </p:spPr>
         <p:txBody>
           <a:bodyPr anchorCtr="0" anchor="ctr" bIns="91425" lIns="91425" spcFirstLastPara="1" rIns="91425" wrap="square" tIns="91425">
             <a:noAutofit/>
           </a:bodyPr>
           <a:lstStyle>
-            <a:lvl1pPr lvl="0">
-              <a:buNone/>
-              <a:defRPr/>
+            <a:lvl1pPr indent="0" lvl="0" marL="0" marR="0" algn="r">
+              <a:lnSpc>
+                <a:spcPct val="100000"/>
+              </a:lnSpc>
+              <a:spcBef>
+                <a:spcPts val="0"/>
+              </a:spcBef>
+              <a:spcAft>
+                <a:spcPts val="0"/>
+              </a:spcAft>
+              <a:buClr>
+                <a:srgbClr val="000000"/>
+              </a:buClr>
+              <a:buSzPts val="1000"/>
+              <a:buFont typeface="Arial"/>
+              <a:buNone/>
+              <a:defRPr b="0" i="0" sz="1000" u="none" cap="none" strike="noStrike">
+                <a:solidFill>
+                  <a:schemeClr val="dk2"/>
+                </a:solidFill>
+                <a:latin typeface="Open Sans"/>
+                <a:ea typeface="Open Sans"/>
+                <a:cs typeface="Open Sans"/>
+                <a:sym typeface="Open Sans"/>
+              </a:defRPr>
             </a:lvl1pPr>
-            <a:lvl2pPr lvl="1">
-              <a:buNone/>
-              <a:defRPr/>
+            <a:lvl2pPr indent="0" lvl="1" marL="0" marR="0" algn="r">
+              <a:lnSpc>
+                <a:spcPct val="100000"/>
+              </a:lnSpc>
+              <a:spcBef>
+                <a:spcPts val="0"/>
+              </a:spcBef>
+              <a:spcAft>
+                <a:spcPts val="0"/>
+              </a:spcAft>
+              <a:buClr>
+                <a:srgbClr val="000000"/>
+              </a:buClr>
+              <a:buSzPts val="1000"/>
+              <a:buFont typeface="Arial"/>
+              <a:buNone/>
+              <a:defRPr b="0" i="0" sz="1000" u="none" cap="none" strike="noStrike">
+                <a:solidFill>
+                  <a:schemeClr val="dk2"/>
+                </a:solidFill>
+                <a:latin typeface="Open Sans"/>
+                <a:ea typeface="Open Sans"/>
+                <a:cs typeface="Open Sans"/>
+                <a:sym typeface="Open Sans"/>
+              </a:defRPr>
             </a:lvl2pPr>
-            <a:lvl3pPr lvl="2">
-              <a:buNone/>
-              <a:defRPr/>
+            <a:lvl3pPr indent="0" lvl="2" marL="0" marR="0" algn="r">
+              <a:lnSpc>
+                <a:spcPct val="100000"/>
+              </a:lnSpc>
+              <a:spcBef>
+                <a:spcPts val="0"/>
+              </a:spcBef>
+              <a:spcAft>
+                <a:spcPts val="0"/>
+              </a:spcAft>
+              <a:buClr>
+                <a:srgbClr val="000000"/>
+              </a:buClr>
+              <a:buSzPts val="1000"/>
+              <a:buFont typeface="Arial"/>
+              <a:buNone/>
+              <a:defRPr b="0" i="0" sz="1000" u="none" cap="none" strike="noStrike">
+                <a:solidFill>
+                  <a:schemeClr val="dk2"/>
+                </a:solidFill>
+                <a:latin typeface="Open Sans"/>
+                <a:ea typeface="Open Sans"/>
+                <a:cs typeface="Open Sans"/>
+                <a:sym typeface="Open Sans"/>
+              </a:defRPr>
             </a:lvl3pPr>
-            <a:lvl4pPr lvl="3">
-              <a:buNone/>
-              <a:defRPr/>
+            <a:lvl4pPr indent="0" lvl="3" marL="0" marR="0" algn="r">
+              <a:lnSpc>
+                <a:spcPct val="100000"/>
+              </a:lnSpc>
+              <a:spcBef>
+                <a:spcPts val="0"/>
+              </a:spcBef>
+              <a:spcAft>
+                <a:spcPts val="0"/>
+              </a:spcAft>
+              <a:buClr>
+                <a:srgbClr val="000000"/>
+              </a:buClr>
+              <a:buSzPts val="1000"/>
+              <a:buFont typeface="Arial"/>
+              <a:buNone/>
+              <a:defRPr b="0" i="0" sz="1000" u="none" cap="none" strike="noStrike">
+                <a:solidFill>
+                  <a:schemeClr val="dk2"/>
+                </a:solidFill>
+                <a:latin typeface="Open Sans"/>
+                <a:ea typeface="Open Sans"/>
+                <a:cs typeface="Open Sans"/>
+                <a:sym typeface="Open Sans"/>
+              </a:defRPr>
             </a:lvl4pPr>
-            <a:lvl5pPr lvl="4">
-              <a:buNone/>
-              <a:defRPr/>
+            <a:lvl5pPr indent="0" lvl="4" marL="0" marR="0" algn="r">
+              <a:lnSpc>
+                <a:spcPct val="100000"/>
+              </a:lnSpc>
+              <a:spcBef>
+                <a:spcPts val="0"/>
+              </a:spcBef>
+              <a:spcAft>
+                <a:spcPts val="0"/>
+              </a:spcAft>
+              <a:buClr>
+                <a:srgbClr val="000000"/>
+              </a:buClr>
+              <a:buSzPts val="1000"/>
+              <a:buFont typeface="Arial"/>
+              <a:buNone/>
+              <a:defRPr b="0" i="0" sz="1000" u="none" cap="none" strike="noStrike">
+                <a:solidFill>
+                  <a:schemeClr val="dk2"/>
+                </a:solidFill>
+                <a:latin typeface="Open Sans"/>
+                <a:ea typeface="Open Sans"/>
+                <a:cs typeface="Open Sans"/>
+                <a:sym typeface="Open Sans"/>
+              </a:defRPr>
             </a:lvl5pPr>
-            <a:lvl6pPr lvl="5">
-              <a:buNone/>
-              <a:defRPr/>
+            <a:lvl6pPr indent="0" lvl="5" marL="0" marR="0" algn="r">
+              <a:lnSpc>
+                <a:spcPct val="100000"/>
+              </a:lnSpc>
+              <a:spcBef>
+                <a:spcPts val="0"/>
+              </a:spcBef>
+              <a:spcAft>
+                <a:spcPts val="0"/>
+              </a:spcAft>
+              <a:buClr>
+                <a:srgbClr val="000000"/>
+              </a:buClr>
+              <a:buSzPts val="1000"/>
+              <a:buFont typeface="Arial"/>
+              <a:buNone/>
+              <a:defRPr b="0" i="0" sz="1000" u="none" cap="none" strike="noStrike">
+                <a:solidFill>
+                  <a:schemeClr val="dk2"/>
+                </a:solidFill>
+                <a:latin typeface="Open Sans"/>
+                <a:ea typeface="Open Sans"/>
+                <a:cs typeface="Open Sans"/>
+                <a:sym typeface="Open Sans"/>
+              </a:defRPr>
             </a:lvl6pPr>
-            <a:lvl7pPr lvl="6">
-              <a:buNone/>
-              <a:defRPr/>
+            <a:lvl7pPr indent="0" lvl="6" marL="0" marR="0" algn="r">
+              <a:lnSpc>
+                <a:spcPct val="100000"/>
+              </a:lnSpc>
+              <a:spcBef>
+                <a:spcPts val="0"/>
+              </a:spcBef>
+              <a:spcAft>
+                <a:spcPts val="0"/>
+              </a:spcAft>
+              <a:buClr>
+                <a:srgbClr val="000000"/>
+              </a:buClr>
+              <a:buSzPts val="1000"/>
+              <a:buFont typeface="Arial"/>
+              <a:buNone/>
+              <a:defRPr b="0" i="0" sz="1000" u="none" cap="none" strike="noStrike">
+                <a:solidFill>
+                  <a:schemeClr val="dk2"/>
+                </a:solidFill>
+                <a:latin typeface="Open Sans"/>
+                <a:ea typeface="Open Sans"/>
+                <a:cs typeface="Open Sans"/>
+                <a:sym typeface="Open Sans"/>
+              </a:defRPr>
             </a:lvl7pPr>
-            <a:lvl8pPr lvl="7">
-              <a:buNone/>
-              <a:defRPr/>
+            <a:lvl8pPr indent="0" lvl="7" marL="0" marR="0" algn="r">
+              <a:lnSpc>
+                <a:spcPct val="100000"/>
+              </a:lnSpc>
+              <a:spcBef>
+                <a:spcPts val="0"/>
+              </a:spcBef>
+              <a:spcAft>
+                <a:spcPts val="0"/>
+              </a:spcAft>
+              <a:buClr>
+                <a:srgbClr val="000000"/>
+              </a:buClr>
+              <a:buSzPts val="1000"/>
+              <a:buFont typeface="Arial"/>
+              <a:buNone/>
+              <a:defRPr b="0" i="0" sz="1000" u="none" cap="none" strike="noStrike">
+                <a:solidFill>
+                  <a:schemeClr val="dk2"/>
+                </a:solidFill>
+                <a:latin typeface="Open Sans"/>
+                <a:ea typeface="Open Sans"/>
+                <a:cs typeface="Open Sans"/>
+                <a:sym typeface="Open Sans"/>
+              </a:defRPr>
             </a:lvl8pPr>
-            <a:lvl9pPr lvl="8">
-              <a:buNone/>
-              <a:defRPr/>
+            <a:lvl9pPr indent="0" lvl="8" marL="0" marR="0" algn="r">
+              <a:lnSpc>
+                <a:spcPct val="100000"/>
+              </a:lnSpc>
+              <a:spcBef>
+                <a:spcPts val="0"/>
+              </a:spcBef>
+              <a:spcAft>
+                <a:spcPts val="0"/>
+              </a:spcAft>
+              <a:buClr>
+                <a:srgbClr val="000000"/>
+              </a:buClr>
+              <a:buSzPts val="1000"/>
+              <a:buFont typeface="Arial"/>
+              <a:buNone/>
+              <a:defRPr b="0" i="0" sz="1000" u="none" cap="none" strike="noStrike">
+                <a:solidFill>
+                  <a:schemeClr val="dk2"/>
+                </a:solidFill>
+                <a:latin typeface="Open Sans"/>
+                <a:ea typeface="Open Sans"/>
+                <a:cs typeface="Open Sans"/>
+                <a:sym typeface="Open Sans"/>
+              </a:defRPr>
             </a:lvl9pPr>
           </a:lstStyle>
           <a:p>
@@ -3981,11 +6192,18 @@
           <a:prstGeom prst="rect">
             <a:avLst/>
           </a:prstGeom>
+          <a:noFill/>
+          <a:ln>
+            <a:noFill/>
+          </a:ln>
         </p:spPr>
         <p:txBody>
           <a:bodyPr anchorCtr="0" anchor="ctr" bIns="91425" lIns="91425" spcFirstLastPara="1" rIns="91425" wrap="square" tIns="91425"/>
           <a:lstStyle>
-            <a:lvl1pPr lvl="0">
+            <a:lvl1pPr lvl="0" algn="l">
+              <a:lnSpc>
+                <a:spcPct val="100000"/>
+              </a:lnSpc>
               <a:spcBef>
                 <a:spcPts val="0"/>
               </a:spcBef>
@@ -4003,7 +6221,10 @@
                 </a:solidFill>
               </a:defRPr>
             </a:lvl1pPr>
-            <a:lvl2pPr lvl="1">
+            <a:lvl2pPr lvl="1" algn="l">
+              <a:lnSpc>
+                <a:spcPct val="100000"/>
+              </a:lnSpc>
               <a:spcBef>
                 <a:spcPts val="0"/>
               </a:spcBef>
@@ -4021,7 +6242,10 @@
                 </a:solidFill>
               </a:defRPr>
             </a:lvl2pPr>
-            <a:lvl3pPr lvl="2">
+            <a:lvl3pPr lvl="2" algn="l">
+              <a:lnSpc>
+                <a:spcPct val="100000"/>
+              </a:lnSpc>
               <a:spcBef>
                 <a:spcPts val="0"/>
               </a:spcBef>
@@ -4039,7 +6263,10 @@
                 </a:solidFill>
               </a:defRPr>
             </a:lvl3pPr>
-            <a:lvl4pPr lvl="3">
+            <a:lvl4pPr lvl="3" algn="l">
+              <a:lnSpc>
+                <a:spcPct val="100000"/>
+              </a:lnSpc>
               <a:spcBef>
                 <a:spcPts val="0"/>
               </a:spcBef>
@@ -4057,7 +6284,10 @@
                 </a:solidFill>
               </a:defRPr>
             </a:lvl4pPr>
-            <a:lvl5pPr lvl="4">
+            <a:lvl5pPr lvl="4" algn="l">
+              <a:lnSpc>
+                <a:spcPct val="100000"/>
+              </a:lnSpc>
               <a:spcBef>
                 <a:spcPts val="0"/>
               </a:spcBef>
@@ -4075,7 +6305,10 @@
                 </a:solidFill>
               </a:defRPr>
             </a:lvl5pPr>
-            <a:lvl6pPr lvl="5">
+            <a:lvl6pPr lvl="5" algn="l">
+              <a:lnSpc>
+                <a:spcPct val="100000"/>
+              </a:lnSpc>
               <a:spcBef>
                 <a:spcPts val="0"/>
               </a:spcBef>
@@ -4093,7 +6326,10 @@
                 </a:solidFill>
               </a:defRPr>
             </a:lvl6pPr>
-            <a:lvl7pPr lvl="6">
+            <a:lvl7pPr lvl="6" algn="l">
+              <a:lnSpc>
+                <a:spcPct val="100000"/>
+              </a:lnSpc>
               <a:spcBef>
                 <a:spcPts val="0"/>
               </a:spcBef>
@@ -4111,7 +6347,10 @@
                 </a:solidFill>
               </a:defRPr>
             </a:lvl7pPr>
-            <a:lvl8pPr lvl="7">
+            <a:lvl8pPr lvl="7" algn="l">
+              <a:lnSpc>
+                <a:spcPct val="100000"/>
+              </a:lnSpc>
               <a:spcBef>
                 <a:spcPts val="0"/>
               </a:spcBef>
@@ -4129,7 +6368,10 @@
                 </a:solidFill>
               </a:defRPr>
             </a:lvl8pPr>
-            <a:lvl9pPr lvl="8">
+            <a:lvl9pPr lvl="8" algn="l">
+              <a:lnSpc>
+                <a:spcPct val="100000"/>
+              </a:lnSpc>
               <a:spcBef>
                 <a:spcPts val="0"/>
               </a:spcBef>
@@ -4167,47 +6409,249 @@
           <a:prstGeom prst="rect">
             <a:avLst/>
           </a:prstGeom>
+          <a:noFill/>
+          <a:ln>
+            <a:noFill/>
+          </a:ln>
         </p:spPr>
         <p:txBody>
           <a:bodyPr anchorCtr="0" anchor="ctr" bIns="91425" lIns="91425" spcFirstLastPara="1" rIns="91425" wrap="square" tIns="91425">
             <a:noAutofit/>
           </a:bodyPr>
           <a:lstStyle>
-            <a:lvl1pPr lvl="0">
-              <a:buNone/>
-              <a:defRPr/>
+            <a:lvl1pPr indent="0" lvl="0" marL="0" marR="0" algn="r">
+              <a:lnSpc>
+                <a:spcPct val="100000"/>
+              </a:lnSpc>
+              <a:spcBef>
+                <a:spcPts val="0"/>
+              </a:spcBef>
+              <a:spcAft>
+                <a:spcPts val="0"/>
+              </a:spcAft>
+              <a:buClr>
+                <a:srgbClr val="000000"/>
+              </a:buClr>
+              <a:buSzPts val="1000"/>
+              <a:buFont typeface="Arial"/>
+              <a:buNone/>
+              <a:defRPr b="0" i="0" sz="1000" u="none" cap="none" strike="noStrike">
+                <a:solidFill>
+                  <a:schemeClr val="dk2"/>
+                </a:solidFill>
+                <a:latin typeface="Open Sans"/>
+                <a:ea typeface="Open Sans"/>
+                <a:cs typeface="Open Sans"/>
+                <a:sym typeface="Open Sans"/>
+              </a:defRPr>
             </a:lvl1pPr>
-            <a:lvl2pPr lvl="1">
-              <a:buNone/>
-              <a:defRPr/>
+            <a:lvl2pPr indent="0" lvl="1" marL="0" marR="0" algn="r">
+              <a:lnSpc>
+                <a:spcPct val="100000"/>
+              </a:lnSpc>
+              <a:spcBef>
+                <a:spcPts val="0"/>
+              </a:spcBef>
+              <a:spcAft>
+                <a:spcPts val="0"/>
+              </a:spcAft>
+              <a:buClr>
+                <a:srgbClr val="000000"/>
+              </a:buClr>
+              <a:buSzPts val="1000"/>
+              <a:buFont typeface="Arial"/>
+              <a:buNone/>
+              <a:defRPr b="0" i="0" sz="1000" u="none" cap="none" strike="noStrike">
+                <a:solidFill>
+                  <a:schemeClr val="dk2"/>
+                </a:solidFill>
+                <a:latin typeface="Open Sans"/>
+                <a:ea typeface="Open Sans"/>
+                <a:cs typeface="Open Sans"/>
+                <a:sym typeface="Open Sans"/>
+              </a:defRPr>
             </a:lvl2pPr>
-            <a:lvl3pPr lvl="2">
-              <a:buNone/>
-              <a:defRPr/>
+            <a:lvl3pPr indent="0" lvl="2" marL="0" marR="0" algn="r">
+              <a:lnSpc>
+                <a:spcPct val="100000"/>
+              </a:lnSpc>
+              <a:spcBef>
+                <a:spcPts val="0"/>
+              </a:spcBef>
+              <a:spcAft>
+                <a:spcPts val="0"/>
+              </a:spcAft>
+              <a:buClr>
+                <a:srgbClr val="000000"/>
+              </a:buClr>
+              <a:buSzPts val="1000"/>
+              <a:buFont typeface="Arial"/>
+              <a:buNone/>
+              <a:defRPr b="0" i="0" sz="1000" u="none" cap="none" strike="noStrike">
+                <a:solidFill>
+                  <a:schemeClr val="dk2"/>
+                </a:solidFill>
+                <a:latin typeface="Open Sans"/>
+                <a:ea typeface="Open Sans"/>
+                <a:cs typeface="Open Sans"/>
+                <a:sym typeface="Open Sans"/>
+              </a:defRPr>
             </a:lvl3pPr>
-            <a:lvl4pPr lvl="3">
-              <a:buNone/>
-              <a:defRPr/>
+            <a:lvl4pPr indent="0" lvl="3" marL="0" marR="0" algn="r">
+              <a:lnSpc>
+                <a:spcPct val="100000"/>
+              </a:lnSpc>
+              <a:spcBef>
+                <a:spcPts val="0"/>
+              </a:spcBef>
+              <a:spcAft>
+                <a:spcPts val="0"/>
+              </a:spcAft>
+              <a:buClr>
+                <a:srgbClr val="000000"/>
+              </a:buClr>
+              <a:buSzPts val="1000"/>
+              <a:buFont typeface="Arial"/>
+              <a:buNone/>
+              <a:defRPr b="0" i="0" sz="1000" u="none" cap="none" strike="noStrike">
+                <a:solidFill>
+                  <a:schemeClr val="dk2"/>
+                </a:solidFill>
+                <a:latin typeface="Open Sans"/>
+                <a:ea typeface="Open Sans"/>
+                <a:cs typeface="Open Sans"/>
+                <a:sym typeface="Open Sans"/>
+              </a:defRPr>
             </a:lvl4pPr>
-            <a:lvl5pPr lvl="4">
-              <a:buNone/>
-              <a:defRPr/>
+            <a:lvl5pPr indent="0" lvl="4" marL="0" marR="0" algn="r">
+              <a:lnSpc>
+                <a:spcPct val="100000"/>
+              </a:lnSpc>
+              <a:spcBef>
+                <a:spcPts val="0"/>
+              </a:spcBef>
+              <a:spcAft>
+                <a:spcPts val="0"/>
+              </a:spcAft>
+              <a:buClr>
+                <a:srgbClr val="000000"/>
+              </a:buClr>
+              <a:buSzPts val="1000"/>
+              <a:buFont typeface="Arial"/>
+              <a:buNone/>
+              <a:defRPr b="0" i="0" sz="1000" u="none" cap="none" strike="noStrike">
+                <a:solidFill>
+                  <a:schemeClr val="dk2"/>
+                </a:solidFill>
+                <a:latin typeface="Open Sans"/>
+                <a:ea typeface="Open Sans"/>
+                <a:cs typeface="Open Sans"/>
+                <a:sym typeface="Open Sans"/>
+              </a:defRPr>
             </a:lvl5pPr>
-            <a:lvl6pPr lvl="5">
-              <a:buNone/>
-              <a:defRPr/>
+            <a:lvl6pPr indent="0" lvl="5" marL="0" marR="0" algn="r">
+              <a:lnSpc>
+                <a:spcPct val="100000"/>
+              </a:lnSpc>
+              <a:spcBef>
+                <a:spcPts val="0"/>
+              </a:spcBef>
+              <a:spcAft>
+                <a:spcPts val="0"/>
+              </a:spcAft>
+              <a:buClr>
+                <a:srgbClr val="000000"/>
+              </a:buClr>
+              <a:buSzPts val="1000"/>
+              <a:buFont typeface="Arial"/>
+              <a:buNone/>
+              <a:defRPr b="0" i="0" sz="1000" u="none" cap="none" strike="noStrike">
+                <a:solidFill>
+                  <a:schemeClr val="dk2"/>
+                </a:solidFill>
+                <a:latin typeface="Open Sans"/>
+                <a:ea typeface="Open Sans"/>
+                <a:cs typeface="Open Sans"/>
+                <a:sym typeface="Open Sans"/>
+              </a:defRPr>
             </a:lvl6pPr>
-            <a:lvl7pPr lvl="6">
-              <a:buNone/>
-              <a:defRPr/>
+            <a:lvl7pPr indent="0" lvl="6" marL="0" marR="0" algn="r">
+              <a:lnSpc>
+                <a:spcPct val="100000"/>
+              </a:lnSpc>
+              <a:spcBef>
+                <a:spcPts val="0"/>
+              </a:spcBef>
+              <a:spcAft>
+                <a:spcPts val="0"/>
+              </a:spcAft>
+              <a:buClr>
+                <a:srgbClr val="000000"/>
+              </a:buClr>
+              <a:buSzPts val="1000"/>
+              <a:buFont typeface="Arial"/>
+              <a:buNone/>
+              <a:defRPr b="0" i="0" sz="1000" u="none" cap="none" strike="noStrike">
+                <a:solidFill>
+                  <a:schemeClr val="dk2"/>
+                </a:solidFill>
+                <a:latin typeface="Open Sans"/>
+                <a:ea typeface="Open Sans"/>
+                <a:cs typeface="Open Sans"/>
+                <a:sym typeface="Open Sans"/>
+              </a:defRPr>
             </a:lvl7pPr>
-            <a:lvl8pPr lvl="7">
-              <a:buNone/>
-              <a:defRPr/>
+            <a:lvl8pPr indent="0" lvl="7" marL="0" marR="0" algn="r">
+              <a:lnSpc>
+                <a:spcPct val="100000"/>
+              </a:lnSpc>
+              <a:spcBef>
+                <a:spcPts val="0"/>
+              </a:spcBef>
+              <a:spcAft>
+                <a:spcPts val="0"/>
+              </a:spcAft>
+              <a:buClr>
+                <a:srgbClr val="000000"/>
+              </a:buClr>
+              <a:buSzPts val="1000"/>
+              <a:buFont typeface="Arial"/>
+              <a:buNone/>
+              <a:defRPr b="0" i="0" sz="1000" u="none" cap="none" strike="noStrike">
+                <a:solidFill>
+                  <a:schemeClr val="dk2"/>
+                </a:solidFill>
+                <a:latin typeface="Open Sans"/>
+                <a:ea typeface="Open Sans"/>
+                <a:cs typeface="Open Sans"/>
+                <a:sym typeface="Open Sans"/>
+              </a:defRPr>
             </a:lvl8pPr>
-            <a:lvl9pPr lvl="8">
-              <a:buNone/>
-              <a:defRPr/>
+            <a:lvl9pPr indent="0" lvl="8" marL="0" marR="0" algn="r">
+              <a:lnSpc>
+                <a:spcPct val="100000"/>
+              </a:lnSpc>
+              <a:spcBef>
+                <a:spcPts val="0"/>
+              </a:spcBef>
+              <a:spcAft>
+                <a:spcPts val="0"/>
+              </a:spcAft>
+              <a:buClr>
+                <a:srgbClr val="000000"/>
+              </a:buClr>
+              <a:buSzPts val="1000"/>
+              <a:buFont typeface="Arial"/>
+              <a:buNone/>
+              <a:defRPr b="0" i="0" sz="1000" u="none" cap="none" strike="noStrike">
+                <a:solidFill>
+                  <a:schemeClr val="dk2"/>
+                </a:solidFill>
+                <a:latin typeface="Open Sans"/>
+                <a:ea typeface="Open Sans"/>
+                <a:cs typeface="Open Sans"/>
+                <a:sym typeface="Open Sans"/>
+              </a:defRPr>
             </a:lvl9pPr>
           </a:lstStyle>
           <a:p>
@@ -4280,19 +6724,35 @@
           </a:bodyPr>
           <a:lstStyle/>
           <a:p>
-            <a:pPr indent="0" lvl="0" marL="0" rtl="0" algn="l">
-              <a:spcBef>
-                <a:spcPts val="0"/>
-              </a:spcBef>
-              <a:spcAft>
-                <a:spcPts val="0"/>
-              </a:spcAft>
+            <a:pPr indent="0" lvl="0" marL="0" marR="0" rtl="0" algn="l">
+              <a:lnSpc>
+                <a:spcPct val="100000"/>
+              </a:lnSpc>
+              <a:spcBef>
+                <a:spcPts val="0"/>
+              </a:spcBef>
+              <a:spcAft>
+                <a:spcPts val="0"/>
+              </a:spcAft>
+              <a:buClr>
+                <a:srgbClr val="000000"/>
+              </a:buClr>
+              <a:buSzPts val="1400"/>
+              <a:buFont typeface="Arial"/>
               <a:buNone/>
             </a:pPr>
             <a:r>
               <a:t/>
             </a:r>
-            <a:endParaRPr/>
+            <a:endParaRPr b="0" i="0" sz="1400" u="none" cap="none" strike="noStrike">
+              <a:solidFill>
+                <a:srgbClr val="000000"/>
+              </a:solidFill>
+              <a:latin typeface="Arial"/>
+              <a:ea typeface="Arial"/>
+              <a:cs typeface="Arial"/>
+              <a:sym typeface="Arial"/>
+            </a:endParaRPr>
           </a:p>
         </p:txBody>
       </p:sp>
@@ -4338,11 +6798,18 @@
           <a:prstGeom prst="rect">
             <a:avLst/>
           </a:prstGeom>
+          <a:noFill/>
+          <a:ln>
+            <a:noFill/>
+          </a:ln>
         </p:spPr>
         <p:txBody>
           <a:bodyPr anchorCtr="0" anchor="b" bIns="91425" lIns="91425" spcFirstLastPara="1" rIns="91425" wrap="square" tIns="91425"/>
           <a:lstStyle>
             <a:lvl1pPr lvl="0" algn="ctr">
+              <a:lnSpc>
+                <a:spcPct val="100000"/>
+              </a:lnSpc>
               <a:spcBef>
                 <a:spcPts val="0"/>
               </a:spcBef>
@@ -4354,6 +6821,9 @@
               <a:defRPr sz="4200"/>
             </a:lvl1pPr>
             <a:lvl2pPr lvl="1" algn="ctr">
+              <a:lnSpc>
+                <a:spcPct val="100000"/>
+              </a:lnSpc>
               <a:spcBef>
                 <a:spcPts val="0"/>
               </a:spcBef>
@@ -4365,6 +6835,9 @@
               <a:defRPr sz="4200"/>
             </a:lvl2pPr>
             <a:lvl3pPr lvl="2" algn="ctr">
+              <a:lnSpc>
+                <a:spcPct val="100000"/>
+              </a:lnSpc>
               <a:spcBef>
                 <a:spcPts val="0"/>
               </a:spcBef>
@@ -4376,6 +6849,9 @@
               <a:defRPr sz="4200"/>
             </a:lvl3pPr>
             <a:lvl4pPr lvl="3" algn="ctr">
+              <a:lnSpc>
+                <a:spcPct val="100000"/>
+              </a:lnSpc>
               <a:spcBef>
                 <a:spcPts val="0"/>
               </a:spcBef>
@@ -4387,6 +6863,9 @@
               <a:defRPr sz="4200"/>
             </a:lvl4pPr>
             <a:lvl5pPr lvl="4" algn="ctr">
+              <a:lnSpc>
+                <a:spcPct val="100000"/>
+              </a:lnSpc>
               <a:spcBef>
                 <a:spcPts val="0"/>
               </a:spcBef>
@@ -4398,6 +6877,9 @@
               <a:defRPr sz="4200"/>
             </a:lvl5pPr>
             <a:lvl6pPr lvl="5" algn="ctr">
+              <a:lnSpc>
+                <a:spcPct val="100000"/>
+              </a:lnSpc>
               <a:spcBef>
                 <a:spcPts val="0"/>
               </a:spcBef>
@@ -4409,6 +6891,9 @@
               <a:defRPr sz="4200"/>
             </a:lvl6pPr>
             <a:lvl7pPr lvl="6" algn="ctr">
+              <a:lnSpc>
+                <a:spcPct val="100000"/>
+              </a:lnSpc>
               <a:spcBef>
                 <a:spcPts val="0"/>
               </a:spcBef>
@@ -4420,6 +6905,9 @@
               <a:defRPr sz="4200"/>
             </a:lvl7pPr>
             <a:lvl8pPr lvl="7" algn="ctr">
+              <a:lnSpc>
+                <a:spcPct val="100000"/>
+              </a:lnSpc>
               <a:spcBef>
                 <a:spcPts val="0"/>
               </a:spcBef>
@@ -4431,6 +6919,9 @@
               <a:defRPr sz="4200"/>
             </a:lvl8pPr>
             <a:lvl9pPr lvl="8" algn="ctr">
+              <a:lnSpc>
+                <a:spcPct val="100000"/>
+              </a:lnSpc>
               <a:spcBef>
                 <a:spcPts val="0"/>
               </a:spcBef>
@@ -4461,6 +6952,10 @@
           <a:prstGeom prst="rect">
             <a:avLst/>
           </a:prstGeom>
+          <a:noFill/>
+          <a:ln>
+            <a:noFill/>
+          </a:ln>
         </p:spPr>
         <p:txBody>
           <a:bodyPr anchorCtr="0" anchor="t" bIns="91425" lIns="91425" spcFirstLastPara="1" rIns="91425" wrap="square" tIns="91425"/>
@@ -4611,11 +7106,18 @@
           <a:prstGeom prst="rect">
             <a:avLst/>
           </a:prstGeom>
+          <a:noFill/>
+          <a:ln>
+            <a:noFill/>
+          </a:ln>
         </p:spPr>
         <p:txBody>
           <a:bodyPr anchorCtr="0" anchor="ctr" bIns="91425" lIns="91425" spcFirstLastPara="1" rIns="91425" wrap="square" tIns="91425"/>
           <a:lstStyle>
-            <a:lvl1pPr indent="-342900" lvl="0" marL="457200">
+            <a:lvl1pPr indent="-342900" lvl="0" marL="457200" algn="l">
+              <a:lnSpc>
+                <a:spcPct val="115000"/>
+              </a:lnSpc>
               <a:spcBef>
                 <a:spcPts val="0"/>
               </a:spcBef>
@@ -4633,7 +7135,10 @@
                 </a:solidFill>
               </a:defRPr>
             </a:lvl1pPr>
-            <a:lvl2pPr indent="-317500" lvl="1" marL="914400">
+            <a:lvl2pPr indent="-317500" lvl="1" marL="914400" algn="l">
+              <a:lnSpc>
+                <a:spcPct val="115000"/>
+              </a:lnSpc>
               <a:spcBef>
                 <a:spcPts val="1600"/>
               </a:spcBef>
@@ -4651,7 +7156,10 @@
                 </a:solidFill>
               </a:defRPr>
             </a:lvl2pPr>
-            <a:lvl3pPr indent="-317500" lvl="2" marL="1371600">
+            <a:lvl3pPr indent="-317500" lvl="2" marL="1371600" algn="l">
+              <a:lnSpc>
+                <a:spcPct val="115000"/>
+              </a:lnSpc>
               <a:spcBef>
                 <a:spcPts val="1600"/>
               </a:spcBef>
@@ -4669,7 +7177,10 @@
                 </a:solidFill>
               </a:defRPr>
             </a:lvl3pPr>
-            <a:lvl4pPr indent="-317500" lvl="3" marL="1828800">
+            <a:lvl4pPr indent="-317500" lvl="3" marL="1828800" algn="l">
+              <a:lnSpc>
+                <a:spcPct val="115000"/>
+              </a:lnSpc>
               <a:spcBef>
                 <a:spcPts val="1600"/>
               </a:spcBef>
@@ -4687,7 +7198,10 @@
                 </a:solidFill>
               </a:defRPr>
             </a:lvl4pPr>
-            <a:lvl5pPr indent="-317500" lvl="4" marL="2286000">
+            <a:lvl5pPr indent="-317500" lvl="4" marL="2286000" algn="l">
+              <a:lnSpc>
+                <a:spcPct val="115000"/>
+              </a:lnSpc>
               <a:spcBef>
                 <a:spcPts val="1600"/>
               </a:spcBef>
@@ -4705,7 +7219,10 @@
                 </a:solidFill>
               </a:defRPr>
             </a:lvl5pPr>
-            <a:lvl6pPr indent="-317500" lvl="5" marL="2743200">
+            <a:lvl6pPr indent="-317500" lvl="5" marL="2743200" algn="l">
+              <a:lnSpc>
+                <a:spcPct val="115000"/>
+              </a:lnSpc>
               <a:spcBef>
                 <a:spcPts val="1600"/>
               </a:spcBef>
@@ -4723,7 +7240,10 @@
                 </a:solidFill>
               </a:defRPr>
             </a:lvl6pPr>
-            <a:lvl7pPr indent="-317500" lvl="6" marL="3200400">
+            <a:lvl7pPr indent="-317500" lvl="6" marL="3200400" algn="l">
+              <a:lnSpc>
+                <a:spcPct val="115000"/>
+              </a:lnSpc>
               <a:spcBef>
                 <a:spcPts val="1600"/>
               </a:spcBef>
@@ -4741,7 +7261,10 @@
                 </a:solidFill>
               </a:defRPr>
             </a:lvl7pPr>
-            <a:lvl8pPr indent="-317500" lvl="7" marL="3657600">
+            <a:lvl8pPr indent="-317500" lvl="7" marL="3657600" algn="l">
+              <a:lnSpc>
+                <a:spcPct val="115000"/>
+              </a:lnSpc>
               <a:spcBef>
                 <a:spcPts val="1600"/>
               </a:spcBef>
@@ -4759,7 +7282,10 @@
                 </a:solidFill>
               </a:defRPr>
             </a:lvl8pPr>
-            <a:lvl9pPr indent="-317500" lvl="8" marL="4114800">
+            <a:lvl9pPr indent="-317500" lvl="8" marL="4114800" algn="l">
+              <a:lnSpc>
+                <a:spcPct val="115000"/>
+              </a:lnSpc>
               <a:spcBef>
                 <a:spcPts val="1600"/>
               </a:spcBef>
@@ -4797,82 +7323,248 @@
           <a:prstGeom prst="rect">
             <a:avLst/>
           </a:prstGeom>
+          <a:noFill/>
+          <a:ln>
+            <a:noFill/>
+          </a:ln>
         </p:spPr>
         <p:txBody>
           <a:bodyPr anchorCtr="0" anchor="ctr" bIns="91425" lIns="91425" spcFirstLastPara="1" rIns="91425" wrap="square" tIns="91425">
             <a:noAutofit/>
           </a:bodyPr>
           <a:lstStyle>
-            <a:lvl1pPr lvl="0">
-              <a:buNone/>
-              <a:defRPr>
+            <a:lvl1pPr indent="0" lvl="0" marL="0" marR="0" algn="r">
+              <a:lnSpc>
+                <a:spcPct val="100000"/>
+              </a:lnSpc>
+              <a:spcBef>
+                <a:spcPts val="0"/>
+              </a:spcBef>
+              <a:spcAft>
+                <a:spcPts val="0"/>
+              </a:spcAft>
+              <a:buClr>
+                <a:srgbClr val="000000"/>
+              </a:buClr>
+              <a:buSzPts val="1000"/>
+              <a:buFont typeface="Arial"/>
+              <a:buNone/>
+              <a:defRPr b="0" i="0" sz="1000" u="none" cap="none" strike="noStrike">
                 <a:solidFill>
                   <a:schemeClr val="lt1"/>
                 </a:solidFill>
+                <a:latin typeface="Open Sans"/>
+                <a:ea typeface="Open Sans"/>
+                <a:cs typeface="Open Sans"/>
+                <a:sym typeface="Open Sans"/>
               </a:defRPr>
             </a:lvl1pPr>
-            <a:lvl2pPr lvl="1">
-              <a:buNone/>
-              <a:defRPr>
+            <a:lvl2pPr indent="0" lvl="1" marL="0" marR="0" algn="r">
+              <a:lnSpc>
+                <a:spcPct val="100000"/>
+              </a:lnSpc>
+              <a:spcBef>
+                <a:spcPts val="0"/>
+              </a:spcBef>
+              <a:spcAft>
+                <a:spcPts val="0"/>
+              </a:spcAft>
+              <a:buClr>
+                <a:srgbClr val="000000"/>
+              </a:buClr>
+              <a:buSzPts val="1000"/>
+              <a:buFont typeface="Arial"/>
+              <a:buNone/>
+              <a:defRPr b="0" i="0" sz="1000" u="none" cap="none" strike="noStrike">
                 <a:solidFill>
                   <a:schemeClr val="lt1"/>
                 </a:solidFill>
+                <a:latin typeface="Open Sans"/>
+                <a:ea typeface="Open Sans"/>
+                <a:cs typeface="Open Sans"/>
+                <a:sym typeface="Open Sans"/>
               </a:defRPr>
             </a:lvl2pPr>
-            <a:lvl3pPr lvl="2">
-              <a:buNone/>
-              <a:defRPr>
+            <a:lvl3pPr indent="0" lvl="2" marL="0" marR="0" algn="r">
+              <a:lnSpc>
+                <a:spcPct val="100000"/>
+              </a:lnSpc>
+              <a:spcBef>
+                <a:spcPts val="0"/>
+              </a:spcBef>
+              <a:spcAft>
+                <a:spcPts val="0"/>
+              </a:spcAft>
+              <a:buClr>
+                <a:srgbClr val="000000"/>
+              </a:buClr>
+              <a:buSzPts val="1000"/>
+              <a:buFont typeface="Arial"/>
+              <a:buNone/>
+              <a:defRPr b="0" i="0" sz="1000" u="none" cap="none" strike="noStrike">
                 <a:solidFill>
                   <a:schemeClr val="lt1"/>
                 </a:solidFill>
+                <a:latin typeface="Open Sans"/>
+                <a:ea typeface="Open Sans"/>
+                <a:cs typeface="Open Sans"/>
+                <a:sym typeface="Open Sans"/>
               </a:defRPr>
             </a:lvl3pPr>
-            <a:lvl4pPr lvl="3">
-              <a:buNone/>
-              <a:defRPr>
+            <a:lvl4pPr indent="0" lvl="3" marL="0" marR="0" algn="r">
+              <a:lnSpc>
+                <a:spcPct val="100000"/>
+              </a:lnSpc>
+              <a:spcBef>
+                <a:spcPts val="0"/>
+              </a:spcBef>
+              <a:spcAft>
+                <a:spcPts val="0"/>
+              </a:spcAft>
+              <a:buClr>
+                <a:srgbClr val="000000"/>
+              </a:buClr>
+              <a:buSzPts val="1000"/>
+              <a:buFont typeface="Arial"/>
+              <a:buNone/>
+              <a:defRPr b="0" i="0" sz="1000" u="none" cap="none" strike="noStrike">
                 <a:solidFill>
                   <a:schemeClr val="lt1"/>
                 </a:solidFill>
+                <a:latin typeface="Open Sans"/>
+                <a:ea typeface="Open Sans"/>
+                <a:cs typeface="Open Sans"/>
+                <a:sym typeface="Open Sans"/>
               </a:defRPr>
             </a:lvl4pPr>
-            <a:lvl5pPr lvl="4">
-              <a:buNone/>
-              <a:defRPr>
+            <a:lvl5pPr indent="0" lvl="4" marL="0" marR="0" algn="r">
+              <a:lnSpc>
+                <a:spcPct val="100000"/>
+              </a:lnSpc>
+              <a:spcBef>
+                <a:spcPts val="0"/>
+              </a:spcBef>
+              <a:spcAft>
+                <a:spcPts val="0"/>
+              </a:spcAft>
+              <a:buClr>
+                <a:srgbClr val="000000"/>
+              </a:buClr>
+              <a:buSzPts val="1000"/>
+              <a:buFont typeface="Arial"/>
+              <a:buNone/>
+              <a:defRPr b="0" i="0" sz="1000" u="none" cap="none" strike="noStrike">
                 <a:solidFill>
                   <a:schemeClr val="lt1"/>
                 </a:solidFill>
+                <a:latin typeface="Open Sans"/>
+                <a:ea typeface="Open Sans"/>
+                <a:cs typeface="Open Sans"/>
+                <a:sym typeface="Open Sans"/>
               </a:defRPr>
             </a:lvl5pPr>
-            <a:lvl6pPr lvl="5">
-              <a:buNone/>
-              <a:defRPr>
+            <a:lvl6pPr indent="0" lvl="5" marL="0" marR="0" algn="r">
+              <a:lnSpc>
+                <a:spcPct val="100000"/>
+              </a:lnSpc>
+              <a:spcBef>
+                <a:spcPts val="0"/>
+              </a:spcBef>
+              <a:spcAft>
+                <a:spcPts val="0"/>
+              </a:spcAft>
+              <a:buClr>
+                <a:srgbClr val="000000"/>
+              </a:buClr>
+              <a:buSzPts val="1000"/>
+              <a:buFont typeface="Arial"/>
+              <a:buNone/>
+              <a:defRPr b="0" i="0" sz="1000" u="none" cap="none" strike="noStrike">
                 <a:solidFill>
                   <a:schemeClr val="lt1"/>
                 </a:solidFill>
+                <a:latin typeface="Open Sans"/>
+                <a:ea typeface="Open Sans"/>
+                <a:cs typeface="Open Sans"/>
+                <a:sym typeface="Open Sans"/>
               </a:defRPr>
             </a:lvl6pPr>
-            <a:lvl7pPr lvl="6">
-              <a:buNone/>
-              <a:defRPr>
+            <a:lvl7pPr indent="0" lvl="6" marL="0" marR="0" algn="r">
+              <a:lnSpc>
+                <a:spcPct val="100000"/>
+              </a:lnSpc>
+              <a:spcBef>
+                <a:spcPts val="0"/>
+              </a:spcBef>
+              <a:spcAft>
+                <a:spcPts val="0"/>
+              </a:spcAft>
+              <a:buClr>
+                <a:srgbClr val="000000"/>
+              </a:buClr>
+              <a:buSzPts val="1000"/>
+              <a:buFont typeface="Arial"/>
+              <a:buNone/>
+              <a:defRPr b="0" i="0" sz="1000" u="none" cap="none" strike="noStrike">
                 <a:solidFill>
                   <a:schemeClr val="lt1"/>
                 </a:solidFill>
+                <a:latin typeface="Open Sans"/>
+                <a:ea typeface="Open Sans"/>
+                <a:cs typeface="Open Sans"/>
+                <a:sym typeface="Open Sans"/>
               </a:defRPr>
             </a:lvl7pPr>
-            <a:lvl8pPr lvl="7">
-              <a:buNone/>
-              <a:defRPr>
+            <a:lvl8pPr indent="0" lvl="7" marL="0" marR="0" algn="r">
+              <a:lnSpc>
+                <a:spcPct val="100000"/>
+              </a:lnSpc>
+              <a:spcBef>
+                <a:spcPts val="0"/>
+              </a:spcBef>
+              <a:spcAft>
+                <a:spcPts val="0"/>
+              </a:spcAft>
+              <a:buClr>
+                <a:srgbClr val="000000"/>
+              </a:buClr>
+              <a:buSzPts val="1000"/>
+              <a:buFont typeface="Arial"/>
+              <a:buNone/>
+              <a:defRPr b="0" i="0" sz="1000" u="none" cap="none" strike="noStrike">
                 <a:solidFill>
                   <a:schemeClr val="lt1"/>
                 </a:solidFill>
+                <a:latin typeface="Open Sans"/>
+                <a:ea typeface="Open Sans"/>
+                <a:cs typeface="Open Sans"/>
+                <a:sym typeface="Open Sans"/>
               </a:defRPr>
             </a:lvl8pPr>
-            <a:lvl9pPr lvl="8">
-              <a:buNone/>
-              <a:defRPr>
+            <a:lvl9pPr indent="0" lvl="8" marL="0" marR="0" algn="r">
+              <a:lnSpc>
+                <a:spcPct val="100000"/>
+              </a:lnSpc>
+              <a:spcBef>
+                <a:spcPts val="0"/>
+              </a:spcBef>
+              <a:spcAft>
+                <a:spcPts val="0"/>
+              </a:spcAft>
+              <a:buClr>
+                <a:srgbClr val="000000"/>
+              </a:buClr>
+              <a:buSzPts val="1000"/>
+              <a:buFont typeface="Arial"/>
+              <a:buNone/>
+              <a:defRPr b="0" i="0" sz="1000" u="none" cap="none" strike="noStrike">
                 <a:solidFill>
                   <a:schemeClr val="lt1"/>
                 </a:solidFill>
+                <a:latin typeface="Open Sans"/>
+                <a:ea typeface="Open Sans"/>
+                <a:cs typeface="Open Sans"/>
+                <a:sym typeface="Open Sans"/>
               </a:defRPr>
             </a:lvl9pPr>
           </a:lstStyle>
@@ -4935,11 +7627,15 @@
           <a:prstGeom prst="rect">
             <a:avLst/>
           </a:prstGeom>
+          <a:noFill/>
+          <a:ln>
+            <a:noFill/>
+          </a:ln>
         </p:spPr>
         <p:txBody>
           <a:bodyPr anchorCtr="0" anchor="ctr" bIns="91425" lIns="91425" spcFirstLastPara="1" rIns="91425" wrap="square" tIns="91425"/>
           <a:lstStyle>
-            <a:lvl1pPr indent="-228600" lvl="0" marL="457200">
+            <a:lvl1pPr indent="-228600" lvl="0" marL="457200" algn="l">
               <a:lnSpc>
                 <a:spcPct val="100000"/>
               </a:lnSpc>
@@ -4979,47 +7675,249 @@
           <a:prstGeom prst="rect">
             <a:avLst/>
           </a:prstGeom>
+          <a:noFill/>
+          <a:ln>
+            <a:noFill/>
+          </a:ln>
         </p:spPr>
         <p:txBody>
           <a:bodyPr anchorCtr="0" anchor="ctr" bIns="91425" lIns="91425" spcFirstLastPara="1" rIns="91425" wrap="square" tIns="91425">
             <a:noAutofit/>
           </a:bodyPr>
           <a:lstStyle>
-            <a:lvl1pPr lvl="0">
-              <a:buNone/>
-              <a:defRPr/>
+            <a:lvl1pPr indent="0" lvl="0" marL="0" marR="0" algn="r">
+              <a:lnSpc>
+                <a:spcPct val="100000"/>
+              </a:lnSpc>
+              <a:spcBef>
+                <a:spcPts val="0"/>
+              </a:spcBef>
+              <a:spcAft>
+                <a:spcPts val="0"/>
+              </a:spcAft>
+              <a:buClr>
+                <a:srgbClr val="000000"/>
+              </a:buClr>
+              <a:buSzPts val="1000"/>
+              <a:buFont typeface="Arial"/>
+              <a:buNone/>
+              <a:defRPr b="0" i="0" sz="1000" u="none" cap="none" strike="noStrike">
+                <a:solidFill>
+                  <a:schemeClr val="dk2"/>
+                </a:solidFill>
+                <a:latin typeface="Open Sans"/>
+                <a:ea typeface="Open Sans"/>
+                <a:cs typeface="Open Sans"/>
+                <a:sym typeface="Open Sans"/>
+              </a:defRPr>
             </a:lvl1pPr>
-            <a:lvl2pPr lvl="1">
-              <a:buNone/>
-              <a:defRPr/>
+            <a:lvl2pPr indent="0" lvl="1" marL="0" marR="0" algn="r">
+              <a:lnSpc>
+                <a:spcPct val="100000"/>
+              </a:lnSpc>
+              <a:spcBef>
+                <a:spcPts val="0"/>
+              </a:spcBef>
+              <a:spcAft>
+                <a:spcPts val="0"/>
+              </a:spcAft>
+              <a:buClr>
+                <a:srgbClr val="000000"/>
+              </a:buClr>
+              <a:buSzPts val="1000"/>
+              <a:buFont typeface="Arial"/>
+              <a:buNone/>
+              <a:defRPr b="0" i="0" sz="1000" u="none" cap="none" strike="noStrike">
+                <a:solidFill>
+                  <a:schemeClr val="dk2"/>
+                </a:solidFill>
+                <a:latin typeface="Open Sans"/>
+                <a:ea typeface="Open Sans"/>
+                <a:cs typeface="Open Sans"/>
+                <a:sym typeface="Open Sans"/>
+              </a:defRPr>
             </a:lvl2pPr>
-            <a:lvl3pPr lvl="2">
-              <a:buNone/>
-              <a:defRPr/>
+            <a:lvl3pPr indent="0" lvl="2" marL="0" marR="0" algn="r">
+              <a:lnSpc>
+                <a:spcPct val="100000"/>
+              </a:lnSpc>
+              <a:spcBef>
+                <a:spcPts val="0"/>
+              </a:spcBef>
+              <a:spcAft>
+                <a:spcPts val="0"/>
+              </a:spcAft>
+              <a:buClr>
+                <a:srgbClr val="000000"/>
+              </a:buClr>
+              <a:buSzPts val="1000"/>
+              <a:buFont typeface="Arial"/>
+              <a:buNone/>
+              <a:defRPr b="0" i="0" sz="1000" u="none" cap="none" strike="noStrike">
+                <a:solidFill>
+                  <a:schemeClr val="dk2"/>
+                </a:solidFill>
+                <a:latin typeface="Open Sans"/>
+                <a:ea typeface="Open Sans"/>
+                <a:cs typeface="Open Sans"/>
+                <a:sym typeface="Open Sans"/>
+              </a:defRPr>
             </a:lvl3pPr>
-            <a:lvl4pPr lvl="3">
-              <a:buNone/>
-              <a:defRPr/>
+            <a:lvl4pPr indent="0" lvl="3" marL="0" marR="0" algn="r">
+              <a:lnSpc>
+                <a:spcPct val="100000"/>
+              </a:lnSpc>
+              <a:spcBef>
+                <a:spcPts val="0"/>
+              </a:spcBef>
+              <a:spcAft>
+                <a:spcPts val="0"/>
+              </a:spcAft>
+              <a:buClr>
+                <a:srgbClr val="000000"/>
+              </a:buClr>
+              <a:buSzPts val="1000"/>
+              <a:buFont typeface="Arial"/>
+              <a:buNone/>
+              <a:defRPr b="0" i="0" sz="1000" u="none" cap="none" strike="noStrike">
+                <a:solidFill>
+                  <a:schemeClr val="dk2"/>
+                </a:solidFill>
+                <a:latin typeface="Open Sans"/>
+                <a:ea typeface="Open Sans"/>
+                <a:cs typeface="Open Sans"/>
+                <a:sym typeface="Open Sans"/>
+              </a:defRPr>
             </a:lvl4pPr>
-            <a:lvl5pPr lvl="4">
-              <a:buNone/>
-              <a:defRPr/>
+            <a:lvl5pPr indent="0" lvl="4" marL="0" marR="0" algn="r">
+              <a:lnSpc>
+                <a:spcPct val="100000"/>
+              </a:lnSpc>
+              <a:spcBef>
+                <a:spcPts val="0"/>
+              </a:spcBef>
+              <a:spcAft>
+                <a:spcPts val="0"/>
+              </a:spcAft>
+              <a:buClr>
+                <a:srgbClr val="000000"/>
+              </a:buClr>
+              <a:buSzPts val="1000"/>
+              <a:buFont typeface="Arial"/>
+              <a:buNone/>
+              <a:defRPr b="0" i="0" sz="1000" u="none" cap="none" strike="noStrike">
+                <a:solidFill>
+                  <a:schemeClr val="dk2"/>
+                </a:solidFill>
+                <a:latin typeface="Open Sans"/>
+                <a:ea typeface="Open Sans"/>
+                <a:cs typeface="Open Sans"/>
+                <a:sym typeface="Open Sans"/>
+              </a:defRPr>
             </a:lvl5pPr>
-            <a:lvl6pPr lvl="5">
-              <a:buNone/>
-              <a:defRPr/>
+            <a:lvl6pPr indent="0" lvl="5" marL="0" marR="0" algn="r">
+              <a:lnSpc>
+                <a:spcPct val="100000"/>
+              </a:lnSpc>
+              <a:spcBef>
+                <a:spcPts val="0"/>
+              </a:spcBef>
+              <a:spcAft>
+                <a:spcPts val="0"/>
+              </a:spcAft>
+              <a:buClr>
+                <a:srgbClr val="000000"/>
+              </a:buClr>
+              <a:buSzPts val="1000"/>
+              <a:buFont typeface="Arial"/>
+              <a:buNone/>
+              <a:defRPr b="0" i="0" sz="1000" u="none" cap="none" strike="noStrike">
+                <a:solidFill>
+                  <a:schemeClr val="dk2"/>
+                </a:solidFill>
+                <a:latin typeface="Open Sans"/>
+                <a:ea typeface="Open Sans"/>
+                <a:cs typeface="Open Sans"/>
+                <a:sym typeface="Open Sans"/>
+              </a:defRPr>
             </a:lvl6pPr>
-            <a:lvl7pPr lvl="6">
-              <a:buNone/>
-              <a:defRPr/>
+            <a:lvl7pPr indent="0" lvl="6" marL="0" marR="0" algn="r">
+              <a:lnSpc>
+                <a:spcPct val="100000"/>
+              </a:lnSpc>
+              <a:spcBef>
+                <a:spcPts val="0"/>
+              </a:spcBef>
+              <a:spcAft>
+                <a:spcPts val="0"/>
+              </a:spcAft>
+              <a:buClr>
+                <a:srgbClr val="000000"/>
+              </a:buClr>
+              <a:buSzPts val="1000"/>
+              <a:buFont typeface="Arial"/>
+              <a:buNone/>
+              <a:defRPr b="0" i="0" sz="1000" u="none" cap="none" strike="noStrike">
+                <a:solidFill>
+                  <a:schemeClr val="dk2"/>
+                </a:solidFill>
+                <a:latin typeface="Open Sans"/>
+                <a:ea typeface="Open Sans"/>
+                <a:cs typeface="Open Sans"/>
+                <a:sym typeface="Open Sans"/>
+              </a:defRPr>
             </a:lvl7pPr>
-            <a:lvl8pPr lvl="7">
-              <a:buNone/>
-              <a:defRPr/>
+            <a:lvl8pPr indent="0" lvl="7" marL="0" marR="0" algn="r">
+              <a:lnSpc>
+                <a:spcPct val="100000"/>
+              </a:lnSpc>
+              <a:spcBef>
+                <a:spcPts val="0"/>
+              </a:spcBef>
+              <a:spcAft>
+                <a:spcPts val="0"/>
+              </a:spcAft>
+              <a:buClr>
+                <a:srgbClr val="000000"/>
+              </a:buClr>
+              <a:buSzPts val="1000"/>
+              <a:buFont typeface="Arial"/>
+              <a:buNone/>
+              <a:defRPr b="0" i="0" sz="1000" u="none" cap="none" strike="noStrike">
+                <a:solidFill>
+                  <a:schemeClr val="dk2"/>
+                </a:solidFill>
+                <a:latin typeface="Open Sans"/>
+                <a:ea typeface="Open Sans"/>
+                <a:cs typeface="Open Sans"/>
+                <a:sym typeface="Open Sans"/>
+              </a:defRPr>
             </a:lvl8pPr>
-            <a:lvl9pPr lvl="8">
-              <a:buNone/>
-              <a:defRPr/>
+            <a:lvl9pPr indent="0" lvl="8" marL="0" marR="0" algn="r">
+              <a:lnSpc>
+                <a:spcPct val="100000"/>
+              </a:lnSpc>
+              <a:spcBef>
+                <a:spcPts val="0"/>
+              </a:spcBef>
+              <a:spcAft>
+                <a:spcPts val="0"/>
+              </a:spcAft>
+              <a:buClr>
+                <a:srgbClr val="000000"/>
+              </a:buClr>
+              <a:buSzPts val="1000"/>
+              <a:buFont typeface="Arial"/>
+              <a:buNone/>
+              <a:defRPr b="0" i="0" sz="1000" u="none" cap="none" strike="noStrike">
+                <a:solidFill>
+                  <a:schemeClr val="dk2"/>
+                </a:solidFill>
+                <a:latin typeface="Open Sans"/>
+                <a:ea typeface="Open Sans"/>
+                <a:cs typeface="Open Sans"/>
+                <a:sym typeface="Open Sans"/>
+              </a:defRPr>
             </a:lvl9pPr>
           </a:lstStyle>
           <a:p>
@@ -5096,7 +7994,10 @@
         <p:txBody>
           <a:bodyPr anchorCtr="0" anchor="t" bIns="91425" lIns="91425" spcFirstLastPara="1" rIns="91425" wrap="square" tIns="91425"/>
           <a:lstStyle>
-            <a:lvl1pPr lvl="0">
+            <a:lvl1pPr lvl="0" marR="0" rtl="0" algn="l">
+              <a:lnSpc>
+                <a:spcPct val="100000"/>
+              </a:lnSpc>
               <a:spcBef>
                 <a:spcPts val="0"/>
               </a:spcBef>
@@ -5109,7 +8010,7 @@
               <a:buSzPts val="3600"/>
               <a:buFont typeface="PT Sans Narrow"/>
               <a:buNone/>
-              <a:defRPr b="1" sz="3600">
+              <a:defRPr b="1" i="0" sz="3600" u="none" cap="none" strike="noStrike">
                 <a:solidFill>
                   <a:schemeClr val="accent1"/>
                 </a:solidFill>
@@ -5119,7 +8020,10 @@
                 <a:sym typeface="PT Sans Narrow"/>
               </a:defRPr>
             </a:lvl1pPr>
-            <a:lvl2pPr lvl="1">
+            <a:lvl2pPr lvl="1" marR="0" rtl="0" algn="l">
+              <a:lnSpc>
+                <a:spcPct val="100000"/>
+              </a:lnSpc>
               <a:spcBef>
                 <a:spcPts val="0"/>
               </a:spcBef>
@@ -5132,7 +8036,7 @@
               <a:buSzPts val="3600"/>
               <a:buFont typeface="PT Sans Narrow"/>
               <a:buNone/>
-              <a:defRPr b="1" sz="3600">
+              <a:defRPr b="1" i="0" sz="3600" u="none" cap="none" strike="noStrike">
                 <a:solidFill>
                   <a:schemeClr val="accent1"/>
                 </a:solidFill>
@@ -5142,7 +8046,10 @@
                 <a:sym typeface="PT Sans Narrow"/>
               </a:defRPr>
             </a:lvl2pPr>
-            <a:lvl3pPr lvl="2">
+            <a:lvl3pPr lvl="2" marR="0" rtl="0" algn="l">
+              <a:lnSpc>
+                <a:spcPct val="100000"/>
+              </a:lnSpc>
               <a:spcBef>
                 <a:spcPts val="0"/>
               </a:spcBef>
@@ -5155,7 +8062,7 @@
               <a:buSzPts val="3600"/>
               <a:buFont typeface="PT Sans Narrow"/>
               <a:buNone/>
-              <a:defRPr b="1" sz="3600">
+              <a:defRPr b="1" i="0" sz="3600" u="none" cap="none" strike="noStrike">
                 <a:solidFill>
                   <a:schemeClr val="accent1"/>
                 </a:solidFill>
@@ -5165,7 +8072,10 @@
                 <a:sym typeface="PT Sans Narrow"/>
               </a:defRPr>
             </a:lvl3pPr>
-            <a:lvl4pPr lvl="3">
+            <a:lvl4pPr lvl="3" marR="0" rtl="0" algn="l">
+              <a:lnSpc>
+                <a:spcPct val="100000"/>
+              </a:lnSpc>
               <a:spcBef>
                 <a:spcPts val="0"/>
               </a:spcBef>
@@ -5178,7 +8088,7 @@
               <a:buSzPts val="3600"/>
               <a:buFont typeface="PT Sans Narrow"/>
               <a:buNone/>
-              <a:defRPr b="1" sz="3600">
+              <a:defRPr b="1" i="0" sz="3600" u="none" cap="none" strike="noStrike">
                 <a:solidFill>
                   <a:schemeClr val="accent1"/>
                 </a:solidFill>
@@ -5188,7 +8098,10 @@
                 <a:sym typeface="PT Sans Narrow"/>
               </a:defRPr>
             </a:lvl4pPr>
-            <a:lvl5pPr lvl="4">
+            <a:lvl5pPr lvl="4" marR="0" rtl="0" algn="l">
+              <a:lnSpc>
+                <a:spcPct val="100000"/>
+              </a:lnSpc>
               <a:spcBef>
                 <a:spcPts val="0"/>
               </a:spcBef>
@@ -5201,7 +8114,7 @@
               <a:buSzPts val="3600"/>
               <a:buFont typeface="PT Sans Narrow"/>
               <a:buNone/>
-              <a:defRPr b="1" sz="3600">
+              <a:defRPr b="1" i="0" sz="3600" u="none" cap="none" strike="noStrike">
                 <a:solidFill>
                   <a:schemeClr val="accent1"/>
                 </a:solidFill>
@@ -5211,7 +8124,10 @@
                 <a:sym typeface="PT Sans Narrow"/>
               </a:defRPr>
             </a:lvl5pPr>
-            <a:lvl6pPr lvl="5">
+            <a:lvl6pPr lvl="5" marR="0" rtl="0" algn="l">
+              <a:lnSpc>
+                <a:spcPct val="100000"/>
+              </a:lnSpc>
               <a:spcBef>
                 <a:spcPts val="0"/>
               </a:spcBef>
@@ -5224,7 +8140,7 @@
               <a:buSzPts val="3600"/>
               <a:buFont typeface="PT Sans Narrow"/>
               <a:buNone/>
-              <a:defRPr b="1" sz="3600">
+              <a:defRPr b="1" i="0" sz="3600" u="none" cap="none" strike="noStrike">
                 <a:solidFill>
                   <a:schemeClr val="accent1"/>
                 </a:solidFill>
@@ -5234,7 +8150,10 @@
                 <a:sym typeface="PT Sans Narrow"/>
               </a:defRPr>
             </a:lvl6pPr>
-            <a:lvl7pPr lvl="6">
+            <a:lvl7pPr lvl="6" marR="0" rtl="0" algn="l">
+              <a:lnSpc>
+                <a:spcPct val="100000"/>
+              </a:lnSpc>
               <a:spcBef>
                 <a:spcPts val="0"/>
               </a:spcBef>
@@ -5247,7 +8166,7 @@
               <a:buSzPts val="3600"/>
               <a:buFont typeface="PT Sans Narrow"/>
               <a:buNone/>
-              <a:defRPr b="1" sz="3600">
+              <a:defRPr b="1" i="0" sz="3600" u="none" cap="none" strike="noStrike">
                 <a:solidFill>
                   <a:schemeClr val="accent1"/>
                 </a:solidFill>
@@ -5257,7 +8176,10 @@
                 <a:sym typeface="PT Sans Narrow"/>
               </a:defRPr>
             </a:lvl7pPr>
-            <a:lvl8pPr lvl="7">
+            <a:lvl8pPr lvl="7" marR="0" rtl="0" algn="l">
+              <a:lnSpc>
+                <a:spcPct val="100000"/>
+              </a:lnSpc>
               <a:spcBef>
                 <a:spcPts val="0"/>
               </a:spcBef>
@@ -5270,7 +8192,7 @@
               <a:buSzPts val="3600"/>
               <a:buFont typeface="PT Sans Narrow"/>
               <a:buNone/>
-              <a:defRPr b="1" sz="3600">
+              <a:defRPr b="1" i="0" sz="3600" u="none" cap="none" strike="noStrike">
                 <a:solidFill>
                   <a:schemeClr val="accent1"/>
                 </a:solidFill>
@@ -5280,7 +8202,10 @@
                 <a:sym typeface="PT Sans Narrow"/>
               </a:defRPr>
             </a:lvl8pPr>
-            <a:lvl9pPr lvl="8">
+            <a:lvl9pPr lvl="8" marR="0" rtl="0" algn="l">
+              <a:lnSpc>
+                <a:spcPct val="100000"/>
+              </a:lnSpc>
               <a:spcBef>
                 <a:spcPts val="0"/>
               </a:spcBef>
@@ -5293,7 +8218,7 @@
               <a:buSzPts val="3600"/>
               <a:buFont typeface="PT Sans Narrow"/>
               <a:buNone/>
-              <a:defRPr b="1" sz="3600">
+              <a:defRPr b="1" i="0" sz="3600" u="none" cap="none" strike="noStrike">
                 <a:solidFill>
                   <a:schemeClr val="accent1"/>
                 </a:solidFill>
@@ -5331,7 +8256,7 @@
         <p:txBody>
           <a:bodyPr anchorCtr="0" anchor="t" bIns="91425" lIns="91425" spcFirstLastPara="1" rIns="91425" wrap="square" tIns="91425"/>
           <a:lstStyle>
-            <a:lvl1pPr indent="-342900" lvl="0" marL="457200">
+            <a:lvl1pPr indent="-342900" lvl="0" marL="457200" marR="0" rtl="0" algn="l">
               <a:lnSpc>
                 <a:spcPct val="115000"/>
               </a:lnSpc>
@@ -5347,7 +8272,7 @@
               <a:buSzPts val="1800"/>
               <a:buFont typeface="Open Sans"/>
               <a:buChar char="●"/>
-              <a:defRPr sz="1800">
+              <a:defRPr b="0" i="0" sz="1800" u="none" cap="none" strike="noStrike">
                 <a:solidFill>
                   <a:schemeClr val="dk2"/>
                 </a:solidFill>
@@ -5357,7 +8282,7 @@
                 <a:sym typeface="Open Sans"/>
               </a:defRPr>
             </a:lvl1pPr>
-            <a:lvl2pPr indent="-317500" lvl="1" marL="914400">
+            <a:lvl2pPr indent="-317500" lvl="1" marL="914400" marR="0" rtl="0" algn="l">
               <a:lnSpc>
                 <a:spcPct val="115000"/>
               </a:lnSpc>
@@ -5373,7 +8298,7 @@
               <a:buSzPts val="1400"/>
               <a:buFont typeface="Open Sans"/>
               <a:buChar char="○"/>
-              <a:defRPr>
+              <a:defRPr b="0" i="0" sz="1400" u="none" cap="none" strike="noStrike">
                 <a:solidFill>
                   <a:schemeClr val="dk2"/>
                 </a:solidFill>
@@ -5383,7 +8308,7 @@
                 <a:sym typeface="Open Sans"/>
               </a:defRPr>
             </a:lvl2pPr>
-            <a:lvl3pPr indent="-317500" lvl="2" marL="1371600">
+            <a:lvl3pPr indent="-317500" lvl="2" marL="1371600" marR="0" rtl="0" algn="l">
               <a:lnSpc>
                 <a:spcPct val="115000"/>
               </a:lnSpc>
@@ -5399,7 +8324,7 @@
               <a:buSzPts val="1400"/>
               <a:buFont typeface="Open Sans"/>
               <a:buChar char="■"/>
-              <a:defRPr>
+              <a:defRPr b="0" i="0" sz="1400" u="none" cap="none" strike="noStrike">
                 <a:solidFill>
                   <a:schemeClr val="dk2"/>
                 </a:solidFill>
@@ -5409,7 +8334,7 @@
                 <a:sym typeface="Open Sans"/>
               </a:defRPr>
             </a:lvl3pPr>
-            <a:lvl4pPr indent="-317500" lvl="3" marL="1828800">
+            <a:lvl4pPr indent="-317500" lvl="3" marL="1828800" marR="0" rtl="0" algn="l">
               <a:lnSpc>
                 <a:spcPct val="115000"/>
               </a:lnSpc>
@@ -5425,7 +8350,7 @@
               <a:buSzPts val="1400"/>
               <a:buFont typeface="Open Sans"/>
               <a:buChar char="●"/>
-              <a:defRPr>
+              <a:defRPr b="0" i="0" sz="1400" u="none" cap="none" strike="noStrike">
                 <a:solidFill>
                   <a:schemeClr val="dk2"/>
                 </a:solidFill>
@@ -5435,7 +8360,7 @@
                 <a:sym typeface="Open Sans"/>
               </a:defRPr>
             </a:lvl4pPr>
-            <a:lvl5pPr indent="-317500" lvl="4" marL="2286000">
+            <a:lvl5pPr indent="-317500" lvl="4" marL="2286000" marR="0" rtl="0" algn="l">
               <a:lnSpc>
                 <a:spcPct val="115000"/>
               </a:lnSpc>
@@ -5451,7 +8376,7 @@
               <a:buSzPts val="1400"/>
               <a:buFont typeface="Open Sans"/>
               <a:buChar char="○"/>
-              <a:defRPr>
+              <a:defRPr b="0" i="0" sz="1400" u="none" cap="none" strike="noStrike">
                 <a:solidFill>
                   <a:schemeClr val="dk2"/>
                 </a:solidFill>
@@ -5461,7 +8386,7 @@
                 <a:sym typeface="Open Sans"/>
               </a:defRPr>
             </a:lvl5pPr>
-            <a:lvl6pPr indent="-317500" lvl="5" marL="2743200">
+            <a:lvl6pPr indent="-317500" lvl="5" marL="2743200" marR="0" rtl="0" algn="l">
               <a:lnSpc>
                 <a:spcPct val="115000"/>
               </a:lnSpc>
@@ -5477,7 +8402,7 @@
               <a:buSzPts val="1400"/>
               <a:buFont typeface="Open Sans"/>
               <a:buChar char="■"/>
-              <a:defRPr>
+              <a:defRPr b="0" i="0" sz="1400" u="none" cap="none" strike="noStrike">
                 <a:solidFill>
                   <a:schemeClr val="dk2"/>
                 </a:solidFill>
@@ -5487,7 +8412,7 @@
                 <a:sym typeface="Open Sans"/>
               </a:defRPr>
             </a:lvl6pPr>
-            <a:lvl7pPr indent="-317500" lvl="6" marL="3200400">
+            <a:lvl7pPr indent="-317500" lvl="6" marL="3200400" marR="0" rtl="0" algn="l">
               <a:lnSpc>
                 <a:spcPct val="115000"/>
               </a:lnSpc>
@@ -5503,7 +8428,7 @@
               <a:buSzPts val="1400"/>
               <a:buFont typeface="Open Sans"/>
               <a:buChar char="●"/>
-              <a:defRPr>
+              <a:defRPr b="0" i="0" sz="1400" u="none" cap="none" strike="noStrike">
                 <a:solidFill>
                   <a:schemeClr val="dk2"/>
                 </a:solidFill>
@@ -5513,7 +8438,7 @@
                 <a:sym typeface="Open Sans"/>
               </a:defRPr>
             </a:lvl7pPr>
-            <a:lvl8pPr indent="-317500" lvl="7" marL="3657600">
+            <a:lvl8pPr indent="-317500" lvl="7" marL="3657600" marR="0" rtl="0" algn="l">
               <a:lnSpc>
                 <a:spcPct val="115000"/>
               </a:lnSpc>
@@ -5529,7 +8454,7 @@
               <a:buSzPts val="1400"/>
               <a:buFont typeface="Open Sans"/>
               <a:buChar char="○"/>
-              <a:defRPr>
+              <a:defRPr b="0" i="0" sz="1400" u="none" cap="none" strike="noStrike">
                 <a:solidFill>
                   <a:schemeClr val="dk2"/>
                 </a:solidFill>
@@ -5539,7 +8464,7 @@
                 <a:sym typeface="Open Sans"/>
               </a:defRPr>
             </a:lvl8pPr>
-            <a:lvl9pPr indent="-317500" lvl="8" marL="4114800">
+            <a:lvl9pPr indent="-317500" lvl="8" marL="4114800" marR="0" rtl="0" algn="l">
               <a:lnSpc>
                 <a:spcPct val="115000"/>
               </a:lnSpc>
@@ -5555,7 +8480,7 @@
               <a:buSzPts val="1400"/>
               <a:buFont typeface="Open Sans"/>
               <a:buChar char="■"/>
-              <a:defRPr>
+              <a:defRPr b="0" i="0" sz="1400" u="none" cap="none" strike="noStrike">
                 <a:solidFill>
                   <a:schemeClr val="dk2"/>
                 </a:solidFill>
@@ -5595,9 +8520,23 @@
             <a:noAutofit/>
           </a:bodyPr>
           <a:lstStyle>
-            <a:lvl1pPr lvl="0" algn="r">
-              <a:buNone/>
-              <a:defRPr sz="1000">
+            <a:lvl1pPr indent="0" lvl="0" marL="0" marR="0" rtl="0" algn="r">
+              <a:lnSpc>
+                <a:spcPct val="100000"/>
+              </a:lnSpc>
+              <a:spcBef>
+                <a:spcPts val="0"/>
+              </a:spcBef>
+              <a:spcAft>
+                <a:spcPts val="0"/>
+              </a:spcAft>
+              <a:buClr>
+                <a:srgbClr val="000000"/>
+              </a:buClr>
+              <a:buSzPts val="1000"/>
+              <a:buFont typeface="Arial"/>
+              <a:buNone/>
+              <a:defRPr b="0" i="0" sz="1000" u="none" cap="none" strike="noStrike">
                 <a:solidFill>
                   <a:schemeClr val="dk2"/>
                 </a:solidFill>
@@ -5607,9 +8546,23 @@
                 <a:sym typeface="Open Sans"/>
               </a:defRPr>
             </a:lvl1pPr>
-            <a:lvl2pPr lvl="1" algn="r">
-              <a:buNone/>
-              <a:defRPr sz="1000">
+            <a:lvl2pPr indent="0" lvl="1" marL="0" marR="0" rtl="0" algn="r">
+              <a:lnSpc>
+                <a:spcPct val="100000"/>
+              </a:lnSpc>
+              <a:spcBef>
+                <a:spcPts val="0"/>
+              </a:spcBef>
+              <a:spcAft>
+                <a:spcPts val="0"/>
+              </a:spcAft>
+              <a:buClr>
+                <a:srgbClr val="000000"/>
+              </a:buClr>
+              <a:buSzPts val="1000"/>
+              <a:buFont typeface="Arial"/>
+              <a:buNone/>
+              <a:defRPr b="0" i="0" sz="1000" u="none" cap="none" strike="noStrike">
                 <a:solidFill>
                   <a:schemeClr val="dk2"/>
                 </a:solidFill>
@@ -5619,9 +8572,23 @@
                 <a:sym typeface="Open Sans"/>
               </a:defRPr>
             </a:lvl2pPr>
-            <a:lvl3pPr lvl="2" algn="r">
-              <a:buNone/>
-              <a:defRPr sz="1000">
+            <a:lvl3pPr indent="0" lvl="2" marL="0" marR="0" rtl="0" algn="r">
+              <a:lnSpc>
+                <a:spcPct val="100000"/>
+              </a:lnSpc>
+              <a:spcBef>
+                <a:spcPts val="0"/>
+              </a:spcBef>
+              <a:spcAft>
+                <a:spcPts val="0"/>
+              </a:spcAft>
+              <a:buClr>
+                <a:srgbClr val="000000"/>
+              </a:buClr>
+              <a:buSzPts val="1000"/>
+              <a:buFont typeface="Arial"/>
+              <a:buNone/>
+              <a:defRPr b="0" i="0" sz="1000" u="none" cap="none" strike="noStrike">
                 <a:solidFill>
                   <a:schemeClr val="dk2"/>
                 </a:solidFill>
@@ -5631,9 +8598,23 @@
                 <a:sym typeface="Open Sans"/>
               </a:defRPr>
             </a:lvl3pPr>
-            <a:lvl4pPr lvl="3" algn="r">
-              <a:buNone/>
-              <a:defRPr sz="1000">
+            <a:lvl4pPr indent="0" lvl="3" marL="0" marR="0" rtl="0" algn="r">
+              <a:lnSpc>
+                <a:spcPct val="100000"/>
+              </a:lnSpc>
+              <a:spcBef>
+                <a:spcPts val="0"/>
+              </a:spcBef>
+              <a:spcAft>
+                <a:spcPts val="0"/>
+              </a:spcAft>
+              <a:buClr>
+                <a:srgbClr val="000000"/>
+              </a:buClr>
+              <a:buSzPts val="1000"/>
+              <a:buFont typeface="Arial"/>
+              <a:buNone/>
+              <a:defRPr b="0" i="0" sz="1000" u="none" cap="none" strike="noStrike">
                 <a:solidFill>
                   <a:schemeClr val="dk2"/>
                 </a:solidFill>
@@ -5643,9 +8624,23 @@
                 <a:sym typeface="Open Sans"/>
               </a:defRPr>
             </a:lvl4pPr>
-            <a:lvl5pPr lvl="4" algn="r">
-              <a:buNone/>
-              <a:defRPr sz="1000">
+            <a:lvl5pPr indent="0" lvl="4" marL="0" marR="0" rtl="0" algn="r">
+              <a:lnSpc>
+                <a:spcPct val="100000"/>
+              </a:lnSpc>
+              <a:spcBef>
+                <a:spcPts val="0"/>
+              </a:spcBef>
+              <a:spcAft>
+                <a:spcPts val="0"/>
+              </a:spcAft>
+              <a:buClr>
+                <a:srgbClr val="000000"/>
+              </a:buClr>
+              <a:buSzPts val="1000"/>
+              <a:buFont typeface="Arial"/>
+              <a:buNone/>
+              <a:defRPr b="0" i="0" sz="1000" u="none" cap="none" strike="noStrike">
                 <a:solidFill>
                   <a:schemeClr val="dk2"/>
                 </a:solidFill>
@@ -5655,9 +8650,23 @@
                 <a:sym typeface="Open Sans"/>
               </a:defRPr>
             </a:lvl5pPr>
-            <a:lvl6pPr lvl="5" algn="r">
-              <a:buNone/>
-              <a:defRPr sz="1000">
+            <a:lvl6pPr indent="0" lvl="5" marL="0" marR="0" rtl="0" algn="r">
+              <a:lnSpc>
+                <a:spcPct val="100000"/>
+              </a:lnSpc>
+              <a:spcBef>
+                <a:spcPts val="0"/>
+              </a:spcBef>
+              <a:spcAft>
+                <a:spcPts val="0"/>
+              </a:spcAft>
+              <a:buClr>
+                <a:srgbClr val="000000"/>
+              </a:buClr>
+              <a:buSzPts val="1000"/>
+              <a:buFont typeface="Arial"/>
+              <a:buNone/>
+              <a:defRPr b="0" i="0" sz="1000" u="none" cap="none" strike="noStrike">
                 <a:solidFill>
                   <a:schemeClr val="dk2"/>
                 </a:solidFill>
@@ -5667,9 +8676,23 @@
                 <a:sym typeface="Open Sans"/>
               </a:defRPr>
             </a:lvl6pPr>
-            <a:lvl7pPr lvl="6" algn="r">
-              <a:buNone/>
-              <a:defRPr sz="1000">
+            <a:lvl7pPr indent="0" lvl="6" marL="0" marR="0" rtl="0" algn="r">
+              <a:lnSpc>
+                <a:spcPct val="100000"/>
+              </a:lnSpc>
+              <a:spcBef>
+                <a:spcPts val="0"/>
+              </a:spcBef>
+              <a:spcAft>
+                <a:spcPts val="0"/>
+              </a:spcAft>
+              <a:buClr>
+                <a:srgbClr val="000000"/>
+              </a:buClr>
+              <a:buSzPts val="1000"/>
+              <a:buFont typeface="Arial"/>
+              <a:buNone/>
+              <a:defRPr b="0" i="0" sz="1000" u="none" cap="none" strike="noStrike">
                 <a:solidFill>
                   <a:schemeClr val="dk2"/>
                 </a:solidFill>
@@ -5679,9 +8702,23 @@
                 <a:sym typeface="Open Sans"/>
               </a:defRPr>
             </a:lvl7pPr>
-            <a:lvl8pPr lvl="7" algn="r">
-              <a:buNone/>
-              <a:defRPr sz="1000">
+            <a:lvl8pPr indent="0" lvl="7" marL="0" marR="0" rtl="0" algn="r">
+              <a:lnSpc>
+                <a:spcPct val="100000"/>
+              </a:lnSpc>
+              <a:spcBef>
+                <a:spcPts val="0"/>
+              </a:spcBef>
+              <a:spcAft>
+                <a:spcPts val="0"/>
+              </a:spcAft>
+              <a:buClr>
+                <a:srgbClr val="000000"/>
+              </a:buClr>
+              <a:buSzPts val="1000"/>
+              <a:buFont typeface="Arial"/>
+              <a:buNone/>
+              <a:defRPr b="0" i="0" sz="1000" u="none" cap="none" strike="noStrike">
                 <a:solidFill>
                   <a:schemeClr val="dk2"/>
                 </a:solidFill>
@@ -5691,9 +8728,23 @@
                 <a:sym typeface="Open Sans"/>
               </a:defRPr>
             </a:lvl8pPr>
-            <a:lvl9pPr lvl="8" algn="r">
-              <a:buNone/>
-              <a:defRPr sz="1000">
+            <a:lvl9pPr indent="0" lvl="8" marL="0" marR="0" rtl="0" algn="r">
+              <a:lnSpc>
+                <a:spcPct val="100000"/>
+              </a:lnSpc>
+              <a:spcBef>
+                <a:spcPts val="0"/>
+              </a:spcBef>
+              <a:spcAft>
+                <a:spcPts val="0"/>
+              </a:spcAft>
+              <a:buClr>
+                <a:srgbClr val="000000"/>
+              </a:buClr>
+              <a:buSzPts val="1000"/>
+              <a:buFont typeface="Arial"/>
+              <a:buNone/>
+              <a:defRPr b="0" i="0" sz="1000" u="none" cap="none" strike="noStrike">
                 <a:solidFill>
                   <a:schemeClr val="dk2"/>
                 </a:solidFill>
@@ -6464,6 +9515,10 @@
           <a:prstGeom prst="rect">
             <a:avLst/>
           </a:prstGeom>
+          <a:noFill/>
+          <a:ln>
+            <a:noFill/>
+          </a:ln>
         </p:spPr>
         <p:txBody>
           <a:bodyPr anchorCtr="0" anchor="b" bIns="91425" lIns="91425" spcFirstLastPara="1" rIns="91425" wrap="square" tIns="91425">
@@ -6472,12 +9527,16 @@
           <a:lstStyle/>
           <a:p>
             <a:pPr indent="0" lvl="0" marL="0" rtl="0" algn="ctr">
-              <a:spcBef>
-                <a:spcPts val="0"/>
-              </a:spcBef>
-              <a:spcAft>
-                <a:spcPts val="0"/>
-              </a:spcAft>
+              <a:lnSpc>
+                <a:spcPct val="100000"/>
+              </a:lnSpc>
+              <a:spcBef>
+                <a:spcPts val="0"/>
+              </a:spcBef>
+              <a:spcAft>
+                <a:spcPts val="0"/>
+              </a:spcAft>
+              <a:buSzPts val="5400"/>
               <a:buNone/>
             </a:pPr>
             <a:r>
@@ -6504,6 +9563,10 @@
           <a:prstGeom prst="rect">
             <a:avLst/>
           </a:prstGeom>
+          <a:noFill/>
+          <a:ln>
+            <a:noFill/>
+          </a:ln>
         </p:spPr>
         <p:txBody>
           <a:bodyPr anchorCtr="0" anchor="t" bIns="91425" lIns="91425" spcFirstLastPara="1" rIns="91425" wrap="square" tIns="91425">
@@ -6512,12 +9575,16 @@
           <a:lstStyle/>
           <a:p>
             <a:pPr indent="0" lvl="0" marL="0" rtl="0" algn="ctr">
-              <a:spcBef>
-                <a:spcPts val="0"/>
-              </a:spcBef>
-              <a:spcAft>
-                <a:spcPts val="0"/>
-              </a:spcAft>
+              <a:lnSpc>
+                <a:spcPct val="100000"/>
+              </a:lnSpc>
+              <a:spcBef>
+                <a:spcPts val="0"/>
+              </a:spcBef>
+              <a:spcAft>
+                <a:spcPts val="0"/>
+              </a:spcAft>
+              <a:buSzPts val="2400"/>
               <a:buNone/>
             </a:pPr>
             <a:r>
@@ -6569,6 +9636,10 @@
           <a:prstGeom prst="rect">
             <a:avLst/>
           </a:prstGeom>
+          <a:noFill/>
+          <a:ln>
+            <a:noFill/>
+          </a:ln>
         </p:spPr>
         <p:txBody>
           <a:bodyPr anchorCtr="0" anchor="t" bIns="91425" lIns="91425" spcFirstLastPara="1" rIns="91425" wrap="square" tIns="91425">
@@ -6577,12 +9648,16 @@
           <a:lstStyle/>
           <a:p>
             <a:pPr indent="0" lvl="0" marL="0" rtl="0" algn="l">
-              <a:spcBef>
-                <a:spcPts val="0"/>
-              </a:spcBef>
-              <a:spcAft>
-                <a:spcPts val="0"/>
-              </a:spcAft>
+              <a:lnSpc>
+                <a:spcPct val="100000"/>
+              </a:lnSpc>
+              <a:spcBef>
+                <a:spcPts val="0"/>
+              </a:spcBef>
+              <a:spcAft>
+                <a:spcPts val="0"/>
+              </a:spcAft>
+              <a:buSzPts val="3600"/>
               <a:buNone/>
             </a:pPr>
             <a:r>
@@ -6609,6 +9684,10 @@
           <a:prstGeom prst="rect">
             <a:avLst/>
           </a:prstGeom>
+          <a:noFill/>
+          <a:ln>
+            <a:noFill/>
+          </a:ln>
         </p:spPr>
         <p:txBody>
           <a:bodyPr anchorCtr="0" anchor="t" bIns="91425" lIns="91425" spcFirstLastPara="1" rIns="91425" wrap="square" tIns="91425">
@@ -6617,12 +9696,16 @@
           <a:lstStyle/>
           <a:p>
             <a:pPr indent="0" lvl="0" marL="0" rtl="0" algn="l">
+              <a:lnSpc>
+                <a:spcPct val="115000"/>
+              </a:lnSpc>
               <a:spcBef>
                 <a:spcPts val="0"/>
               </a:spcBef>
               <a:spcAft>
                 <a:spcPts val="1600"/>
               </a:spcAft>
+              <a:buSzPts val="1800"/>
               <a:buNone/>
             </a:pPr>
             <a:r>
@@ -6674,6 +9757,10 @@
           <a:prstGeom prst="rect">
             <a:avLst/>
           </a:prstGeom>
+          <a:noFill/>
+          <a:ln>
+            <a:noFill/>
+          </a:ln>
         </p:spPr>
         <p:txBody>
           <a:bodyPr anchorCtr="0" anchor="t" bIns="91425" lIns="91425" spcFirstLastPara="1" rIns="91425" wrap="square" tIns="91425">
@@ -6682,12 +9769,16 @@
           <a:lstStyle/>
           <a:p>
             <a:pPr indent="0" lvl="0" marL="0" rtl="0" algn="l">
-              <a:spcBef>
-                <a:spcPts val="0"/>
-              </a:spcBef>
-              <a:spcAft>
-                <a:spcPts val="0"/>
-              </a:spcAft>
+              <a:lnSpc>
+                <a:spcPct val="100000"/>
+              </a:lnSpc>
+              <a:spcBef>
+                <a:spcPts val="0"/>
+              </a:spcBef>
+              <a:spcAft>
+                <a:spcPts val="0"/>
+              </a:spcAft>
+              <a:buSzPts val="3600"/>
               <a:buNone/>
             </a:pPr>
             <a:r>
@@ -6714,6 +9805,10 @@
           <a:prstGeom prst="rect">
             <a:avLst/>
           </a:prstGeom>
+          <a:noFill/>
+          <a:ln>
+            <a:noFill/>
+          </a:ln>
         </p:spPr>
         <p:txBody>
           <a:bodyPr anchorCtr="0" anchor="t" bIns="91425" lIns="91425" spcFirstLastPara="1" rIns="91425" wrap="square" tIns="91425">
@@ -6722,12 +9817,16 @@
           <a:lstStyle/>
           <a:p>
             <a:pPr indent="0" lvl="0" marL="0" rtl="0" algn="l">
-              <a:spcBef>
-                <a:spcPts val="0"/>
-              </a:spcBef>
-              <a:spcAft>
-                <a:spcPts val="0"/>
-              </a:spcAft>
+              <a:lnSpc>
+                <a:spcPct val="115000"/>
+              </a:lnSpc>
+              <a:spcBef>
+                <a:spcPts val="0"/>
+              </a:spcBef>
+              <a:spcAft>
+                <a:spcPts val="0"/>
+              </a:spcAft>
+              <a:buSzPts val="1800"/>
               <a:buNone/>
             </a:pPr>
             <a:r>
@@ -6738,12 +9837,16 @@
           </a:p>
           <a:p>
             <a:pPr indent="0" lvl="0" marL="0" rtl="0" algn="l">
+              <a:lnSpc>
+                <a:spcPct val="115000"/>
+              </a:lnSpc>
               <a:spcBef>
                 <a:spcPts val="1600"/>
               </a:spcBef>
               <a:spcAft>
                 <a:spcPts val="0"/>
               </a:spcAft>
+              <a:buSzPts val="1800"/>
               <a:buNone/>
             </a:pPr>
             <a:r>
@@ -6754,12 +9857,16 @@
           </a:p>
           <a:p>
             <a:pPr indent="0" lvl="0" marL="0" rtl="0" algn="l">
+              <a:lnSpc>
+                <a:spcPct val="115000"/>
+              </a:lnSpc>
               <a:spcBef>
                 <a:spcPts val="1600"/>
               </a:spcBef>
               <a:spcAft>
                 <a:spcPts val="0"/>
               </a:spcAft>
+              <a:buSzPts val="1800"/>
               <a:buNone/>
             </a:pPr>
             <a:r>
@@ -6770,17 +9877,41 @@
           </a:p>
           <a:p>
             <a:pPr indent="0" lvl="0" marL="0" rtl="0" algn="l">
+              <a:lnSpc>
+                <a:spcPct val="115000"/>
+              </a:lnSpc>
               <a:spcBef>
                 <a:spcPts val="1600"/>
               </a:spcBef>
               <a:spcAft>
-                <a:spcPts val="1600"/>
-              </a:spcAft>
+                <a:spcPts val="0"/>
+              </a:spcAft>
+              <a:buSzPts val="1800"/>
               <a:buNone/>
             </a:pPr>
             <a:r>
               <a:rPr lang="ru" sz="2400"/>
               <a:t>Обработчики запросов</a:t>
+            </a:r>
+            <a:endParaRPr sz="2400"/>
+          </a:p>
+          <a:p>
+            <a:pPr indent="0" lvl="0" marL="0" rtl="0" algn="l">
+              <a:lnSpc>
+                <a:spcPct val="115000"/>
+              </a:lnSpc>
+              <a:spcBef>
+                <a:spcPts val="1600"/>
+              </a:spcBef>
+              <a:spcAft>
+                <a:spcPts val="1600"/>
+              </a:spcAft>
+              <a:buSzPts val="1800"/>
+              <a:buNone/>
+            </a:pPr>
+            <a:r>
+              <a:rPr lang="ru" sz="2400"/>
+              <a:t>Хеширование паролей посредством werkzeug.security</a:t>
             </a:r>
             <a:endParaRPr sz="2400"/>
           </a:p>
@@ -6827,6 +9958,10 @@
           <a:prstGeom prst="rect">
             <a:avLst/>
           </a:prstGeom>
+          <a:noFill/>
+          <a:ln>
+            <a:noFill/>
+          </a:ln>
         </p:spPr>
         <p:txBody>
           <a:bodyPr anchorCtr="0" anchor="t" bIns="91425" lIns="91425" spcFirstLastPara="1" rIns="91425" wrap="square" tIns="91425">
@@ -6835,12 +9970,16 @@
           <a:lstStyle/>
           <a:p>
             <a:pPr indent="0" lvl="0" marL="0" rtl="0" algn="l">
-              <a:spcBef>
-                <a:spcPts val="0"/>
-              </a:spcBef>
-              <a:spcAft>
-                <a:spcPts val="0"/>
-              </a:spcAft>
+              <a:lnSpc>
+                <a:spcPct val="100000"/>
+              </a:lnSpc>
+              <a:spcBef>
+                <a:spcPts val="0"/>
+              </a:spcBef>
+              <a:spcAft>
+                <a:spcPts val="0"/>
+              </a:spcAft>
+              <a:buSzPts val="3600"/>
               <a:buNone/>
             </a:pPr>
             <a:r>
@@ -6867,6 +10006,10 @@
           <a:prstGeom prst="rect">
             <a:avLst/>
           </a:prstGeom>
+          <a:noFill/>
+          <a:ln>
+            <a:noFill/>
+          </a:ln>
         </p:spPr>
         <p:txBody>
           <a:bodyPr anchorCtr="0" anchor="t" bIns="91425" lIns="91425" spcFirstLastPara="1" rIns="91425" wrap="square" tIns="91425">
@@ -6875,12 +10018,16 @@
           <a:lstStyle/>
           <a:p>
             <a:pPr indent="0" lvl="0" marL="0" rtl="0" algn="l">
-              <a:spcBef>
-                <a:spcPts val="0"/>
-              </a:spcBef>
-              <a:spcAft>
-                <a:spcPts val="0"/>
-              </a:spcAft>
+              <a:lnSpc>
+                <a:spcPct val="115000"/>
+              </a:lnSpc>
+              <a:spcBef>
+                <a:spcPts val="0"/>
+              </a:spcBef>
+              <a:spcAft>
+                <a:spcPts val="0"/>
+              </a:spcAft>
+              <a:buSzPts val="1800"/>
               <a:buNone/>
             </a:pPr>
             <a:r>
@@ -6891,17 +10038,41 @@
           </a:p>
           <a:p>
             <a:pPr indent="0" lvl="0" marL="0" rtl="0" algn="l">
+              <a:lnSpc>
+                <a:spcPct val="115000"/>
+              </a:lnSpc>
               <a:spcBef>
                 <a:spcPts val="1600"/>
               </a:spcBef>
               <a:spcAft>
-                <a:spcPts val="1600"/>
-              </a:spcAft>
+                <a:spcPts val="0"/>
+              </a:spcAft>
+              <a:buSzPts val="1800"/>
               <a:buNone/>
             </a:pPr>
             <a:r>
               <a:rPr lang="ru" sz="2400"/>
               <a:t>+20 к чтению документации</a:t>
+            </a:r>
+            <a:endParaRPr sz="2400"/>
+          </a:p>
+          <a:p>
+            <a:pPr indent="0" lvl="0" marL="0" rtl="0" algn="l">
+              <a:lnSpc>
+                <a:spcPct val="115000"/>
+              </a:lnSpc>
+              <a:spcBef>
+                <a:spcPts val="1600"/>
+              </a:spcBef>
+              <a:spcAft>
+                <a:spcPts val="1600"/>
+              </a:spcAft>
+              <a:buSzPts val="1800"/>
+              <a:buNone/>
+            </a:pPr>
+            <a:r>
+              <a:rPr lang="ru" sz="2400"/>
+              <a:t>+ 10 к работе с GIT</a:t>
             </a:r>
             <a:endParaRPr sz="2400"/>
           </a:p>
